--- a/thesis/masterthesis/img/ros.pptx
+++ b/thesis/masterthesis/img/ros.pptx
@@ -6,7 +6,8 @@
   </p:sldMasterIdLst>
   <p:sldIdLst>
     <p:sldId id="256" r:id="rId2"/>
-    <p:sldId id="257" r:id="rId3"/>
+    <p:sldId id="258" r:id="rId3"/>
+    <p:sldId id="257" r:id="rId4"/>
   </p:sldIdLst>
   <p:sldSz cx="12192000" cy="6858000"/>
   <p:notesSz cx="6858000" cy="9144000"/>
@@ -113,6 +114,2470 @@
 </p:presentation>
 </file>
 
+<file path=ppt/diagrams/colors1.xml><?xml version="1.0" encoding="utf-8"?>
+<dgm:colorsDef xmlns:dgm="http://schemas.openxmlformats.org/drawingml/2006/diagram" xmlns:a="http://schemas.openxmlformats.org/drawingml/2006/main" uniqueId="urn:microsoft.com/office/officeart/2005/8/colors/accent0_2">
+  <dgm:title val=""/>
+  <dgm:desc val=""/>
+  <dgm:catLst>
+    <dgm:cat type="mainScheme" pri="10200"/>
+  </dgm:catLst>
+  <dgm:styleLbl name="node0">
+    <dgm:fillClrLst meth="repeat">
+      <a:schemeClr val="lt1"/>
+    </dgm:fillClrLst>
+    <dgm:linClrLst meth="repeat">
+      <a:schemeClr val="dk2">
+        <a:shade val="80000"/>
+      </a:schemeClr>
+    </dgm:linClrLst>
+    <dgm:effectClrLst/>
+    <dgm:txLinClrLst/>
+    <dgm:txFillClrLst meth="repeat">
+      <a:schemeClr val="dk2"/>
+    </dgm:txFillClrLst>
+    <dgm:txEffectClrLst/>
+  </dgm:styleLbl>
+  <dgm:styleLbl name="node1">
+    <dgm:fillClrLst meth="repeat">
+      <a:schemeClr val="lt1"/>
+    </dgm:fillClrLst>
+    <dgm:linClrLst meth="repeat">
+      <a:schemeClr val="dk2">
+        <a:shade val="80000"/>
+      </a:schemeClr>
+    </dgm:linClrLst>
+    <dgm:effectClrLst/>
+    <dgm:txLinClrLst/>
+    <dgm:txFillClrLst meth="repeat">
+      <a:schemeClr val="dk2"/>
+    </dgm:txFillClrLst>
+    <dgm:txEffectClrLst/>
+  </dgm:styleLbl>
+  <dgm:styleLbl name="alignNode1">
+    <dgm:fillClrLst meth="repeat">
+      <a:schemeClr val="lt1"/>
+    </dgm:fillClrLst>
+    <dgm:linClrLst meth="repeat">
+      <a:schemeClr val="dk2">
+        <a:shade val="80000"/>
+      </a:schemeClr>
+    </dgm:linClrLst>
+    <dgm:effectClrLst/>
+    <dgm:txLinClrLst/>
+    <dgm:txFillClrLst meth="repeat">
+      <a:schemeClr val="dk2"/>
+    </dgm:txFillClrLst>
+    <dgm:txEffectClrLst/>
+  </dgm:styleLbl>
+  <dgm:styleLbl name="lnNode1">
+    <dgm:fillClrLst meth="repeat">
+      <a:schemeClr val="lt1"/>
+    </dgm:fillClrLst>
+    <dgm:linClrLst meth="repeat">
+      <a:schemeClr val="dk2">
+        <a:shade val="80000"/>
+      </a:schemeClr>
+    </dgm:linClrLst>
+    <dgm:effectClrLst/>
+    <dgm:txLinClrLst/>
+    <dgm:txFillClrLst meth="repeat">
+      <a:schemeClr val="dk2"/>
+    </dgm:txFillClrLst>
+    <dgm:txEffectClrLst/>
+  </dgm:styleLbl>
+  <dgm:styleLbl name="vennNode1">
+    <dgm:fillClrLst meth="repeat">
+      <a:schemeClr val="lt1">
+        <a:alpha val="50000"/>
+      </a:schemeClr>
+    </dgm:fillClrLst>
+    <dgm:linClrLst meth="repeat">
+      <a:schemeClr val="dk2">
+        <a:shade val="80000"/>
+      </a:schemeClr>
+    </dgm:linClrLst>
+    <dgm:effectClrLst/>
+    <dgm:txLinClrLst/>
+    <dgm:txFillClrLst/>
+    <dgm:txEffectClrLst/>
+  </dgm:styleLbl>
+  <dgm:styleLbl name="node2">
+    <dgm:fillClrLst meth="repeat">
+      <a:schemeClr val="lt1"/>
+    </dgm:fillClrLst>
+    <dgm:linClrLst meth="repeat">
+      <a:schemeClr val="dk2">
+        <a:shade val="80000"/>
+      </a:schemeClr>
+    </dgm:linClrLst>
+    <dgm:effectClrLst/>
+    <dgm:txLinClrLst/>
+    <dgm:txFillClrLst meth="repeat">
+      <a:schemeClr val="dk2"/>
+    </dgm:txFillClrLst>
+    <dgm:txEffectClrLst/>
+  </dgm:styleLbl>
+  <dgm:styleLbl name="node3">
+    <dgm:fillClrLst meth="repeat">
+      <a:schemeClr val="lt1"/>
+    </dgm:fillClrLst>
+    <dgm:linClrLst meth="repeat">
+      <a:schemeClr val="dk2">
+        <a:shade val="80000"/>
+      </a:schemeClr>
+    </dgm:linClrLst>
+    <dgm:effectClrLst/>
+    <dgm:txLinClrLst/>
+    <dgm:txFillClrLst meth="repeat">
+      <a:schemeClr val="dk2"/>
+    </dgm:txFillClrLst>
+    <dgm:txEffectClrLst/>
+  </dgm:styleLbl>
+  <dgm:styleLbl name="node4">
+    <dgm:fillClrLst meth="repeat">
+      <a:schemeClr val="lt1"/>
+    </dgm:fillClrLst>
+    <dgm:linClrLst meth="repeat">
+      <a:schemeClr val="dk2">
+        <a:shade val="80000"/>
+      </a:schemeClr>
+    </dgm:linClrLst>
+    <dgm:effectClrLst/>
+    <dgm:txLinClrLst/>
+    <dgm:txFillClrLst meth="repeat">
+      <a:schemeClr val="dk2"/>
+    </dgm:txFillClrLst>
+    <dgm:txEffectClrLst/>
+  </dgm:styleLbl>
+  <dgm:styleLbl name="fgImgPlace1">
+    <dgm:fillClrLst meth="repeat">
+      <a:schemeClr val="dk2">
+        <a:tint val="40000"/>
+      </a:schemeClr>
+    </dgm:fillClrLst>
+    <dgm:linClrLst meth="repeat">
+      <a:schemeClr val="dk2">
+        <a:shade val="80000"/>
+      </a:schemeClr>
+    </dgm:linClrLst>
+    <dgm:effectClrLst/>
+    <dgm:txLinClrLst/>
+    <dgm:txFillClrLst meth="repeat">
+      <a:schemeClr val="lt1"/>
+    </dgm:txFillClrLst>
+    <dgm:txEffectClrLst/>
+  </dgm:styleLbl>
+  <dgm:styleLbl name="alignImgPlace1">
+    <dgm:fillClrLst meth="repeat">
+      <a:schemeClr val="dk2">
+        <a:tint val="40000"/>
+      </a:schemeClr>
+    </dgm:fillClrLst>
+    <dgm:linClrLst meth="repeat">
+      <a:schemeClr val="dk2">
+        <a:shade val="80000"/>
+      </a:schemeClr>
+    </dgm:linClrLst>
+    <dgm:effectClrLst/>
+    <dgm:txLinClrLst/>
+    <dgm:txFillClrLst meth="repeat">
+      <a:schemeClr val="lt1"/>
+    </dgm:txFillClrLst>
+    <dgm:txEffectClrLst/>
+  </dgm:styleLbl>
+  <dgm:styleLbl name="bgImgPlace1">
+    <dgm:fillClrLst meth="repeat">
+      <a:schemeClr val="dk2">
+        <a:tint val="40000"/>
+      </a:schemeClr>
+    </dgm:fillClrLst>
+    <dgm:linClrLst meth="repeat">
+      <a:schemeClr val="dk2">
+        <a:shade val="80000"/>
+      </a:schemeClr>
+    </dgm:linClrLst>
+    <dgm:effectClrLst/>
+    <dgm:txLinClrLst/>
+    <dgm:txFillClrLst meth="repeat">
+      <a:schemeClr val="lt1"/>
+    </dgm:txFillClrLst>
+    <dgm:txEffectClrLst/>
+  </dgm:styleLbl>
+  <dgm:styleLbl name="sibTrans2D1">
+    <dgm:fillClrLst meth="repeat">
+      <a:schemeClr val="dk2">
+        <a:tint val="60000"/>
+      </a:schemeClr>
+    </dgm:fillClrLst>
+    <dgm:linClrLst meth="repeat">
+      <a:schemeClr val="dk2">
+        <a:tint val="60000"/>
+      </a:schemeClr>
+    </dgm:linClrLst>
+    <dgm:effectClrLst/>
+    <dgm:txLinClrLst/>
+    <dgm:txFillClrLst meth="repeat">
+      <a:schemeClr val="dk2"/>
+    </dgm:txFillClrLst>
+    <dgm:txEffectClrLst/>
+  </dgm:styleLbl>
+  <dgm:styleLbl name="fgSibTrans2D1">
+    <dgm:fillClrLst meth="repeat">
+      <a:schemeClr val="dk2">
+        <a:tint val="60000"/>
+      </a:schemeClr>
+    </dgm:fillClrLst>
+    <dgm:linClrLst meth="repeat">
+      <a:schemeClr val="dk2">
+        <a:tint val="60000"/>
+      </a:schemeClr>
+    </dgm:linClrLst>
+    <dgm:effectClrLst/>
+    <dgm:txLinClrLst/>
+    <dgm:txFillClrLst meth="repeat">
+      <a:schemeClr val="dk2"/>
+    </dgm:txFillClrLst>
+    <dgm:txEffectClrLst/>
+  </dgm:styleLbl>
+  <dgm:styleLbl name="bgSibTrans2D1">
+    <dgm:fillClrLst meth="repeat">
+      <a:schemeClr val="dk2">
+        <a:tint val="60000"/>
+      </a:schemeClr>
+    </dgm:fillClrLst>
+    <dgm:linClrLst meth="repeat">
+      <a:schemeClr val="dk2">
+        <a:tint val="60000"/>
+      </a:schemeClr>
+    </dgm:linClrLst>
+    <dgm:effectClrLst/>
+    <dgm:txLinClrLst/>
+    <dgm:txFillClrLst meth="repeat">
+      <a:schemeClr val="dk2"/>
+    </dgm:txFillClrLst>
+    <dgm:txEffectClrLst/>
+  </dgm:styleLbl>
+  <dgm:styleLbl name="sibTrans1D1">
+    <dgm:fillClrLst meth="repeat">
+      <a:schemeClr val="dk2"/>
+    </dgm:fillClrLst>
+    <dgm:linClrLst meth="repeat">
+      <a:schemeClr val="dk2"/>
+    </dgm:linClrLst>
+    <dgm:effectClrLst/>
+    <dgm:txLinClrLst/>
+    <dgm:txFillClrLst meth="repeat">
+      <a:schemeClr val="tx1"/>
+    </dgm:txFillClrLst>
+    <dgm:txEffectClrLst/>
+  </dgm:styleLbl>
+  <dgm:styleLbl name="callout">
+    <dgm:fillClrLst meth="repeat">
+      <a:schemeClr val="dk2"/>
+    </dgm:fillClrLst>
+    <dgm:linClrLst meth="repeat">
+      <a:schemeClr val="dk2"/>
+    </dgm:linClrLst>
+    <dgm:effectClrLst/>
+    <dgm:txLinClrLst/>
+    <dgm:txFillClrLst meth="repeat">
+      <a:schemeClr val="tx1"/>
+    </dgm:txFillClrLst>
+    <dgm:txEffectClrLst/>
+  </dgm:styleLbl>
+  <dgm:styleLbl name="asst0">
+    <dgm:fillClrLst meth="repeat">
+      <a:schemeClr val="lt1"/>
+    </dgm:fillClrLst>
+    <dgm:linClrLst meth="repeat">
+      <a:schemeClr val="dk2">
+        <a:shade val="80000"/>
+      </a:schemeClr>
+    </dgm:linClrLst>
+    <dgm:effectClrLst/>
+    <dgm:txLinClrLst/>
+    <dgm:txFillClrLst meth="repeat">
+      <a:schemeClr val="dk2"/>
+    </dgm:txFillClrLst>
+    <dgm:txEffectClrLst/>
+  </dgm:styleLbl>
+  <dgm:styleLbl name="asst1">
+    <dgm:fillClrLst meth="repeat">
+      <a:schemeClr val="lt1"/>
+    </dgm:fillClrLst>
+    <dgm:linClrLst meth="repeat">
+      <a:schemeClr val="dk2">
+        <a:shade val="80000"/>
+      </a:schemeClr>
+    </dgm:linClrLst>
+    <dgm:effectClrLst/>
+    <dgm:txLinClrLst/>
+    <dgm:txFillClrLst meth="repeat">
+      <a:schemeClr val="dk2"/>
+    </dgm:txFillClrLst>
+    <dgm:txEffectClrLst/>
+  </dgm:styleLbl>
+  <dgm:styleLbl name="asst2">
+    <dgm:fillClrLst meth="repeat">
+      <a:schemeClr val="lt1"/>
+    </dgm:fillClrLst>
+    <dgm:linClrLst meth="repeat">
+      <a:schemeClr val="dk2">
+        <a:shade val="80000"/>
+      </a:schemeClr>
+    </dgm:linClrLst>
+    <dgm:effectClrLst/>
+    <dgm:txLinClrLst/>
+    <dgm:txFillClrLst meth="repeat">
+      <a:schemeClr val="dk2"/>
+    </dgm:txFillClrLst>
+    <dgm:txEffectClrLst/>
+  </dgm:styleLbl>
+  <dgm:styleLbl name="asst3">
+    <dgm:fillClrLst meth="repeat">
+      <a:schemeClr val="lt1"/>
+    </dgm:fillClrLst>
+    <dgm:linClrLst meth="repeat">
+      <a:schemeClr val="dk2">
+        <a:shade val="80000"/>
+      </a:schemeClr>
+    </dgm:linClrLst>
+    <dgm:effectClrLst/>
+    <dgm:txLinClrLst/>
+    <dgm:txFillClrLst meth="repeat">
+      <a:schemeClr val="dk2"/>
+    </dgm:txFillClrLst>
+    <dgm:txEffectClrLst/>
+  </dgm:styleLbl>
+  <dgm:styleLbl name="asst4">
+    <dgm:fillClrLst meth="repeat">
+      <a:schemeClr val="lt1"/>
+    </dgm:fillClrLst>
+    <dgm:linClrLst meth="repeat">
+      <a:schemeClr val="dk2">
+        <a:shade val="80000"/>
+      </a:schemeClr>
+    </dgm:linClrLst>
+    <dgm:effectClrLst/>
+    <dgm:txLinClrLst/>
+    <dgm:txFillClrLst meth="repeat">
+      <a:schemeClr val="dk2"/>
+    </dgm:txFillClrLst>
+    <dgm:txEffectClrLst/>
+  </dgm:styleLbl>
+  <dgm:styleLbl name="parChTrans2D1">
+    <dgm:fillClrLst meth="repeat">
+      <a:schemeClr val="dk2">
+        <a:tint val="60000"/>
+      </a:schemeClr>
+    </dgm:fillClrLst>
+    <dgm:linClrLst meth="repeat">
+      <a:schemeClr val="dk2">
+        <a:tint val="60000"/>
+      </a:schemeClr>
+    </dgm:linClrLst>
+    <dgm:effectClrLst/>
+    <dgm:txLinClrLst/>
+    <dgm:txFillClrLst/>
+    <dgm:txEffectClrLst/>
+  </dgm:styleLbl>
+  <dgm:styleLbl name="parChTrans2D2">
+    <dgm:fillClrLst meth="repeat">
+      <a:schemeClr val="dk2"/>
+    </dgm:fillClrLst>
+    <dgm:linClrLst meth="repeat">
+      <a:schemeClr val="dk2"/>
+    </dgm:linClrLst>
+    <dgm:effectClrLst/>
+    <dgm:txLinClrLst/>
+    <dgm:txFillClrLst/>
+    <dgm:txEffectClrLst/>
+  </dgm:styleLbl>
+  <dgm:styleLbl name="parChTrans2D3">
+    <dgm:fillClrLst meth="repeat">
+      <a:schemeClr val="dk2"/>
+    </dgm:fillClrLst>
+    <dgm:linClrLst meth="repeat">
+      <a:schemeClr val="dk2"/>
+    </dgm:linClrLst>
+    <dgm:effectClrLst/>
+    <dgm:txLinClrLst/>
+    <dgm:txFillClrLst/>
+    <dgm:txEffectClrLst/>
+  </dgm:styleLbl>
+  <dgm:styleLbl name="parChTrans2D4">
+    <dgm:fillClrLst meth="repeat">
+      <a:schemeClr val="dk2"/>
+    </dgm:fillClrLst>
+    <dgm:linClrLst meth="repeat">
+      <a:schemeClr val="dk2"/>
+    </dgm:linClrLst>
+    <dgm:effectClrLst/>
+    <dgm:txLinClrLst/>
+    <dgm:txFillClrLst meth="repeat">
+      <a:schemeClr val="lt1"/>
+    </dgm:txFillClrLst>
+    <dgm:txEffectClrLst/>
+  </dgm:styleLbl>
+  <dgm:styleLbl name="parChTrans1D1">
+    <dgm:fillClrLst meth="repeat">
+      <a:schemeClr val="dk2"/>
+    </dgm:fillClrLst>
+    <dgm:linClrLst meth="repeat">
+      <a:schemeClr val="dk2">
+        <a:shade val="60000"/>
+      </a:schemeClr>
+    </dgm:linClrLst>
+    <dgm:effectClrLst/>
+    <dgm:txLinClrLst/>
+    <dgm:txFillClrLst meth="repeat">
+      <a:schemeClr val="tx1"/>
+    </dgm:txFillClrLst>
+    <dgm:txEffectClrLst/>
+  </dgm:styleLbl>
+  <dgm:styleLbl name="parChTrans1D2">
+    <dgm:fillClrLst meth="repeat">
+      <a:schemeClr val="dk2"/>
+    </dgm:fillClrLst>
+    <dgm:linClrLst meth="repeat">
+      <a:schemeClr val="dk2">
+        <a:shade val="60000"/>
+      </a:schemeClr>
+    </dgm:linClrLst>
+    <dgm:effectClrLst/>
+    <dgm:txLinClrLst/>
+    <dgm:txFillClrLst meth="repeat">
+      <a:schemeClr val="tx1"/>
+    </dgm:txFillClrLst>
+    <dgm:txEffectClrLst/>
+  </dgm:styleLbl>
+  <dgm:styleLbl name="parChTrans1D3">
+    <dgm:fillClrLst meth="repeat">
+      <a:schemeClr val="dk2"/>
+    </dgm:fillClrLst>
+    <dgm:linClrLst meth="repeat">
+      <a:schemeClr val="dk2">
+        <a:shade val="80000"/>
+      </a:schemeClr>
+    </dgm:linClrLst>
+    <dgm:effectClrLst/>
+    <dgm:txLinClrLst/>
+    <dgm:txFillClrLst meth="repeat">
+      <a:schemeClr val="tx1"/>
+    </dgm:txFillClrLst>
+    <dgm:txEffectClrLst/>
+  </dgm:styleLbl>
+  <dgm:styleLbl name="parChTrans1D4">
+    <dgm:fillClrLst meth="repeat">
+      <a:schemeClr val="dk2"/>
+    </dgm:fillClrLst>
+    <dgm:linClrLst meth="repeat">
+      <a:schemeClr val="dk2">
+        <a:shade val="80000"/>
+      </a:schemeClr>
+    </dgm:linClrLst>
+    <dgm:effectClrLst/>
+    <dgm:txLinClrLst/>
+    <dgm:txFillClrLst meth="repeat">
+      <a:schemeClr val="tx1"/>
+    </dgm:txFillClrLst>
+    <dgm:txEffectClrLst/>
+  </dgm:styleLbl>
+  <dgm:styleLbl name="fgAcc1">
+    <dgm:fillClrLst meth="repeat">
+      <a:schemeClr val="dk2">
+        <a:alpha val="90000"/>
+        <a:tint val="40000"/>
+      </a:schemeClr>
+    </dgm:fillClrLst>
+    <dgm:linClrLst meth="repeat">
+      <a:schemeClr val="dk2"/>
+    </dgm:linClrLst>
+    <dgm:effectClrLst/>
+    <dgm:txLinClrLst/>
+    <dgm:txFillClrLst meth="repeat">
+      <a:schemeClr val="dk2"/>
+    </dgm:txFillClrLst>
+    <dgm:txEffectClrLst/>
+  </dgm:styleLbl>
+  <dgm:styleLbl name="conFgAcc1">
+    <dgm:fillClrLst meth="repeat">
+      <a:schemeClr val="dk2">
+        <a:alpha val="90000"/>
+        <a:tint val="40000"/>
+      </a:schemeClr>
+    </dgm:fillClrLst>
+    <dgm:linClrLst meth="repeat">
+      <a:schemeClr val="dk2"/>
+    </dgm:linClrLst>
+    <dgm:effectClrLst/>
+    <dgm:txLinClrLst/>
+    <dgm:txFillClrLst meth="repeat">
+      <a:schemeClr val="dk2"/>
+    </dgm:txFillClrLst>
+    <dgm:txEffectClrLst/>
+  </dgm:styleLbl>
+  <dgm:styleLbl name="alignAcc1">
+    <dgm:fillClrLst meth="repeat">
+      <a:schemeClr val="dk2">
+        <a:alpha val="90000"/>
+        <a:tint val="40000"/>
+      </a:schemeClr>
+    </dgm:fillClrLst>
+    <dgm:linClrLst meth="repeat">
+      <a:schemeClr val="dk2"/>
+    </dgm:linClrLst>
+    <dgm:effectClrLst/>
+    <dgm:txLinClrLst/>
+    <dgm:txFillClrLst meth="repeat">
+      <a:schemeClr val="dk2"/>
+    </dgm:txFillClrLst>
+    <dgm:txEffectClrLst/>
+  </dgm:styleLbl>
+  <dgm:styleLbl name="trAlignAcc1">
+    <dgm:fillClrLst meth="repeat">
+      <a:schemeClr val="dk2">
+        <a:alpha val="40000"/>
+        <a:tint val="40000"/>
+      </a:schemeClr>
+    </dgm:fillClrLst>
+    <dgm:linClrLst meth="repeat">
+      <a:schemeClr val="dk2"/>
+    </dgm:linClrLst>
+    <dgm:effectClrLst/>
+    <dgm:txLinClrLst/>
+    <dgm:txFillClrLst meth="repeat">
+      <a:schemeClr val="dk2"/>
+    </dgm:txFillClrLst>
+    <dgm:txEffectClrLst/>
+  </dgm:styleLbl>
+  <dgm:styleLbl name="bgAcc1">
+    <dgm:fillClrLst meth="repeat">
+      <a:schemeClr val="dk2">
+        <a:alpha val="90000"/>
+        <a:tint val="40000"/>
+      </a:schemeClr>
+    </dgm:fillClrLst>
+    <dgm:linClrLst meth="repeat">
+      <a:schemeClr val="dk2"/>
+    </dgm:linClrLst>
+    <dgm:effectClrLst/>
+    <dgm:txLinClrLst/>
+    <dgm:txFillClrLst meth="repeat">
+      <a:schemeClr val="dk2"/>
+    </dgm:txFillClrLst>
+    <dgm:txEffectClrLst/>
+  </dgm:styleLbl>
+  <dgm:styleLbl name="solidFgAcc1">
+    <dgm:fillClrLst meth="repeat">
+      <a:schemeClr val="lt1"/>
+    </dgm:fillClrLst>
+    <dgm:linClrLst meth="repeat">
+      <a:schemeClr val="dk2"/>
+    </dgm:linClrLst>
+    <dgm:effectClrLst/>
+    <dgm:txLinClrLst/>
+    <dgm:txFillClrLst meth="repeat">
+      <a:schemeClr val="dk2"/>
+    </dgm:txFillClrLst>
+    <dgm:txEffectClrLst/>
+  </dgm:styleLbl>
+  <dgm:styleLbl name="solidAlignAcc1">
+    <dgm:fillClrLst meth="repeat">
+      <a:schemeClr val="lt1"/>
+    </dgm:fillClrLst>
+    <dgm:linClrLst meth="repeat">
+      <a:schemeClr val="dk2"/>
+    </dgm:linClrLst>
+    <dgm:effectClrLst/>
+    <dgm:txLinClrLst/>
+    <dgm:txFillClrLst meth="repeat">
+      <a:schemeClr val="dk2"/>
+    </dgm:txFillClrLst>
+    <dgm:txEffectClrLst/>
+  </dgm:styleLbl>
+  <dgm:styleLbl name="solidBgAcc1">
+    <dgm:fillClrLst meth="repeat">
+      <a:schemeClr val="lt1"/>
+    </dgm:fillClrLst>
+    <dgm:linClrLst meth="repeat">
+      <a:schemeClr val="dk2"/>
+    </dgm:linClrLst>
+    <dgm:effectClrLst/>
+    <dgm:txLinClrLst/>
+    <dgm:txFillClrLst meth="repeat">
+      <a:schemeClr val="dk2"/>
+    </dgm:txFillClrLst>
+    <dgm:txEffectClrLst/>
+  </dgm:styleLbl>
+  <dgm:styleLbl name="fgAccFollowNode1">
+    <dgm:fillClrLst meth="repeat">
+      <a:schemeClr val="lt1">
+        <a:alpha val="90000"/>
+        <a:tint val="40000"/>
+      </a:schemeClr>
+    </dgm:fillClrLst>
+    <dgm:linClrLst meth="repeat">
+      <a:schemeClr val="dk2">
+        <a:alpha val="90000"/>
+      </a:schemeClr>
+    </dgm:linClrLst>
+    <dgm:effectClrLst/>
+    <dgm:txLinClrLst/>
+    <dgm:txFillClrLst meth="repeat">
+      <a:schemeClr val="dk2"/>
+    </dgm:txFillClrLst>
+    <dgm:txEffectClrLst/>
+  </dgm:styleLbl>
+  <dgm:styleLbl name="alignAccFollowNode1">
+    <dgm:fillClrLst meth="repeat">
+      <a:schemeClr val="lt1">
+        <a:alpha val="90000"/>
+        <a:tint val="40000"/>
+      </a:schemeClr>
+    </dgm:fillClrLst>
+    <dgm:linClrLst meth="repeat">
+      <a:schemeClr val="dk2">
+        <a:alpha val="90000"/>
+      </a:schemeClr>
+    </dgm:linClrLst>
+    <dgm:effectClrLst/>
+    <dgm:txLinClrLst/>
+    <dgm:txFillClrLst meth="repeat">
+      <a:schemeClr val="dk2"/>
+    </dgm:txFillClrLst>
+    <dgm:txEffectClrLst/>
+  </dgm:styleLbl>
+  <dgm:styleLbl name="bgAccFollowNode1">
+    <dgm:fillClrLst meth="repeat">
+      <a:schemeClr val="lt1">
+        <a:alpha val="90000"/>
+        <a:tint val="40000"/>
+      </a:schemeClr>
+    </dgm:fillClrLst>
+    <dgm:linClrLst meth="repeat">
+      <a:schemeClr val="dk2">
+        <a:alpha val="90000"/>
+      </a:schemeClr>
+    </dgm:linClrLst>
+    <dgm:effectClrLst/>
+    <dgm:txLinClrLst/>
+    <dgm:txFillClrLst meth="repeat">
+      <a:schemeClr val="dk2"/>
+    </dgm:txFillClrLst>
+    <dgm:txEffectClrLst/>
+  </dgm:styleLbl>
+  <dgm:styleLbl name="fgAcc0">
+    <dgm:fillClrLst meth="repeat">
+      <a:schemeClr val="dk2">
+        <a:alpha val="90000"/>
+        <a:tint val="40000"/>
+      </a:schemeClr>
+    </dgm:fillClrLst>
+    <dgm:linClrLst meth="repeat">
+      <a:schemeClr val="dk2"/>
+    </dgm:linClrLst>
+    <dgm:effectClrLst/>
+    <dgm:txLinClrLst/>
+    <dgm:txFillClrLst meth="repeat">
+      <a:schemeClr val="dk2"/>
+    </dgm:txFillClrLst>
+    <dgm:txEffectClrLst/>
+  </dgm:styleLbl>
+  <dgm:styleLbl name="fgAcc2">
+    <dgm:fillClrLst meth="repeat">
+      <a:schemeClr val="dk2">
+        <a:alpha val="90000"/>
+        <a:tint val="40000"/>
+      </a:schemeClr>
+    </dgm:fillClrLst>
+    <dgm:linClrLst meth="repeat">
+      <a:schemeClr val="dk2"/>
+    </dgm:linClrLst>
+    <dgm:effectClrLst/>
+    <dgm:txLinClrLst/>
+    <dgm:txFillClrLst meth="repeat">
+      <a:schemeClr val="dk2"/>
+    </dgm:txFillClrLst>
+    <dgm:txEffectClrLst/>
+  </dgm:styleLbl>
+  <dgm:styleLbl name="fgAcc3">
+    <dgm:fillClrLst meth="repeat">
+      <a:schemeClr val="dk2">
+        <a:alpha val="90000"/>
+        <a:tint val="40000"/>
+      </a:schemeClr>
+    </dgm:fillClrLst>
+    <dgm:linClrLst meth="repeat">
+      <a:schemeClr val="dk2"/>
+    </dgm:linClrLst>
+    <dgm:effectClrLst/>
+    <dgm:txLinClrLst/>
+    <dgm:txFillClrLst meth="repeat">
+      <a:schemeClr val="dk2"/>
+    </dgm:txFillClrLst>
+    <dgm:txEffectClrLst/>
+  </dgm:styleLbl>
+  <dgm:styleLbl name="fgAcc4">
+    <dgm:fillClrLst meth="repeat">
+      <a:schemeClr val="dk2">
+        <a:alpha val="90000"/>
+        <a:tint val="40000"/>
+      </a:schemeClr>
+    </dgm:fillClrLst>
+    <dgm:linClrLst meth="repeat">
+      <a:schemeClr val="dk2"/>
+    </dgm:linClrLst>
+    <dgm:effectClrLst/>
+    <dgm:txLinClrLst/>
+    <dgm:txFillClrLst meth="repeat">
+      <a:schemeClr val="dk2"/>
+    </dgm:txFillClrLst>
+    <dgm:txEffectClrLst/>
+  </dgm:styleLbl>
+  <dgm:styleLbl name="bgShp">
+    <dgm:fillClrLst meth="repeat">
+      <a:schemeClr val="dk2">
+        <a:tint val="40000"/>
+      </a:schemeClr>
+    </dgm:fillClrLst>
+    <dgm:linClrLst meth="repeat">
+      <a:schemeClr val="dk2"/>
+    </dgm:linClrLst>
+    <dgm:effectClrLst/>
+    <dgm:txLinClrLst/>
+    <dgm:txFillClrLst meth="repeat">
+      <a:schemeClr val="dk1"/>
+    </dgm:txFillClrLst>
+    <dgm:txEffectClrLst/>
+  </dgm:styleLbl>
+  <dgm:styleLbl name="dkBgShp">
+    <dgm:fillClrLst meth="repeat">
+      <a:schemeClr val="dk2">
+        <a:shade val="80000"/>
+      </a:schemeClr>
+    </dgm:fillClrLst>
+    <dgm:linClrLst meth="repeat">
+      <a:schemeClr val="dk2"/>
+    </dgm:linClrLst>
+    <dgm:effectClrLst/>
+    <dgm:txLinClrLst/>
+    <dgm:txFillClrLst meth="repeat">
+      <a:schemeClr val="lt2"/>
+    </dgm:txFillClrLst>
+    <dgm:txEffectClrLst/>
+  </dgm:styleLbl>
+  <dgm:styleLbl name="trBgShp">
+    <dgm:fillClrLst meth="repeat">
+      <a:schemeClr val="dk2">
+        <a:tint val="50000"/>
+        <a:alpha val="40000"/>
+      </a:schemeClr>
+    </dgm:fillClrLst>
+    <dgm:linClrLst meth="repeat">
+      <a:schemeClr val="dk2"/>
+    </dgm:linClrLst>
+    <dgm:effectClrLst/>
+    <dgm:txLinClrLst/>
+    <dgm:txFillClrLst meth="repeat">
+      <a:schemeClr val="lt2"/>
+    </dgm:txFillClrLst>
+    <dgm:txEffectClrLst/>
+  </dgm:styleLbl>
+  <dgm:styleLbl name="fgShp">
+    <dgm:fillClrLst meth="repeat">
+      <a:schemeClr val="dk2">
+        <a:tint val="60000"/>
+      </a:schemeClr>
+    </dgm:fillClrLst>
+    <dgm:linClrLst meth="repeat">
+      <a:schemeClr val="lt1"/>
+    </dgm:linClrLst>
+    <dgm:effectClrLst/>
+    <dgm:txLinClrLst/>
+    <dgm:txFillClrLst meth="repeat">
+      <a:schemeClr val="dk2"/>
+    </dgm:txFillClrLst>
+    <dgm:txEffectClrLst/>
+  </dgm:styleLbl>
+  <dgm:styleLbl name="revTx">
+    <dgm:fillClrLst meth="repeat">
+      <a:schemeClr val="lt1">
+        <a:alpha val="0"/>
+      </a:schemeClr>
+    </dgm:fillClrLst>
+    <dgm:linClrLst meth="repeat">
+      <a:schemeClr val="dk2">
+        <a:alpha val="0"/>
+      </a:schemeClr>
+    </dgm:linClrLst>
+    <dgm:effectClrLst/>
+    <dgm:txLinClrLst/>
+    <dgm:txFillClrLst meth="repeat">
+      <a:schemeClr val="tx1"/>
+    </dgm:txFillClrLst>
+    <dgm:txEffectClrLst/>
+  </dgm:styleLbl>
+</dgm:colorsDef>
+</file>
+
+<file path=ppt/diagrams/data1.xml><?xml version="1.0" encoding="utf-8"?>
+<dgm:dataModel xmlns:dgm="http://schemas.openxmlformats.org/drawingml/2006/diagram" xmlns:a="http://schemas.openxmlformats.org/drawingml/2006/main">
+  <dgm:ptLst>
+    <dgm:pt modelId="{FCC607D3-4270-4F7A-B0DC-8B434B891FE2}" type="doc">
+      <dgm:prSet loTypeId="urn:microsoft.com/office/officeart/2005/8/layout/cycle1" loCatId="cycle" qsTypeId="urn:microsoft.com/office/officeart/2005/8/quickstyle/simple1" qsCatId="simple" csTypeId="urn:microsoft.com/office/officeart/2005/8/colors/accent0_2" csCatId="mainScheme" phldr="1"/>
+      <dgm:spPr/>
+      <dgm:t>
+        <a:bodyPr/>
+        <a:lstStyle/>
+        <a:p>
+          <a:endParaRPr lang="de-DE"/>
+        </a:p>
+      </dgm:t>
+    </dgm:pt>
+    <dgm:pt modelId="{5501B654-3FD9-45A9-8E33-3487CFD23BD4}">
+      <dgm:prSet phldrT="[Text]"/>
+      <dgm:spPr/>
+      <dgm:t>
+        <a:bodyPr/>
+        <a:lstStyle/>
+        <a:p>
+          <a:r>
+            <a:rPr lang="de-DE" dirty="0"/>
+            <a:t>Path </a:t>
+          </a:r>
+        </a:p>
+        <a:p>
+          <a:r>
+            <a:rPr lang="de-DE" dirty="0" err="1"/>
+            <a:t>Planning</a:t>
+          </a:r>
+          <a:endParaRPr lang="de-DE" dirty="0"/>
+        </a:p>
+      </dgm:t>
+    </dgm:pt>
+    <dgm:pt modelId="{72863310-677B-4A28-A87D-7CFB9772D7FB}" type="parTrans" cxnId="{1A664321-57E4-4EC1-9709-B30D5475E7C7}">
+      <dgm:prSet/>
+      <dgm:spPr/>
+      <dgm:t>
+        <a:bodyPr/>
+        <a:lstStyle/>
+        <a:p>
+          <a:endParaRPr lang="de-DE"/>
+        </a:p>
+      </dgm:t>
+    </dgm:pt>
+    <dgm:pt modelId="{7ACB7825-9D40-4B81-AE18-63533E931A8B}" type="sibTrans" cxnId="{1A664321-57E4-4EC1-9709-B30D5475E7C7}">
+      <dgm:prSet/>
+      <dgm:spPr/>
+      <dgm:t>
+        <a:bodyPr/>
+        <a:lstStyle/>
+        <a:p>
+          <a:endParaRPr lang="de-DE"/>
+        </a:p>
+      </dgm:t>
+    </dgm:pt>
+    <dgm:pt modelId="{CBBB789D-9622-46DB-B7FF-B73250D5E159}">
+      <dgm:prSet phldrT="[Text]"/>
+      <dgm:spPr/>
+      <dgm:t>
+        <a:bodyPr/>
+        <a:lstStyle/>
+        <a:p>
+          <a:r>
+            <a:rPr lang="de-DE" dirty="0"/>
+            <a:t>SLAM</a:t>
+          </a:r>
+        </a:p>
+      </dgm:t>
+    </dgm:pt>
+    <dgm:pt modelId="{C611CA03-DC29-4E7C-8CDD-EC56584942B8}" type="parTrans" cxnId="{9E301F4A-C841-40C5-80CB-F3F8581040BD}">
+      <dgm:prSet/>
+      <dgm:spPr/>
+      <dgm:t>
+        <a:bodyPr/>
+        <a:lstStyle/>
+        <a:p>
+          <a:endParaRPr lang="de-DE"/>
+        </a:p>
+      </dgm:t>
+    </dgm:pt>
+    <dgm:pt modelId="{B5C54C65-6C84-40F4-A6BB-780CBD2BFB58}" type="sibTrans" cxnId="{9E301F4A-C841-40C5-80CB-F3F8581040BD}">
+      <dgm:prSet/>
+      <dgm:spPr/>
+      <dgm:t>
+        <a:bodyPr/>
+        <a:lstStyle/>
+        <a:p>
+          <a:endParaRPr lang="de-DE"/>
+        </a:p>
+      </dgm:t>
+    </dgm:pt>
+    <dgm:pt modelId="{AD1FF4C8-E9AB-4299-B6F4-BBDF77C8CC1B}" type="pres">
+      <dgm:prSet presAssocID="{FCC607D3-4270-4F7A-B0DC-8B434B891FE2}" presName="cycle" presStyleCnt="0">
+        <dgm:presLayoutVars>
+          <dgm:dir/>
+          <dgm:resizeHandles val="exact"/>
+        </dgm:presLayoutVars>
+      </dgm:prSet>
+      <dgm:spPr/>
+    </dgm:pt>
+    <dgm:pt modelId="{B766BBD3-E888-4F75-A4FA-535CBA41A85C}" type="pres">
+      <dgm:prSet presAssocID="{5501B654-3FD9-45A9-8E33-3487CFD23BD4}" presName="dummy" presStyleCnt="0"/>
+      <dgm:spPr/>
+    </dgm:pt>
+    <dgm:pt modelId="{695C4AE6-6A2C-4521-832E-B88F71133EE6}" type="pres">
+      <dgm:prSet presAssocID="{5501B654-3FD9-45A9-8E33-3487CFD23BD4}" presName="node" presStyleLbl="revTx" presStyleIdx="0" presStyleCnt="2">
+        <dgm:presLayoutVars>
+          <dgm:bulletEnabled val="1"/>
+        </dgm:presLayoutVars>
+      </dgm:prSet>
+      <dgm:spPr/>
+    </dgm:pt>
+    <dgm:pt modelId="{62A1EBE5-AAD9-4BEE-9A72-1F5007992037}" type="pres">
+      <dgm:prSet presAssocID="{7ACB7825-9D40-4B81-AE18-63533E931A8B}" presName="sibTrans" presStyleLbl="node1" presStyleIdx="0" presStyleCnt="2"/>
+      <dgm:spPr/>
+    </dgm:pt>
+    <dgm:pt modelId="{C4CEB380-B2F2-4A96-9DE6-C9BFD6415084}" type="pres">
+      <dgm:prSet presAssocID="{CBBB789D-9622-46DB-B7FF-B73250D5E159}" presName="dummy" presStyleCnt="0"/>
+      <dgm:spPr/>
+    </dgm:pt>
+    <dgm:pt modelId="{B78EFD54-8F9E-46DE-93B8-7417DB7C6A13}" type="pres">
+      <dgm:prSet presAssocID="{CBBB789D-9622-46DB-B7FF-B73250D5E159}" presName="node" presStyleLbl="revTx" presStyleIdx="1" presStyleCnt="2">
+        <dgm:presLayoutVars>
+          <dgm:bulletEnabled val="1"/>
+        </dgm:presLayoutVars>
+      </dgm:prSet>
+      <dgm:spPr/>
+    </dgm:pt>
+    <dgm:pt modelId="{2A8D593B-28F2-4197-894E-475BED2D7A07}" type="pres">
+      <dgm:prSet presAssocID="{B5C54C65-6C84-40F4-A6BB-780CBD2BFB58}" presName="sibTrans" presStyleLbl="node1" presStyleIdx="1" presStyleCnt="2"/>
+      <dgm:spPr/>
+    </dgm:pt>
+  </dgm:ptLst>
+  <dgm:cxnLst>
+    <dgm:cxn modelId="{536C8316-C3FA-4BA4-B53C-E9A45C27617A}" type="presOf" srcId="{FCC607D3-4270-4F7A-B0DC-8B434B891FE2}" destId="{AD1FF4C8-E9AB-4299-B6F4-BBDF77C8CC1B}" srcOrd="0" destOrd="0" presId="urn:microsoft.com/office/officeart/2005/8/layout/cycle1"/>
+    <dgm:cxn modelId="{1A664321-57E4-4EC1-9709-B30D5475E7C7}" srcId="{FCC607D3-4270-4F7A-B0DC-8B434B891FE2}" destId="{5501B654-3FD9-45A9-8E33-3487CFD23BD4}" srcOrd="0" destOrd="0" parTransId="{72863310-677B-4A28-A87D-7CFB9772D7FB}" sibTransId="{7ACB7825-9D40-4B81-AE18-63533E931A8B}"/>
+    <dgm:cxn modelId="{8EB0822B-6E80-455D-8CFA-8487038DCF80}" type="presOf" srcId="{5501B654-3FD9-45A9-8E33-3487CFD23BD4}" destId="{695C4AE6-6A2C-4521-832E-B88F71133EE6}" srcOrd="0" destOrd="0" presId="urn:microsoft.com/office/officeart/2005/8/layout/cycle1"/>
+    <dgm:cxn modelId="{7B6E755C-B2D3-4F08-B55F-6B831D393791}" type="presOf" srcId="{7ACB7825-9D40-4B81-AE18-63533E931A8B}" destId="{62A1EBE5-AAD9-4BEE-9A72-1F5007992037}" srcOrd="0" destOrd="0" presId="urn:microsoft.com/office/officeart/2005/8/layout/cycle1"/>
+    <dgm:cxn modelId="{9E301F4A-C841-40C5-80CB-F3F8581040BD}" srcId="{FCC607D3-4270-4F7A-B0DC-8B434B891FE2}" destId="{CBBB789D-9622-46DB-B7FF-B73250D5E159}" srcOrd="1" destOrd="0" parTransId="{C611CA03-DC29-4E7C-8CDD-EC56584942B8}" sibTransId="{B5C54C65-6C84-40F4-A6BB-780CBD2BFB58}"/>
+    <dgm:cxn modelId="{DFC72BD5-B8C9-4DA4-8513-EEBDDD31CAB6}" type="presOf" srcId="{CBBB789D-9622-46DB-B7FF-B73250D5E159}" destId="{B78EFD54-8F9E-46DE-93B8-7417DB7C6A13}" srcOrd="0" destOrd="0" presId="urn:microsoft.com/office/officeart/2005/8/layout/cycle1"/>
+    <dgm:cxn modelId="{EC3760F5-2771-4389-8CFF-EF6004771839}" type="presOf" srcId="{B5C54C65-6C84-40F4-A6BB-780CBD2BFB58}" destId="{2A8D593B-28F2-4197-894E-475BED2D7A07}" srcOrd="0" destOrd="0" presId="urn:microsoft.com/office/officeart/2005/8/layout/cycle1"/>
+    <dgm:cxn modelId="{8EDB779F-2018-4C26-A40B-202B1BC2729F}" type="presParOf" srcId="{AD1FF4C8-E9AB-4299-B6F4-BBDF77C8CC1B}" destId="{B766BBD3-E888-4F75-A4FA-535CBA41A85C}" srcOrd="0" destOrd="0" presId="urn:microsoft.com/office/officeart/2005/8/layout/cycle1"/>
+    <dgm:cxn modelId="{8A1BF906-A57A-4C8E-8DD2-771DE2377FB8}" type="presParOf" srcId="{AD1FF4C8-E9AB-4299-B6F4-BBDF77C8CC1B}" destId="{695C4AE6-6A2C-4521-832E-B88F71133EE6}" srcOrd="1" destOrd="0" presId="urn:microsoft.com/office/officeart/2005/8/layout/cycle1"/>
+    <dgm:cxn modelId="{FBB0A09F-51B9-47C4-B4FF-A3D9D517E7F3}" type="presParOf" srcId="{AD1FF4C8-E9AB-4299-B6F4-BBDF77C8CC1B}" destId="{62A1EBE5-AAD9-4BEE-9A72-1F5007992037}" srcOrd="2" destOrd="0" presId="urn:microsoft.com/office/officeart/2005/8/layout/cycle1"/>
+    <dgm:cxn modelId="{B756D24D-E3A2-4DB0-94B0-3DA981DE56E5}" type="presParOf" srcId="{AD1FF4C8-E9AB-4299-B6F4-BBDF77C8CC1B}" destId="{C4CEB380-B2F2-4A96-9DE6-C9BFD6415084}" srcOrd="3" destOrd="0" presId="urn:microsoft.com/office/officeart/2005/8/layout/cycle1"/>
+    <dgm:cxn modelId="{3B8B941B-868F-41F5-8ED5-96828DFD38A6}" type="presParOf" srcId="{AD1FF4C8-E9AB-4299-B6F4-BBDF77C8CC1B}" destId="{B78EFD54-8F9E-46DE-93B8-7417DB7C6A13}" srcOrd="4" destOrd="0" presId="urn:microsoft.com/office/officeart/2005/8/layout/cycle1"/>
+    <dgm:cxn modelId="{AEA74632-CB8C-4F5C-A6BD-B6C9F49ACA42}" type="presParOf" srcId="{AD1FF4C8-E9AB-4299-B6F4-BBDF77C8CC1B}" destId="{2A8D593B-28F2-4197-894E-475BED2D7A07}" srcOrd="5" destOrd="0" presId="urn:microsoft.com/office/officeart/2005/8/layout/cycle1"/>
+  </dgm:cxnLst>
+  <dgm:bg/>
+  <dgm:whole/>
+  <dgm:extLst>
+    <a:ext uri="http://schemas.microsoft.com/office/drawing/2008/diagram">
+      <dsp:dataModelExt xmlns:dsp="http://schemas.microsoft.com/office/drawing/2008/diagram" relId="rId6" minVer="http://schemas.openxmlformats.org/drawingml/2006/diagram"/>
+    </a:ext>
+  </dgm:extLst>
+</dgm:dataModel>
+</file>
+
+<file path=ppt/diagrams/drawing1.xml><?xml version="1.0" encoding="utf-8"?>
+<dsp:drawing xmlns:dgm="http://schemas.openxmlformats.org/drawingml/2006/diagram" xmlns:dsp="http://schemas.microsoft.com/office/drawing/2008/diagram" xmlns:a="http://schemas.openxmlformats.org/drawingml/2006/main">
+  <dsp:spTree>
+    <dsp:nvGrpSpPr>
+      <dsp:cNvPr id="0" name=""/>
+      <dsp:cNvGrpSpPr/>
+    </dsp:nvGrpSpPr>
+    <dsp:grpSpPr/>
+    <dsp:sp modelId="{695C4AE6-6A2C-4521-832E-B88F71133EE6}">
+      <dsp:nvSpPr>
+        <dsp:cNvPr id="0" name=""/>
+        <dsp:cNvSpPr/>
+      </dsp:nvSpPr>
+      <dsp:spPr>
+        <a:xfrm>
+          <a:off x="4901106" y="1391708"/>
+          <a:ext cx="2635250" cy="2635250"/>
+        </a:xfrm>
+        <a:prstGeom prst="rect">
+          <a:avLst/>
+        </a:prstGeom>
+        <a:noFill/>
+        <a:ln>
+          <a:noFill/>
+        </a:ln>
+        <a:effectLst/>
+      </dsp:spPr>
+      <dsp:style>
+        <a:lnRef idx="0">
+          <a:scrgbClr r="0" g="0" b="0"/>
+        </a:lnRef>
+        <a:fillRef idx="0">
+          <a:scrgbClr r="0" g="0" b="0"/>
+        </a:fillRef>
+        <a:effectRef idx="0">
+          <a:scrgbClr r="0" g="0" b="0"/>
+        </a:effectRef>
+        <a:fontRef idx="minor"/>
+      </dsp:style>
+      <dsp:txBody>
+        <a:bodyPr spcFirstLastPara="0" vert="horz" wrap="square" lIns="71120" tIns="71120" rIns="71120" bIns="71120" numCol="1" spcCol="1270" anchor="ctr" anchorCtr="0">
+          <a:noAutofit/>
+        </a:bodyPr>
+        <a:lstStyle/>
+        <a:p>
+          <a:pPr marL="0" lvl="0" indent="0" algn="ctr" defTabSz="2489200">
+            <a:lnSpc>
+              <a:spcPct val="90000"/>
+            </a:lnSpc>
+            <a:spcBef>
+              <a:spcPct val="0"/>
+            </a:spcBef>
+            <a:spcAft>
+              <a:spcPct val="35000"/>
+            </a:spcAft>
+            <a:buNone/>
+          </a:pPr>
+          <a:r>
+            <a:rPr lang="de-DE" sz="5600" kern="1200" dirty="0"/>
+            <a:t>Path </a:t>
+          </a:r>
+        </a:p>
+        <a:p>
+          <a:pPr marL="0" lvl="0" indent="0" algn="ctr" defTabSz="2489200">
+            <a:lnSpc>
+              <a:spcPct val="90000"/>
+            </a:lnSpc>
+            <a:spcBef>
+              <a:spcPct val="0"/>
+            </a:spcBef>
+            <a:spcAft>
+              <a:spcPct val="35000"/>
+            </a:spcAft>
+            <a:buNone/>
+          </a:pPr>
+          <a:r>
+            <a:rPr lang="de-DE" sz="5600" kern="1200" dirty="0" err="1"/>
+            <a:t>Planning</a:t>
+          </a:r>
+          <a:endParaRPr lang="de-DE" sz="5600" kern="1200" dirty="0"/>
+        </a:p>
+      </dsp:txBody>
+      <dsp:txXfrm>
+        <a:off x="4901106" y="1391708"/>
+        <a:ext cx="2635250" cy="2635250"/>
+      </dsp:txXfrm>
+    </dsp:sp>
+    <dsp:sp modelId="{62A1EBE5-AAD9-4BEE-9A72-1F5007992037}">
+      <dsp:nvSpPr>
+        <dsp:cNvPr id="0" name=""/>
+        <dsp:cNvSpPr/>
+      </dsp:nvSpPr>
+      <dsp:spPr>
+        <a:xfrm>
+          <a:off x="1352571" y="-2094"/>
+          <a:ext cx="5422856" cy="5422856"/>
+        </a:xfrm>
+        <a:prstGeom prst="circularArrow">
+          <a:avLst>
+            <a:gd name="adj1" fmla="val 9476"/>
+            <a:gd name="adj2" fmla="val 684342"/>
+            <a:gd name="adj3" fmla="val 7853763"/>
+            <a:gd name="adj4" fmla="val 2261895"/>
+            <a:gd name="adj5" fmla="val 11055"/>
+          </a:avLst>
+        </a:prstGeom>
+        <a:solidFill>
+          <a:schemeClr val="lt1">
+            <a:hueOff val="0"/>
+            <a:satOff val="0"/>
+            <a:lumOff val="0"/>
+            <a:alphaOff val="0"/>
+          </a:schemeClr>
+        </a:solidFill>
+        <a:ln w="12700" cap="flat" cmpd="sng" algn="ctr">
+          <a:solidFill>
+            <a:schemeClr val="dk2">
+              <a:shade val="80000"/>
+              <a:hueOff val="0"/>
+              <a:satOff val="0"/>
+              <a:lumOff val="0"/>
+              <a:alphaOff val="0"/>
+            </a:schemeClr>
+          </a:solidFill>
+          <a:prstDash val="solid"/>
+          <a:miter lim="800000"/>
+        </a:ln>
+        <a:effectLst/>
+      </dsp:spPr>
+      <dsp:style>
+        <a:lnRef idx="2">
+          <a:scrgbClr r="0" g="0" b="0"/>
+        </a:lnRef>
+        <a:fillRef idx="1">
+          <a:scrgbClr r="0" g="0" b="0"/>
+        </a:fillRef>
+        <a:effectRef idx="0">
+          <a:scrgbClr r="0" g="0" b="0"/>
+        </a:effectRef>
+        <a:fontRef idx="minor">
+          <a:schemeClr val="lt1"/>
+        </a:fontRef>
+      </dsp:style>
+    </dsp:sp>
+    <dsp:sp modelId="{B78EFD54-8F9E-46DE-93B8-7417DB7C6A13}">
+      <dsp:nvSpPr>
+        <dsp:cNvPr id="0" name=""/>
+        <dsp:cNvSpPr/>
+      </dsp:nvSpPr>
+      <dsp:spPr>
+        <a:xfrm>
+          <a:off x="591643" y="1391708"/>
+          <a:ext cx="2635250" cy="2635250"/>
+        </a:xfrm>
+        <a:prstGeom prst="rect">
+          <a:avLst/>
+        </a:prstGeom>
+        <a:noFill/>
+        <a:ln>
+          <a:noFill/>
+        </a:ln>
+        <a:effectLst/>
+      </dsp:spPr>
+      <dsp:style>
+        <a:lnRef idx="0">
+          <a:scrgbClr r="0" g="0" b="0"/>
+        </a:lnRef>
+        <a:fillRef idx="0">
+          <a:scrgbClr r="0" g="0" b="0"/>
+        </a:fillRef>
+        <a:effectRef idx="0">
+          <a:scrgbClr r="0" g="0" b="0"/>
+        </a:effectRef>
+        <a:fontRef idx="minor"/>
+      </dsp:style>
+      <dsp:txBody>
+        <a:bodyPr spcFirstLastPara="0" vert="horz" wrap="square" lIns="71120" tIns="71120" rIns="71120" bIns="71120" numCol="1" spcCol="1270" anchor="ctr" anchorCtr="0">
+          <a:noAutofit/>
+        </a:bodyPr>
+        <a:lstStyle/>
+        <a:p>
+          <a:pPr marL="0" lvl="0" indent="0" algn="ctr" defTabSz="2489200">
+            <a:lnSpc>
+              <a:spcPct val="90000"/>
+            </a:lnSpc>
+            <a:spcBef>
+              <a:spcPct val="0"/>
+            </a:spcBef>
+            <a:spcAft>
+              <a:spcPct val="35000"/>
+            </a:spcAft>
+            <a:buNone/>
+          </a:pPr>
+          <a:r>
+            <a:rPr lang="de-DE" sz="5600" kern="1200" dirty="0"/>
+            <a:t>SLAM</a:t>
+          </a:r>
+        </a:p>
+      </dsp:txBody>
+      <dsp:txXfrm>
+        <a:off x="591643" y="1391708"/>
+        <a:ext cx="2635250" cy="2635250"/>
+      </dsp:txXfrm>
+    </dsp:sp>
+    <dsp:sp modelId="{2A8D593B-28F2-4197-894E-475BED2D7A07}">
+      <dsp:nvSpPr>
+        <dsp:cNvPr id="0" name=""/>
+        <dsp:cNvSpPr/>
+      </dsp:nvSpPr>
+      <dsp:spPr>
+        <a:xfrm>
+          <a:off x="1352571" y="-2094"/>
+          <a:ext cx="5422856" cy="5422856"/>
+        </a:xfrm>
+        <a:prstGeom prst="circularArrow">
+          <a:avLst>
+            <a:gd name="adj1" fmla="val 9476"/>
+            <a:gd name="adj2" fmla="val 684342"/>
+            <a:gd name="adj3" fmla="val 18653763"/>
+            <a:gd name="adj4" fmla="val 13061895"/>
+            <a:gd name="adj5" fmla="val 11055"/>
+          </a:avLst>
+        </a:prstGeom>
+        <a:solidFill>
+          <a:schemeClr val="lt1">
+            <a:hueOff val="0"/>
+            <a:satOff val="0"/>
+            <a:lumOff val="0"/>
+            <a:alphaOff val="0"/>
+          </a:schemeClr>
+        </a:solidFill>
+        <a:ln w="12700" cap="flat" cmpd="sng" algn="ctr">
+          <a:solidFill>
+            <a:schemeClr val="dk2">
+              <a:shade val="80000"/>
+              <a:hueOff val="0"/>
+              <a:satOff val="0"/>
+              <a:lumOff val="0"/>
+              <a:alphaOff val="0"/>
+            </a:schemeClr>
+          </a:solidFill>
+          <a:prstDash val="solid"/>
+          <a:miter lim="800000"/>
+        </a:ln>
+        <a:effectLst/>
+      </dsp:spPr>
+      <dsp:style>
+        <a:lnRef idx="2">
+          <a:scrgbClr r="0" g="0" b="0"/>
+        </a:lnRef>
+        <a:fillRef idx="1">
+          <a:scrgbClr r="0" g="0" b="0"/>
+        </a:fillRef>
+        <a:effectRef idx="0">
+          <a:scrgbClr r="0" g="0" b="0"/>
+        </a:effectRef>
+        <a:fontRef idx="minor">
+          <a:schemeClr val="lt1"/>
+        </a:fontRef>
+      </dsp:style>
+    </dsp:sp>
+  </dsp:spTree>
+</dsp:drawing>
+</file>
+
+<file path=ppt/diagrams/layout1.xml><?xml version="1.0" encoding="utf-8"?>
+<dgm:layoutDef xmlns:dgm="http://schemas.openxmlformats.org/drawingml/2006/diagram" xmlns:a="http://schemas.openxmlformats.org/drawingml/2006/main" uniqueId="urn:microsoft.com/office/officeart/2005/8/layout/cycle1">
+  <dgm:title val=""/>
+  <dgm:desc val=""/>
+  <dgm:catLst>
+    <dgm:cat type="cycle" pri="2000"/>
+  </dgm:catLst>
+  <dgm:sampData>
+    <dgm:dataModel>
+      <dgm:ptLst>
+        <dgm:pt modelId="0" type="doc"/>
+        <dgm:pt modelId="1">
+          <dgm:prSet phldr="1"/>
+        </dgm:pt>
+        <dgm:pt modelId="2">
+          <dgm:prSet phldr="1"/>
+        </dgm:pt>
+        <dgm:pt modelId="3">
+          <dgm:prSet phldr="1"/>
+        </dgm:pt>
+        <dgm:pt modelId="4">
+          <dgm:prSet phldr="1"/>
+        </dgm:pt>
+        <dgm:pt modelId="5">
+          <dgm:prSet phldr="1"/>
+        </dgm:pt>
+      </dgm:ptLst>
+      <dgm:cxnLst>
+        <dgm:cxn modelId="6" srcId="0" destId="1" srcOrd="0" destOrd="0"/>
+        <dgm:cxn modelId="7" srcId="0" destId="2" srcOrd="1" destOrd="0"/>
+        <dgm:cxn modelId="8" srcId="0" destId="3" srcOrd="2" destOrd="0"/>
+        <dgm:cxn modelId="9" srcId="0" destId="4" srcOrd="3" destOrd="0"/>
+        <dgm:cxn modelId="10" srcId="0" destId="5" srcOrd="4" destOrd="0"/>
+      </dgm:cxnLst>
+      <dgm:bg/>
+      <dgm:whole/>
+    </dgm:dataModel>
+  </dgm:sampData>
+  <dgm:styleData>
+    <dgm:dataModel>
+      <dgm:ptLst>
+        <dgm:pt modelId="0" type="doc"/>
+        <dgm:pt modelId="1"/>
+        <dgm:pt modelId="2"/>
+        <dgm:pt modelId="3"/>
+      </dgm:ptLst>
+      <dgm:cxnLst>
+        <dgm:cxn modelId="4" srcId="0" destId="1" srcOrd="0" destOrd="0"/>
+        <dgm:cxn modelId="5" srcId="0" destId="2" srcOrd="1" destOrd="0"/>
+        <dgm:cxn modelId="6" srcId="0" destId="3" srcOrd="2" destOrd="0"/>
+      </dgm:cxnLst>
+      <dgm:bg/>
+      <dgm:whole/>
+    </dgm:dataModel>
+  </dgm:styleData>
+  <dgm:clrData>
+    <dgm:dataModel>
+      <dgm:ptLst>
+        <dgm:pt modelId="0" type="doc"/>
+        <dgm:pt modelId="1"/>
+        <dgm:pt modelId="2"/>
+        <dgm:pt modelId="3"/>
+        <dgm:pt modelId="4"/>
+        <dgm:pt modelId="5"/>
+        <dgm:pt modelId="6"/>
+      </dgm:ptLst>
+      <dgm:cxnLst>
+        <dgm:cxn modelId="7" srcId="0" destId="1" srcOrd="0" destOrd="0"/>
+        <dgm:cxn modelId="8" srcId="0" destId="2" srcOrd="1" destOrd="0"/>
+        <dgm:cxn modelId="9" srcId="0" destId="3" srcOrd="2" destOrd="0"/>
+        <dgm:cxn modelId="10" srcId="0" destId="4" srcOrd="3" destOrd="0"/>
+        <dgm:cxn modelId="11" srcId="0" destId="5" srcOrd="4" destOrd="0"/>
+        <dgm:cxn modelId="12" srcId="0" destId="6" srcOrd="5" destOrd="0"/>
+      </dgm:cxnLst>
+      <dgm:bg/>
+      <dgm:whole/>
+    </dgm:dataModel>
+  </dgm:clrData>
+  <dgm:layoutNode name="cycle">
+    <dgm:varLst>
+      <dgm:dir/>
+      <dgm:resizeHandles val="exact"/>
+    </dgm:varLst>
+    <dgm:choose name="Name0">
+      <dgm:if name="Name1" func="var" arg="dir" op="equ" val="norm">
+        <dgm:alg type="cycle">
+          <dgm:param type="stAng" val="0"/>
+          <dgm:param type="spanAng" val="360"/>
+        </dgm:alg>
+      </dgm:if>
+      <dgm:else name="Name2">
+        <dgm:alg type="cycle">
+          <dgm:param type="stAng" val="0"/>
+          <dgm:param type="spanAng" val="-360"/>
+        </dgm:alg>
+      </dgm:else>
+    </dgm:choose>
+    <dgm:shape xmlns:r="http://schemas.openxmlformats.org/officeDocument/2006/relationships" r:blip="">
+      <dgm:adjLst/>
+    </dgm:shape>
+    <dgm:presOf/>
+    <dgm:choose name="Name3">
+      <dgm:if name="Name4" func="var" arg="dir" op="equ" val="norm">
+        <dgm:constrLst>
+          <dgm:constr type="diam" val="1"/>
+          <dgm:constr type="w" for="ch" forName="node" refType="w"/>
+          <dgm:constr type="w" for="ch" ptType="sibTrans" refType="w" refFor="ch" refForName="node" fact="0.5"/>
+          <dgm:constr type="h" for="ch" ptType="sibTrans" op="equ"/>
+          <dgm:constr type="diam" for="ch" ptType="sibTrans" refType="diam" op="equ"/>
+          <dgm:constr type="sibSp" refType="w" refFor="ch" refForName="node" fact="0.15"/>
+          <dgm:constr type="w" for="ch" forName="dummy" refType="sibSp" fact="2.8"/>
+          <dgm:constr type="primFontSz" for="ch" forName="node" op="equ" val="65"/>
+        </dgm:constrLst>
+      </dgm:if>
+      <dgm:else name="Name5">
+        <dgm:constrLst>
+          <dgm:constr type="diam" val="1"/>
+          <dgm:constr type="w" for="ch" forName="node" refType="w"/>
+          <dgm:constr type="w" for="ch" ptType="sibTrans" refType="w" refFor="ch" refForName="node" fact="0.5"/>
+          <dgm:constr type="h" for="ch" ptType="sibTrans" op="equ"/>
+          <dgm:constr type="diam" for="ch" ptType="sibTrans" refType="diam" op="equ" fact="-1"/>
+          <dgm:constr type="sibSp" refType="w" refFor="ch" refForName="node" fact="0.15"/>
+          <dgm:constr type="w" for="ch" forName="dummy" refType="sibSp" fact="2.8"/>
+          <dgm:constr type="primFontSz" for="ch" forName="node" op="equ" val="65"/>
+        </dgm:constrLst>
+      </dgm:else>
+    </dgm:choose>
+    <dgm:ruleLst>
+      <dgm:rule type="diam" val="INF" fact="NaN" max="NaN"/>
+    </dgm:ruleLst>
+    <dgm:forEach name="nodesForEach" axis="ch" ptType="node">
+      <dgm:choose name="Name6">
+        <dgm:if name="Name7" axis="par ch" ptType="doc node" func="cnt" op="gt" val="1">
+          <dgm:layoutNode name="dummy">
+            <dgm:alg type="sp"/>
+            <dgm:shape xmlns:r="http://schemas.openxmlformats.org/officeDocument/2006/relationships" r:blip="">
+              <dgm:adjLst/>
+            </dgm:shape>
+            <dgm:presOf/>
+            <dgm:constrLst>
+              <dgm:constr type="h" refType="w"/>
+            </dgm:constrLst>
+            <dgm:ruleLst/>
+          </dgm:layoutNode>
+        </dgm:if>
+        <dgm:else name="Name8"/>
+      </dgm:choose>
+      <dgm:layoutNode name="node" styleLbl="revTx">
+        <dgm:varLst>
+          <dgm:bulletEnabled val="1"/>
+        </dgm:varLst>
+        <dgm:alg type="tx">
+          <dgm:param type="txAnchorVertCh" val="mid"/>
+        </dgm:alg>
+        <dgm:shape xmlns:r="http://schemas.openxmlformats.org/officeDocument/2006/relationships" type="rect" r:blip="">
+          <dgm:adjLst/>
+        </dgm:shape>
+        <dgm:presOf axis="desOrSelf" ptType="node"/>
+        <dgm:constrLst>
+          <dgm:constr type="h" refType="w"/>
+          <dgm:constr type="lMarg" refType="primFontSz" fact="0.1"/>
+          <dgm:constr type="rMarg" refType="primFontSz" fact="0.1"/>
+          <dgm:constr type="tMarg" refType="primFontSz" fact="0.1"/>
+          <dgm:constr type="bMarg" refType="primFontSz" fact="0.1"/>
+        </dgm:constrLst>
+        <dgm:ruleLst>
+          <dgm:rule type="primFontSz" val="5" fact="NaN" max="NaN"/>
+        </dgm:ruleLst>
+      </dgm:layoutNode>
+      <dgm:choose name="Name9">
+        <dgm:if name="Name10" axis="par ch" ptType="doc node" func="cnt" op="gt" val="1">
+          <dgm:forEach name="Name11" axis="followSib" ptType="sibTrans" hideLastTrans="0" cnt="1">
+            <dgm:layoutNode name="sibTrans" styleLbl="node1">
+              <dgm:alg type="conn">
+                <dgm:param type="connRout" val="curve"/>
+                <dgm:param type="begPts" val="radial"/>
+                <dgm:param type="endPts" val="radial"/>
+              </dgm:alg>
+              <dgm:shape xmlns:r="http://schemas.openxmlformats.org/officeDocument/2006/relationships" type="conn" r:blip="">
+                <dgm:adjLst/>
+              </dgm:shape>
+              <dgm:presOf axis="self"/>
+              <dgm:constrLst>
+                <dgm:constr type="h" refType="w" fact="0.65"/>
+                <dgm:constr type="begPad"/>
+                <dgm:constr type="endPad"/>
+              </dgm:constrLst>
+              <dgm:ruleLst/>
+            </dgm:layoutNode>
+          </dgm:forEach>
+        </dgm:if>
+        <dgm:else name="Name12"/>
+      </dgm:choose>
+    </dgm:forEach>
+  </dgm:layoutNode>
+</dgm:layoutDef>
+</file>
+
+<file path=ppt/diagrams/quickStyle1.xml><?xml version="1.0" encoding="utf-8"?>
+<dgm:styleDef xmlns:dgm="http://schemas.openxmlformats.org/drawingml/2006/diagram" xmlns:a="http://schemas.openxmlformats.org/drawingml/2006/main" uniqueId="urn:microsoft.com/office/officeart/2005/8/quickstyle/simple1">
+  <dgm:title val=""/>
+  <dgm:desc val=""/>
+  <dgm:catLst>
+    <dgm:cat type="simple" pri="10100"/>
+  </dgm:catLst>
+  <dgm:scene3d>
+    <a:camera prst="orthographicFront"/>
+    <a:lightRig rig="threePt" dir="t"/>
+  </dgm:scene3d>
+  <dgm:styleLbl name="node0">
+    <dgm:scene3d>
+      <a:camera prst="orthographicFront"/>
+      <a:lightRig rig="threePt" dir="t"/>
+    </dgm:scene3d>
+    <dgm:sp3d/>
+    <dgm:txPr/>
+    <dgm:style>
+      <a:lnRef idx="2">
+        <a:scrgbClr r="0" g="0" b="0"/>
+      </a:lnRef>
+      <a:fillRef idx="1">
+        <a:scrgbClr r="0" g="0" b="0"/>
+      </a:fillRef>
+      <a:effectRef idx="0">
+        <a:scrgbClr r="0" g="0" b="0"/>
+      </a:effectRef>
+      <a:fontRef idx="minor">
+        <a:schemeClr val="lt1"/>
+      </a:fontRef>
+    </dgm:style>
+  </dgm:styleLbl>
+  <dgm:styleLbl name="lnNode1">
+    <dgm:scene3d>
+      <a:camera prst="orthographicFront"/>
+      <a:lightRig rig="threePt" dir="t"/>
+    </dgm:scene3d>
+    <dgm:sp3d/>
+    <dgm:txPr/>
+    <dgm:style>
+      <a:lnRef idx="2">
+        <a:scrgbClr r="0" g="0" b="0"/>
+      </a:lnRef>
+      <a:fillRef idx="1">
+        <a:scrgbClr r="0" g="0" b="0"/>
+      </a:fillRef>
+      <a:effectRef idx="0">
+        <a:scrgbClr r="0" g="0" b="0"/>
+      </a:effectRef>
+      <a:fontRef idx="minor">
+        <a:schemeClr val="lt1"/>
+      </a:fontRef>
+    </dgm:style>
+  </dgm:styleLbl>
+  <dgm:styleLbl name="vennNode1">
+    <dgm:scene3d>
+      <a:camera prst="orthographicFront"/>
+      <a:lightRig rig="threePt" dir="t"/>
+    </dgm:scene3d>
+    <dgm:sp3d/>
+    <dgm:txPr/>
+    <dgm:style>
+      <a:lnRef idx="2">
+        <a:scrgbClr r="0" g="0" b="0"/>
+      </a:lnRef>
+      <a:fillRef idx="1">
+        <a:scrgbClr r="0" g="0" b="0"/>
+      </a:fillRef>
+      <a:effectRef idx="0">
+        <a:scrgbClr r="0" g="0" b="0"/>
+      </a:effectRef>
+      <a:fontRef idx="minor">
+        <a:schemeClr val="tx1"/>
+      </a:fontRef>
+    </dgm:style>
+  </dgm:styleLbl>
+  <dgm:styleLbl name="alignNode1">
+    <dgm:scene3d>
+      <a:camera prst="orthographicFront"/>
+      <a:lightRig rig="threePt" dir="t"/>
+    </dgm:scene3d>
+    <dgm:sp3d/>
+    <dgm:txPr/>
+    <dgm:style>
+      <a:lnRef idx="2">
+        <a:scrgbClr r="0" g="0" b="0"/>
+      </a:lnRef>
+      <a:fillRef idx="1">
+        <a:scrgbClr r="0" g="0" b="0"/>
+      </a:fillRef>
+      <a:effectRef idx="0">
+        <a:scrgbClr r="0" g="0" b="0"/>
+      </a:effectRef>
+      <a:fontRef idx="minor">
+        <a:schemeClr val="lt1"/>
+      </a:fontRef>
+    </dgm:style>
+  </dgm:styleLbl>
+  <dgm:styleLbl name="node1">
+    <dgm:scene3d>
+      <a:camera prst="orthographicFront"/>
+      <a:lightRig rig="threePt" dir="t"/>
+    </dgm:scene3d>
+    <dgm:sp3d/>
+    <dgm:txPr/>
+    <dgm:style>
+      <a:lnRef idx="2">
+        <a:scrgbClr r="0" g="0" b="0"/>
+      </a:lnRef>
+      <a:fillRef idx="1">
+        <a:scrgbClr r="0" g="0" b="0"/>
+      </a:fillRef>
+      <a:effectRef idx="0">
+        <a:scrgbClr r="0" g="0" b="0"/>
+      </a:effectRef>
+      <a:fontRef idx="minor">
+        <a:schemeClr val="lt1"/>
+      </a:fontRef>
+    </dgm:style>
+  </dgm:styleLbl>
+  <dgm:styleLbl name="node2">
+    <dgm:scene3d>
+      <a:camera prst="orthographicFront"/>
+      <a:lightRig rig="threePt" dir="t"/>
+    </dgm:scene3d>
+    <dgm:sp3d/>
+    <dgm:txPr/>
+    <dgm:style>
+      <a:lnRef idx="2">
+        <a:scrgbClr r="0" g="0" b="0"/>
+      </a:lnRef>
+      <a:fillRef idx="1">
+        <a:scrgbClr r="0" g="0" b="0"/>
+      </a:fillRef>
+      <a:effectRef idx="0">
+        <a:scrgbClr r="0" g="0" b="0"/>
+      </a:effectRef>
+      <a:fontRef idx="minor">
+        <a:schemeClr val="lt1"/>
+      </a:fontRef>
+    </dgm:style>
+  </dgm:styleLbl>
+  <dgm:styleLbl name="node3">
+    <dgm:scene3d>
+      <a:camera prst="orthographicFront"/>
+      <a:lightRig rig="threePt" dir="t"/>
+    </dgm:scene3d>
+    <dgm:sp3d/>
+    <dgm:txPr/>
+    <dgm:style>
+      <a:lnRef idx="2">
+        <a:scrgbClr r="0" g="0" b="0"/>
+      </a:lnRef>
+      <a:fillRef idx="1">
+        <a:scrgbClr r="0" g="0" b="0"/>
+      </a:fillRef>
+      <a:effectRef idx="0">
+        <a:scrgbClr r="0" g="0" b="0"/>
+      </a:effectRef>
+      <a:fontRef idx="minor">
+        <a:schemeClr val="lt1"/>
+      </a:fontRef>
+    </dgm:style>
+  </dgm:styleLbl>
+  <dgm:styleLbl name="node4">
+    <dgm:scene3d>
+      <a:camera prst="orthographicFront"/>
+      <a:lightRig rig="threePt" dir="t"/>
+    </dgm:scene3d>
+    <dgm:sp3d/>
+    <dgm:txPr/>
+    <dgm:style>
+      <a:lnRef idx="2">
+        <a:scrgbClr r="0" g="0" b="0"/>
+      </a:lnRef>
+      <a:fillRef idx="1">
+        <a:scrgbClr r="0" g="0" b="0"/>
+      </a:fillRef>
+      <a:effectRef idx="0">
+        <a:scrgbClr r="0" g="0" b="0"/>
+      </a:effectRef>
+      <a:fontRef idx="minor">
+        <a:schemeClr val="lt1"/>
+      </a:fontRef>
+    </dgm:style>
+  </dgm:styleLbl>
+  <dgm:styleLbl name="fgImgPlace1">
+    <dgm:scene3d>
+      <a:camera prst="orthographicFront"/>
+      <a:lightRig rig="threePt" dir="t"/>
+    </dgm:scene3d>
+    <dgm:sp3d/>
+    <dgm:txPr/>
+    <dgm:style>
+      <a:lnRef idx="2">
+        <a:scrgbClr r="0" g="0" b="0"/>
+      </a:lnRef>
+      <a:fillRef idx="1">
+        <a:scrgbClr r="0" g="0" b="0"/>
+      </a:fillRef>
+      <a:effectRef idx="0">
+        <a:scrgbClr r="0" g="0" b="0"/>
+      </a:effectRef>
+      <a:fontRef idx="minor"/>
+    </dgm:style>
+  </dgm:styleLbl>
+  <dgm:styleLbl name="alignImgPlace1">
+    <dgm:scene3d>
+      <a:camera prst="orthographicFront"/>
+      <a:lightRig rig="threePt" dir="t"/>
+    </dgm:scene3d>
+    <dgm:sp3d/>
+    <dgm:txPr/>
+    <dgm:style>
+      <a:lnRef idx="2">
+        <a:scrgbClr r="0" g="0" b="0"/>
+      </a:lnRef>
+      <a:fillRef idx="1">
+        <a:scrgbClr r="0" g="0" b="0"/>
+      </a:fillRef>
+      <a:effectRef idx="0">
+        <a:scrgbClr r="0" g="0" b="0"/>
+      </a:effectRef>
+      <a:fontRef idx="minor"/>
+    </dgm:style>
+  </dgm:styleLbl>
+  <dgm:styleLbl name="bgImgPlace1">
+    <dgm:scene3d>
+      <a:camera prst="orthographicFront"/>
+      <a:lightRig rig="threePt" dir="t"/>
+    </dgm:scene3d>
+    <dgm:sp3d/>
+    <dgm:txPr/>
+    <dgm:style>
+      <a:lnRef idx="2">
+        <a:scrgbClr r="0" g="0" b="0"/>
+      </a:lnRef>
+      <a:fillRef idx="1">
+        <a:scrgbClr r="0" g="0" b="0"/>
+      </a:fillRef>
+      <a:effectRef idx="0">
+        <a:scrgbClr r="0" g="0" b="0"/>
+      </a:effectRef>
+      <a:fontRef idx="minor"/>
+    </dgm:style>
+  </dgm:styleLbl>
+  <dgm:styleLbl name="sibTrans2D1">
+    <dgm:scene3d>
+      <a:camera prst="orthographicFront"/>
+      <a:lightRig rig="threePt" dir="t"/>
+    </dgm:scene3d>
+    <dgm:sp3d/>
+    <dgm:txPr/>
+    <dgm:style>
+      <a:lnRef idx="0">
+        <a:scrgbClr r="0" g="0" b="0"/>
+      </a:lnRef>
+      <a:fillRef idx="1">
+        <a:scrgbClr r="0" g="0" b="0"/>
+      </a:fillRef>
+      <a:effectRef idx="0">
+        <a:scrgbClr r="0" g="0" b="0"/>
+      </a:effectRef>
+      <a:fontRef idx="minor">
+        <a:schemeClr val="lt1"/>
+      </a:fontRef>
+    </dgm:style>
+  </dgm:styleLbl>
+  <dgm:styleLbl name="fgSibTrans2D1">
+    <dgm:scene3d>
+      <a:camera prst="orthographicFront"/>
+      <a:lightRig rig="threePt" dir="t"/>
+    </dgm:scene3d>
+    <dgm:sp3d/>
+    <dgm:txPr/>
+    <dgm:style>
+      <a:lnRef idx="0">
+        <a:scrgbClr r="0" g="0" b="0"/>
+      </a:lnRef>
+      <a:fillRef idx="1">
+        <a:scrgbClr r="0" g="0" b="0"/>
+      </a:fillRef>
+      <a:effectRef idx="0">
+        <a:scrgbClr r="0" g="0" b="0"/>
+      </a:effectRef>
+      <a:fontRef idx="minor">
+        <a:schemeClr val="lt1"/>
+      </a:fontRef>
+    </dgm:style>
+  </dgm:styleLbl>
+  <dgm:styleLbl name="bgSibTrans2D1">
+    <dgm:scene3d>
+      <a:camera prst="orthographicFront"/>
+      <a:lightRig rig="threePt" dir="t"/>
+    </dgm:scene3d>
+    <dgm:sp3d/>
+    <dgm:txPr/>
+    <dgm:style>
+      <a:lnRef idx="0">
+        <a:scrgbClr r="0" g="0" b="0"/>
+      </a:lnRef>
+      <a:fillRef idx="1">
+        <a:scrgbClr r="0" g="0" b="0"/>
+      </a:fillRef>
+      <a:effectRef idx="0">
+        <a:scrgbClr r="0" g="0" b="0"/>
+      </a:effectRef>
+      <a:fontRef idx="minor">
+        <a:schemeClr val="lt1"/>
+      </a:fontRef>
+    </dgm:style>
+  </dgm:styleLbl>
+  <dgm:styleLbl name="sibTrans1D1">
+    <dgm:scene3d>
+      <a:camera prst="orthographicFront"/>
+      <a:lightRig rig="threePt" dir="t"/>
+    </dgm:scene3d>
+    <dgm:sp3d/>
+    <dgm:txPr/>
+    <dgm:style>
+      <a:lnRef idx="1">
+        <a:scrgbClr r="0" g="0" b="0"/>
+      </a:lnRef>
+      <a:fillRef idx="0">
+        <a:scrgbClr r="0" g="0" b="0"/>
+      </a:fillRef>
+      <a:effectRef idx="0">
+        <a:scrgbClr r="0" g="0" b="0"/>
+      </a:effectRef>
+      <a:fontRef idx="minor"/>
+    </dgm:style>
+  </dgm:styleLbl>
+  <dgm:styleLbl name="callout">
+    <dgm:scene3d>
+      <a:camera prst="orthographicFront"/>
+      <a:lightRig rig="threePt" dir="t"/>
+    </dgm:scene3d>
+    <dgm:sp3d/>
+    <dgm:txPr/>
+    <dgm:style>
+      <a:lnRef idx="2">
+        <a:scrgbClr r="0" g="0" b="0"/>
+      </a:lnRef>
+      <a:fillRef idx="1">
+        <a:scrgbClr r="0" g="0" b="0"/>
+      </a:fillRef>
+      <a:effectRef idx="0">
+        <a:scrgbClr r="0" g="0" b="0"/>
+      </a:effectRef>
+      <a:fontRef idx="minor"/>
+    </dgm:style>
+  </dgm:styleLbl>
+  <dgm:styleLbl name="asst0">
+    <dgm:scene3d>
+      <a:camera prst="orthographicFront"/>
+      <a:lightRig rig="threePt" dir="t"/>
+    </dgm:scene3d>
+    <dgm:sp3d/>
+    <dgm:txPr/>
+    <dgm:style>
+      <a:lnRef idx="2">
+        <a:scrgbClr r="0" g="0" b="0"/>
+      </a:lnRef>
+      <a:fillRef idx="1">
+        <a:scrgbClr r="0" g="0" b="0"/>
+      </a:fillRef>
+      <a:effectRef idx="0">
+        <a:scrgbClr r="0" g="0" b="0"/>
+      </a:effectRef>
+      <a:fontRef idx="minor">
+        <a:schemeClr val="lt1"/>
+      </a:fontRef>
+    </dgm:style>
+  </dgm:styleLbl>
+  <dgm:styleLbl name="asst1">
+    <dgm:scene3d>
+      <a:camera prst="orthographicFront"/>
+      <a:lightRig rig="threePt" dir="t"/>
+    </dgm:scene3d>
+    <dgm:sp3d/>
+    <dgm:txPr/>
+    <dgm:style>
+      <a:lnRef idx="2">
+        <a:scrgbClr r="0" g="0" b="0"/>
+      </a:lnRef>
+      <a:fillRef idx="1">
+        <a:scrgbClr r="0" g="0" b="0"/>
+      </a:fillRef>
+      <a:effectRef idx="0">
+        <a:scrgbClr r="0" g="0" b="0"/>
+      </a:effectRef>
+      <a:fontRef idx="minor">
+        <a:schemeClr val="lt1"/>
+      </a:fontRef>
+    </dgm:style>
+  </dgm:styleLbl>
+  <dgm:styleLbl name="asst2">
+    <dgm:scene3d>
+      <a:camera prst="orthographicFront"/>
+      <a:lightRig rig="threePt" dir="t"/>
+    </dgm:scene3d>
+    <dgm:sp3d/>
+    <dgm:txPr/>
+    <dgm:style>
+      <a:lnRef idx="2">
+        <a:scrgbClr r="0" g="0" b="0"/>
+      </a:lnRef>
+      <a:fillRef idx="1">
+        <a:scrgbClr r="0" g="0" b="0"/>
+      </a:fillRef>
+      <a:effectRef idx="0">
+        <a:scrgbClr r="0" g="0" b="0"/>
+      </a:effectRef>
+      <a:fontRef idx="minor">
+        <a:schemeClr val="lt1"/>
+      </a:fontRef>
+    </dgm:style>
+  </dgm:styleLbl>
+  <dgm:styleLbl name="asst3">
+    <dgm:scene3d>
+      <a:camera prst="orthographicFront"/>
+      <a:lightRig rig="threePt" dir="t"/>
+    </dgm:scene3d>
+    <dgm:sp3d/>
+    <dgm:txPr/>
+    <dgm:style>
+      <a:lnRef idx="2">
+        <a:scrgbClr r="0" g="0" b="0"/>
+      </a:lnRef>
+      <a:fillRef idx="1">
+        <a:scrgbClr r="0" g="0" b="0"/>
+      </a:fillRef>
+      <a:effectRef idx="0">
+        <a:scrgbClr r="0" g="0" b="0"/>
+      </a:effectRef>
+      <a:fontRef idx="minor">
+        <a:schemeClr val="lt1"/>
+      </a:fontRef>
+    </dgm:style>
+  </dgm:styleLbl>
+  <dgm:styleLbl name="asst4">
+    <dgm:scene3d>
+      <a:camera prst="orthographicFront"/>
+      <a:lightRig rig="threePt" dir="t"/>
+    </dgm:scene3d>
+    <dgm:sp3d/>
+    <dgm:txPr/>
+    <dgm:style>
+      <a:lnRef idx="2">
+        <a:scrgbClr r="0" g="0" b="0"/>
+      </a:lnRef>
+      <a:fillRef idx="1">
+        <a:scrgbClr r="0" g="0" b="0"/>
+      </a:fillRef>
+      <a:effectRef idx="0">
+        <a:scrgbClr r="0" g="0" b="0"/>
+      </a:effectRef>
+      <a:fontRef idx="minor">
+        <a:schemeClr val="lt1"/>
+      </a:fontRef>
+    </dgm:style>
+  </dgm:styleLbl>
+  <dgm:styleLbl name="parChTrans2D1">
+    <dgm:scene3d>
+      <a:camera prst="orthographicFront"/>
+      <a:lightRig rig="threePt" dir="t"/>
+    </dgm:scene3d>
+    <dgm:sp3d/>
+    <dgm:txPr/>
+    <dgm:style>
+      <a:lnRef idx="2">
+        <a:scrgbClr r="0" g="0" b="0"/>
+      </a:lnRef>
+      <a:fillRef idx="1">
+        <a:scrgbClr r="0" g="0" b="0"/>
+      </a:fillRef>
+      <a:effectRef idx="0">
+        <a:scrgbClr r="0" g="0" b="0"/>
+      </a:effectRef>
+      <a:fontRef idx="minor">
+        <a:schemeClr val="lt1"/>
+      </a:fontRef>
+    </dgm:style>
+  </dgm:styleLbl>
+  <dgm:styleLbl name="parChTrans2D2">
+    <dgm:scene3d>
+      <a:camera prst="orthographicFront"/>
+      <a:lightRig rig="threePt" dir="t"/>
+    </dgm:scene3d>
+    <dgm:sp3d/>
+    <dgm:txPr/>
+    <dgm:style>
+      <a:lnRef idx="2">
+        <a:scrgbClr r="0" g="0" b="0"/>
+      </a:lnRef>
+      <a:fillRef idx="1">
+        <a:scrgbClr r="0" g="0" b="0"/>
+      </a:fillRef>
+      <a:effectRef idx="0">
+        <a:scrgbClr r="0" g="0" b="0"/>
+      </a:effectRef>
+      <a:fontRef idx="minor">
+        <a:schemeClr val="lt1"/>
+      </a:fontRef>
+    </dgm:style>
+  </dgm:styleLbl>
+  <dgm:styleLbl name="parChTrans2D3">
+    <dgm:scene3d>
+      <a:camera prst="orthographicFront"/>
+      <a:lightRig rig="threePt" dir="t"/>
+    </dgm:scene3d>
+    <dgm:sp3d/>
+    <dgm:txPr/>
+    <dgm:style>
+      <a:lnRef idx="2">
+        <a:scrgbClr r="0" g="0" b="0"/>
+      </a:lnRef>
+      <a:fillRef idx="1">
+        <a:scrgbClr r="0" g="0" b="0"/>
+      </a:fillRef>
+      <a:effectRef idx="0">
+        <a:scrgbClr r="0" g="0" b="0"/>
+      </a:effectRef>
+      <a:fontRef idx="minor">
+        <a:schemeClr val="lt1"/>
+      </a:fontRef>
+    </dgm:style>
+  </dgm:styleLbl>
+  <dgm:styleLbl name="parChTrans2D4">
+    <dgm:scene3d>
+      <a:camera prst="orthographicFront"/>
+      <a:lightRig rig="threePt" dir="t"/>
+    </dgm:scene3d>
+    <dgm:sp3d/>
+    <dgm:txPr/>
+    <dgm:style>
+      <a:lnRef idx="2">
+        <a:scrgbClr r="0" g="0" b="0"/>
+      </a:lnRef>
+      <a:fillRef idx="1">
+        <a:scrgbClr r="0" g="0" b="0"/>
+      </a:fillRef>
+      <a:effectRef idx="0">
+        <a:scrgbClr r="0" g="0" b="0"/>
+      </a:effectRef>
+      <a:fontRef idx="minor">
+        <a:schemeClr val="lt1"/>
+      </a:fontRef>
+    </dgm:style>
+  </dgm:styleLbl>
+  <dgm:styleLbl name="parChTrans1D1">
+    <dgm:scene3d>
+      <a:camera prst="orthographicFront"/>
+      <a:lightRig rig="threePt" dir="t"/>
+    </dgm:scene3d>
+    <dgm:sp3d/>
+    <dgm:txPr/>
+    <dgm:style>
+      <a:lnRef idx="2">
+        <a:scrgbClr r="0" g="0" b="0"/>
+      </a:lnRef>
+      <a:fillRef idx="0">
+        <a:scrgbClr r="0" g="0" b="0"/>
+      </a:fillRef>
+      <a:effectRef idx="0">
+        <a:scrgbClr r="0" g="0" b="0"/>
+      </a:effectRef>
+      <a:fontRef idx="minor"/>
+    </dgm:style>
+  </dgm:styleLbl>
+  <dgm:styleLbl name="parChTrans1D2">
+    <dgm:scene3d>
+      <a:camera prst="orthographicFront"/>
+      <a:lightRig rig="threePt" dir="t"/>
+    </dgm:scene3d>
+    <dgm:sp3d/>
+    <dgm:txPr/>
+    <dgm:style>
+      <a:lnRef idx="2">
+        <a:scrgbClr r="0" g="0" b="0"/>
+      </a:lnRef>
+      <a:fillRef idx="0">
+        <a:scrgbClr r="0" g="0" b="0"/>
+      </a:fillRef>
+      <a:effectRef idx="0">
+        <a:scrgbClr r="0" g="0" b="0"/>
+      </a:effectRef>
+      <a:fontRef idx="minor"/>
+    </dgm:style>
+  </dgm:styleLbl>
+  <dgm:styleLbl name="parChTrans1D3">
+    <dgm:scene3d>
+      <a:camera prst="orthographicFront"/>
+      <a:lightRig rig="threePt" dir="t"/>
+    </dgm:scene3d>
+    <dgm:sp3d/>
+    <dgm:txPr/>
+    <dgm:style>
+      <a:lnRef idx="2">
+        <a:scrgbClr r="0" g="0" b="0"/>
+      </a:lnRef>
+      <a:fillRef idx="0">
+        <a:scrgbClr r="0" g="0" b="0"/>
+      </a:fillRef>
+      <a:effectRef idx="0">
+        <a:scrgbClr r="0" g="0" b="0"/>
+      </a:effectRef>
+      <a:fontRef idx="minor"/>
+    </dgm:style>
+  </dgm:styleLbl>
+  <dgm:styleLbl name="parChTrans1D4">
+    <dgm:scene3d>
+      <a:camera prst="orthographicFront"/>
+      <a:lightRig rig="threePt" dir="t"/>
+    </dgm:scene3d>
+    <dgm:sp3d/>
+    <dgm:txPr/>
+    <dgm:style>
+      <a:lnRef idx="2">
+        <a:scrgbClr r="0" g="0" b="0"/>
+      </a:lnRef>
+      <a:fillRef idx="0">
+        <a:scrgbClr r="0" g="0" b="0"/>
+      </a:fillRef>
+      <a:effectRef idx="0">
+        <a:scrgbClr r="0" g="0" b="0"/>
+      </a:effectRef>
+      <a:fontRef idx="minor"/>
+    </dgm:style>
+  </dgm:styleLbl>
+  <dgm:styleLbl name="fgAcc1">
+    <dgm:scene3d>
+      <a:camera prst="orthographicFront"/>
+      <a:lightRig rig="threePt" dir="t"/>
+    </dgm:scene3d>
+    <dgm:sp3d/>
+    <dgm:txPr/>
+    <dgm:style>
+      <a:lnRef idx="2">
+        <a:scrgbClr r="0" g="0" b="0"/>
+      </a:lnRef>
+      <a:fillRef idx="1">
+        <a:scrgbClr r="0" g="0" b="0"/>
+      </a:fillRef>
+      <a:effectRef idx="0">
+        <a:scrgbClr r="0" g="0" b="0"/>
+      </a:effectRef>
+      <a:fontRef idx="minor"/>
+    </dgm:style>
+  </dgm:styleLbl>
+  <dgm:styleLbl name="conFgAcc1">
+    <dgm:scene3d>
+      <a:camera prst="orthographicFront"/>
+      <a:lightRig rig="threePt" dir="t"/>
+    </dgm:scene3d>
+    <dgm:sp3d/>
+    <dgm:txPr/>
+    <dgm:style>
+      <a:lnRef idx="2">
+        <a:scrgbClr r="0" g="0" b="0"/>
+      </a:lnRef>
+      <a:fillRef idx="1">
+        <a:scrgbClr r="0" g="0" b="0"/>
+      </a:fillRef>
+      <a:effectRef idx="0">
+        <a:scrgbClr r="0" g="0" b="0"/>
+      </a:effectRef>
+      <a:fontRef idx="minor"/>
+    </dgm:style>
+  </dgm:styleLbl>
+  <dgm:styleLbl name="alignAcc1">
+    <dgm:scene3d>
+      <a:camera prst="orthographicFront"/>
+      <a:lightRig rig="threePt" dir="t"/>
+    </dgm:scene3d>
+    <dgm:sp3d/>
+    <dgm:txPr/>
+    <dgm:style>
+      <a:lnRef idx="2">
+        <a:scrgbClr r="0" g="0" b="0"/>
+      </a:lnRef>
+      <a:fillRef idx="1">
+        <a:scrgbClr r="0" g="0" b="0"/>
+      </a:fillRef>
+      <a:effectRef idx="0">
+        <a:scrgbClr r="0" g="0" b="0"/>
+      </a:effectRef>
+      <a:fontRef idx="minor"/>
+    </dgm:style>
+  </dgm:styleLbl>
+  <dgm:styleLbl name="trAlignAcc1">
+    <dgm:scene3d>
+      <a:camera prst="orthographicFront"/>
+      <a:lightRig rig="threePt" dir="t"/>
+    </dgm:scene3d>
+    <dgm:sp3d/>
+    <dgm:txPr/>
+    <dgm:style>
+      <a:lnRef idx="1">
+        <a:scrgbClr r="0" g="0" b="0"/>
+      </a:lnRef>
+      <a:fillRef idx="1">
+        <a:scrgbClr r="0" g="0" b="0"/>
+      </a:fillRef>
+      <a:effectRef idx="0">
+        <a:scrgbClr r="0" g="0" b="0"/>
+      </a:effectRef>
+      <a:fontRef idx="minor"/>
+    </dgm:style>
+  </dgm:styleLbl>
+  <dgm:styleLbl name="bgAcc1">
+    <dgm:scene3d>
+      <a:camera prst="orthographicFront"/>
+      <a:lightRig rig="threePt" dir="t"/>
+    </dgm:scene3d>
+    <dgm:sp3d/>
+    <dgm:txPr/>
+    <dgm:style>
+      <a:lnRef idx="2">
+        <a:scrgbClr r="0" g="0" b="0"/>
+      </a:lnRef>
+      <a:fillRef idx="1">
+        <a:scrgbClr r="0" g="0" b="0"/>
+      </a:fillRef>
+      <a:effectRef idx="0">
+        <a:scrgbClr r="0" g="0" b="0"/>
+      </a:effectRef>
+      <a:fontRef idx="minor"/>
+    </dgm:style>
+  </dgm:styleLbl>
+  <dgm:styleLbl name="solidFgAcc1">
+    <dgm:scene3d>
+      <a:camera prst="orthographicFront"/>
+      <a:lightRig rig="threePt" dir="t"/>
+    </dgm:scene3d>
+    <dgm:sp3d/>
+    <dgm:txPr/>
+    <dgm:style>
+      <a:lnRef idx="2">
+        <a:scrgbClr r="0" g="0" b="0"/>
+      </a:lnRef>
+      <a:fillRef idx="1">
+        <a:scrgbClr r="0" g="0" b="0"/>
+      </a:fillRef>
+      <a:effectRef idx="0">
+        <a:scrgbClr r="0" g="0" b="0"/>
+      </a:effectRef>
+      <a:fontRef idx="minor"/>
+    </dgm:style>
+  </dgm:styleLbl>
+  <dgm:styleLbl name="solidAlignAcc1">
+    <dgm:scene3d>
+      <a:camera prst="orthographicFront"/>
+      <a:lightRig rig="threePt" dir="t"/>
+    </dgm:scene3d>
+    <dgm:sp3d/>
+    <dgm:txPr/>
+    <dgm:style>
+      <a:lnRef idx="2">
+        <a:scrgbClr r="0" g="0" b="0"/>
+      </a:lnRef>
+      <a:fillRef idx="1">
+        <a:scrgbClr r="0" g="0" b="0"/>
+      </a:fillRef>
+      <a:effectRef idx="0">
+        <a:scrgbClr r="0" g="0" b="0"/>
+      </a:effectRef>
+      <a:fontRef idx="minor"/>
+    </dgm:style>
+  </dgm:styleLbl>
+  <dgm:styleLbl name="solidBgAcc1">
+    <dgm:scene3d>
+      <a:camera prst="orthographicFront"/>
+      <a:lightRig rig="threePt" dir="t"/>
+    </dgm:scene3d>
+    <dgm:sp3d/>
+    <dgm:txPr/>
+    <dgm:style>
+      <a:lnRef idx="2">
+        <a:scrgbClr r="0" g="0" b="0"/>
+      </a:lnRef>
+      <a:fillRef idx="1">
+        <a:scrgbClr r="0" g="0" b="0"/>
+      </a:fillRef>
+      <a:effectRef idx="0">
+        <a:scrgbClr r="0" g="0" b="0"/>
+      </a:effectRef>
+      <a:fontRef idx="minor"/>
+    </dgm:style>
+  </dgm:styleLbl>
+  <dgm:styleLbl name="fgAccFollowNode1">
+    <dgm:scene3d>
+      <a:camera prst="orthographicFront"/>
+      <a:lightRig rig="threePt" dir="t"/>
+    </dgm:scene3d>
+    <dgm:sp3d/>
+    <dgm:txPr/>
+    <dgm:style>
+      <a:lnRef idx="2">
+        <a:scrgbClr r="0" g="0" b="0"/>
+      </a:lnRef>
+      <a:fillRef idx="1">
+        <a:scrgbClr r="0" g="0" b="0"/>
+      </a:fillRef>
+      <a:effectRef idx="0">
+        <a:scrgbClr r="0" g="0" b="0"/>
+      </a:effectRef>
+      <a:fontRef idx="minor"/>
+    </dgm:style>
+  </dgm:styleLbl>
+  <dgm:styleLbl name="alignAccFollowNode1">
+    <dgm:scene3d>
+      <a:camera prst="orthographicFront"/>
+      <a:lightRig rig="threePt" dir="t"/>
+    </dgm:scene3d>
+    <dgm:sp3d/>
+    <dgm:txPr/>
+    <dgm:style>
+      <a:lnRef idx="2">
+        <a:scrgbClr r="0" g="0" b="0"/>
+      </a:lnRef>
+      <a:fillRef idx="1">
+        <a:scrgbClr r="0" g="0" b="0"/>
+      </a:fillRef>
+      <a:effectRef idx="0">
+        <a:scrgbClr r="0" g="0" b="0"/>
+      </a:effectRef>
+      <a:fontRef idx="minor"/>
+    </dgm:style>
+  </dgm:styleLbl>
+  <dgm:styleLbl name="bgAccFollowNode1">
+    <dgm:scene3d>
+      <a:camera prst="orthographicFront"/>
+      <a:lightRig rig="threePt" dir="t"/>
+    </dgm:scene3d>
+    <dgm:sp3d/>
+    <dgm:txPr/>
+    <dgm:style>
+      <a:lnRef idx="2">
+        <a:scrgbClr r="0" g="0" b="0"/>
+      </a:lnRef>
+      <a:fillRef idx="1">
+        <a:scrgbClr r="0" g="0" b="0"/>
+      </a:fillRef>
+      <a:effectRef idx="0">
+        <a:scrgbClr r="0" g="0" b="0"/>
+      </a:effectRef>
+      <a:fontRef idx="minor"/>
+    </dgm:style>
+  </dgm:styleLbl>
+  <dgm:styleLbl name="fgAcc0">
+    <dgm:scene3d>
+      <a:camera prst="orthographicFront"/>
+      <a:lightRig rig="threePt" dir="t"/>
+    </dgm:scene3d>
+    <dgm:sp3d/>
+    <dgm:txPr/>
+    <dgm:style>
+      <a:lnRef idx="2">
+        <a:scrgbClr r="0" g="0" b="0"/>
+      </a:lnRef>
+      <a:fillRef idx="1">
+        <a:scrgbClr r="0" g="0" b="0"/>
+      </a:fillRef>
+      <a:effectRef idx="0">
+        <a:scrgbClr r="0" g="0" b="0"/>
+      </a:effectRef>
+      <a:fontRef idx="minor"/>
+    </dgm:style>
+  </dgm:styleLbl>
+  <dgm:styleLbl name="fgAcc2">
+    <dgm:scene3d>
+      <a:camera prst="orthographicFront"/>
+      <a:lightRig rig="threePt" dir="t"/>
+    </dgm:scene3d>
+    <dgm:sp3d/>
+    <dgm:txPr/>
+    <dgm:style>
+      <a:lnRef idx="2">
+        <a:scrgbClr r="0" g="0" b="0"/>
+      </a:lnRef>
+      <a:fillRef idx="1">
+        <a:scrgbClr r="0" g="0" b="0"/>
+      </a:fillRef>
+      <a:effectRef idx="0">
+        <a:scrgbClr r="0" g="0" b="0"/>
+      </a:effectRef>
+      <a:fontRef idx="minor"/>
+    </dgm:style>
+  </dgm:styleLbl>
+  <dgm:styleLbl name="fgAcc3">
+    <dgm:scene3d>
+      <a:camera prst="orthographicFront"/>
+      <a:lightRig rig="threePt" dir="t"/>
+    </dgm:scene3d>
+    <dgm:sp3d/>
+    <dgm:txPr/>
+    <dgm:style>
+      <a:lnRef idx="2">
+        <a:scrgbClr r="0" g="0" b="0"/>
+      </a:lnRef>
+      <a:fillRef idx="1">
+        <a:scrgbClr r="0" g="0" b="0"/>
+      </a:fillRef>
+      <a:effectRef idx="0">
+        <a:scrgbClr r="0" g="0" b="0"/>
+      </a:effectRef>
+      <a:fontRef idx="minor"/>
+    </dgm:style>
+  </dgm:styleLbl>
+  <dgm:styleLbl name="fgAcc4">
+    <dgm:scene3d>
+      <a:camera prst="orthographicFront"/>
+      <a:lightRig rig="threePt" dir="t"/>
+    </dgm:scene3d>
+    <dgm:sp3d/>
+    <dgm:txPr/>
+    <dgm:style>
+      <a:lnRef idx="2">
+        <a:scrgbClr r="0" g="0" b="0"/>
+      </a:lnRef>
+      <a:fillRef idx="1">
+        <a:scrgbClr r="0" g="0" b="0"/>
+      </a:fillRef>
+      <a:effectRef idx="0">
+        <a:scrgbClr r="0" g="0" b="0"/>
+      </a:effectRef>
+      <a:fontRef idx="minor"/>
+    </dgm:style>
+  </dgm:styleLbl>
+  <dgm:styleLbl name="bgShp">
+    <dgm:scene3d>
+      <a:camera prst="orthographicFront"/>
+      <a:lightRig rig="threePt" dir="t"/>
+    </dgm:scene3d>
+    <dgm:sp3d/>
+    <dgm:txPr/>
+    <dgm:style>
+      <a:lnRef idx="0">
+        <a:scrgbClr r="0" g="0" b="0"/>
+      </a:lnRef>
+      <a:fillRef idx="1">
+        <a:scrgbClr r="0" g="0" b="0"/>
+      </a:fillRef>
+      <a:effectRef idx="0">
+        <a:scrgbClr r="0" g="0" b="0"/>
+      </a:effectRef>
+      <a:fontRef idx="minor"/>
+    </dgm:style>
+  </dgm:styleLbl>
+  <dgm:styleLbl name="dkBgShp">
+    <dgm:scene3d>
+      <a:camera prst="orthographicFront"/>
+      <a:lightRig rig="threePt" dir="t"/>
+    </dgm:scene3d>
+    <dgm:sp3d/>
+    <dgm:txPr/>
+    <dgm:style>
+      <a:lnRef idx="0">
+        <a:scrgbClr r="0" g="0" b="0"/>
+      </a:lnRef>
+      <a:fillRef idx="1">
+        <a:scrgbClr r="0" g="0" b="0"/>
+      </a:fillRef>
+      <a:effectRef idx="0">
+        <a:scrgbClr r="0" g="0" b="0"/>
+      </a:effectRef>
+      <a:fontRef idx="minor"/>
+    </dgm:style>
+  </dgm:styleLbl>
+  <dgm:styleLbl name="trBgShp">
+    <dgm:scene3d>
+      <a:camera prst="orthographicFront"/>
+      <a:lightRig rig="threePt" dir="t"/>
+    </dgm:scene3d>
+    <dgm:sp3d/>
+    <dgm:txPr/>
+    <dgm:style>
+      <a:lnRef idx="0">
+        <a:scrgbClr r="0" g="0" b="0"/>
+      </a:lnRef>
+      <a:fillRef idx="1">
+        <a:scrgbClr r="0" g="0" b="0"/>
+      </a:fillRef>
+      <a:effectRef idx="0">
+        <a:scrgbClr r="0" g="0" b="0"/>
+      </a:effectRef>
+      <a:fontRef idx="minor"/>
+    </dgm:style>
+  </dgm:styleLbl>
+  <dgm:styleLbl name="fgShp">
+    <dgm:scene3d>
+      <a:camera prst="orthographicFront"/>
+      <a:lightRig rig="threePt" dir="t"/>
+    </dgm:scene3d>
+    <dgm:sp3d/>
+    <dgm:txPr/>
+    <dgm:style>
+      <a:lnRef idx="2">
+        <a:scrgbClr r="0" g="0" b="0"/>
+      </a:lnRef>
+      <a:fillRef idx="1">
+        <a:scrgbClr r="0" g="0" b="0"/>
+      </a:fillRef>
+      <a:effectRef idx="0">
+        <a:scrgbClr r="0" g="0" b="0"/>
+      </a:effectRef>
+      <a:fontRef idx="minor"/>
+    </dgm:style>
+  </dgm:styleLbl>
+  <dgm:styleLbl name="revTx">
+    <dgm:scene3d>
+      <a:camera prst="orthographicFront"/>
+      <a:lightRig rig="threePt" dir="t"/>
+    </dgm:scene3d>
+    <dgm:sp3d/>
+    <dgm:txPr/>
+    <dgm:style>
+      <a:lnRef idx="0">
+        <a:scrgbClr r="0" g="0" b="0"/>
+      </a:lnRef>
+      <a:fillRef idx="0">
+        <a:scrgbClr r="0" g="0" b="0"/>
+      </a:fillRef>
+      <a:effectRef idx="0">
+        <a:scrgbClr r="0" g="0" b="0"/>
+      </a:effectRef>
+      <a:fontRef idx="minor"/>
+    </dgm:style>
+  </dgm:styleLbl>
+</dgm:styleDef>
+</file>
+
 <file path=ppt/slideLayouts/slideLayout1.xml><?xml version="1.0" encoding="utf-8"?>
 <p:sldLayout xmlns:a="http://schemas.openxmlformats.org/drawingml/2006/main" xmlns:r="http://schemas.openxmlformats.org/officeDocument/2006/relationships" xmlns:p="http://schemas.openxmlformats.org/presentationml/2006/main" type="title" preserve="1">
   <p:cSld name="Titelfolie">
@@ -260,7 +2725,7 @@
           <a:p>
             <a:fld id="{B17796E2-91CA-4A3C-85B0-74233E184AB1}" type="datetimeFigureOut">
               <a:rPr lang="de-DE" smtClean="0"/>
-              <a:t>20.05.2021</a:t>
+              <a:t>01.06.2021</a:t>
             </a:fld>
             <a:endParaRPr lang="de-DE"/>
           </a:p>
@@ -458,7 +2923,7 @@
           <a:p>
             <a:fld id="{B17796E2-91CA-4A3C-85B0-74233E184AB1}" type="datetimeFigureOut">
               <a:rPr lang="de-DE" smtClean="0"/>
-              <a:t>20.05.2021</a:t>
+              <a:t>01.06.2021</a:t>
             </a:fld>
             <a:endParaRPr lang="de-DE"/>
           </a:p>
@@ -666,7 +3131,7 @@
           <a:p>
             <a:fld id="{B17796E2-91CA-4A3C-85B0-74233E184AB1}" type="datetimeFigureOut">
               <a:rPr lang="de-DE" smtClean="0"/>
-              <a:t>20.05.2021</a:t>
+              <a:t>01.06.2021</a:t>
             </a:fld>
             <a:endParaRPr lang="de-DE"/>
           </a:p>
@@ -864,7 +3329,7 @@
           <a:p>
             <a:fld id="{B17796E2-91CA-4A3C-85B0-74233E184AB1}" type="datetimeFigureOut">
               <a:rPr lang="de-DE" smtClean="0"/>
-              <a:t>20.05.2021</a:t>
+              <a:t>01.06.2021</a:t>
             </a:fld>
             <a:endParaRPr lang="de-DE"/>
           </a:p>
@@ -1139,7 +3604,7 @@
           <a:p>
             <a:fld id="{B17796E2-91CA-4A3C-85B0-74233E184AB1}" type="datetimeFigureOut">
               <a:rPr lang="de-DE" smtClean="0"/>
-              <a:t>20.05.2021</a:t>
+              <a:t>01.06.2021</a:t>
             </a:fld>
             <a:endParaRPr lang="de-DE"/>
           </a:p>
@@ -1404,7 +3869,7 @@
           <a:p>
             <a:fld id="{B17796E2-91CA-4A3C-85B0-74233E184AB1}" type="datetimeFigureOut">
               <a:rPr lang="de-DE" smtClean="0"/>
-              <a:t>20.05.2021</a:t>
+              <a:t>01.06.2021</a:t>
             </a:fld>
             <a:endParaRPr lang="de-DE"/>
           </a:p>
@@ -1816,7 +4281,7 @@
           <a:p>
             <a:fld id="{B17796E2-91CA-4A3C-85B0-74233E184AB1}" type="datetimeFigureOut">
               <a:rPr lang="de-DE" smtClean="0"/>
-              <a:t>20.05.2021</a:t>
+              <a:t>01.06.2021</a:t>
             </a:fld>
             <a:endParaRPr lang="de-DE"/>
           </a:p>
@@ -1957,7 +4422,7 @@
           <a:p>
             <a:fld id="{B17796E2-91CA-4A3C-85B0-74233E184AB1}" type="datetimeFigureOut">
               <a:rPr lang="de-DE" smtClean="0"/>
-              <a:t>20.05.2021</a:t>
+              <a:t>01.06.2021</a:t>
             </a:fld>
             <a:endParaRPr lang="de-DE"/>
           </a:p>
@@ -2070,7 +4535,7 @@
           <a:p>
             <a:fld id="{B17796E2-91CA-4A3C-85B0-74233E184AB1}" type="datetimeFigureOut">
               <a:rPr lang="de-DE" smtClean="0"/>
-              <a:t>20.05.2021</a:t>
+              <a:t>01.06.2021</a:t>
             </a:fld>
             <a:endParaRPr lang="de-DE"/>
           </a:p>
@@ -2381,7 +4846,7 @@
           <a:p>
             <a:fld id="{B17796E2-91CA-4A3C-85B0-74233E184AB1}" type="datetimeFigureOut">
               <a:rPr lang="de-DE" smtClean="0"/>
-              <a:t>20.05.2021</a:t>
+              <a:t>01.06.2021</a:t>
             </a:fld>
             <a:endParaRPr lang="de-DE"/>
           </a:p>
@@ -2669,7 +5134,7 @@
           <a:p>
             <a:fld id="{B17796E2-91CA-4A3C-85B0-74233E184AB1}" type="datetimeFigureOut">
               <a:rPr lang="de-DE" smtClean="0"/>
-              <a:t>20.05.2021</a:t>
+              <a:t>01.06.2021</a:t>
             </a:fld>
             <a:endParaRPr lang="de-DE"/>
           </a:p>
@@ -2910,7 +5375,7 @@
           <a:p>
             <a:fld id="{B17796E2-91CA-4A3C-85B0-74233E184AB1}" type="datetimeFigureOut">
               <a:rPr lang="de-DE" smtClean="0"/>
-              <a:t>20.05.2021</a:t>
+              <a:t>01.06.2021</a:t>
             </a:fld>
             <a:endParaRPr lang="de-DE"/>
           </a:p>
@@ -3727,8 +6192,8 @@
           </a:p>
         </p:txBody>
       </p:sp>
-      <mc:AlternateContent xmlns:mc="http://schemas.openxmlformats.org/markup-compatibility/2006">
-        <mc:Choice xmlns:a14="http://schemas.microsoft.com/office/drawing/2010/main" Requires="a14">
+      <mc:AlternateContent xmlns:mc="http://schemas.openxmlformats.org/markup-compatibility/2006" xmlns:a14="http://schemas.microsoft.com/office/drawing/2010/main">
+        <mc:Choice Requires="a14">
           <p:sp>
             <p:nvSpPr>
               <p:cNvPr id="18" name="Textfeld 17">
@@ -3757,6 +6222,7 @@
               </a:bodyPr>
               <a:lstStyle/>
               <a:p>
+                <a:pPr/>
                 <a14:m>
                   <m:oMathPara xmlns:m="http://schemas.openxmlformats.org/officeDocument/2006/math">
                     <m:oMathParaPr>
@@ -3796,7 +6262,7 @@
             </p:txBody>
           </p:sp>
         </mc:Choice>
-        <mc:Fallback>
+        <mc:Fallback xmlns="">
           <p:sp>
             <p:nvSpPr>
               <p:cNvPr id="18" name="Textfeld 17">
@@ -3841,8 +6307,8 @@
           </p:sp>
         </mc:Fallback>
       </mc:AlternateContent>
-      <mc:AlternateContent xmlns:mc="http://schemas.openxmlformats.org/markup-compatibility/2006">
-        <mc:Choice xmlns:a14="http://schemas.microsoft.com/office/drawing/2010/main" Requires="a14">
+      <mc:AlternateContent xmlns:mc="http://schemas.openxmlformats.org/markup-compatibility/2006" xmlns:a14="http://schemas.microsoft.com/office/drawing/2010/main">
+        <mc:Choice Requires="a14">
           <p:sp>
             <p:nvSpPr>
               <p:cNvPr id="19" name="Textfeld 18">
@@ -3871,6 +6337,7 @@
               </a:bodyPr>
               <a:lstStyle/>
               <a:p>
+                <a:pPr/>
                 <a14:m>
                   <m:oMathPara xmlns:m="http://schemas.openxmlformats.org/officeDocument/2006/math">
                     <m:oMathParaPr>
@@ -3910,7 +6377,7 @@
             </p:txBody>
           </p:sp>
         </mc:Choice>
-        <mc:Fallback>
+        <mc:Fallback xmlns="">
           <p:sp>
             <p:nvSpPr>
               <p:cNvPr id="19" name="Textfeld 18">
@@ -3955,8 +6422,8 @@
           </p:sp>
         </mc:Fallback>
       </mc:AlternateContent>
-      <mc:AlternateContent xmlns:mc="http://schemas.openxmlformats.org/markup-compatibility/2006">
-        <mc:Choice xmlns:a14="http://schemas.microsoft.com/office/drawing/2010/main" Requires="a14">
+      <mc:AlternateContent xmlns:mc="http://schemas.openxmlformats.org/markup-compatibility/2006" xmlns:a14="http://schemas.microsoft.com/office/drawing/2010/main">
+        <mc:Choice Requires="a14">
           <p:sp>
             <p:nvSpPr>
               <p:cNvPr id="20" name="Textfeld 19">
@@ -3985,6 +6452,7 @@
               </a:bodyPr>
               <a:lstStyle/>
               <a:p>
+                <a:pPr/>
                 <a14:m>
                   <m:oMathPara xmlns:m="http://schemas.openxmlformats.org/officeDocument/2006/math">
                     <m:oMathParaPr>
@@ -4024,7 +6492,7 @@
             </p:txBody>
           </p:sp>
         </mc:Choice>
-        <mc:Fallback>
+        <mc:Fallback xmlns="">
           <p:sp>
             <p:nvSpPr>
               <p:cNvPr id="20" name="Textfeld 19">
@@ -4069,8 +6537,8 @@
           </p:sp>
         </mc:Fallback>
       </mc:AlternateContent>
-      <mc:AlternateContent xmlns:mc="http://schemas.openxmlformats.org/markup-compatibility/2006">
-        <mc:Choice xmlns:a14="http://schemas.microsoft.com/office/drawing/2010/main" Requires="a14">
+      <mc:AlternateContent xmlns:mc="http://schemas.openxmlformats.org/markup-compatibility/2006" xmlns:a14="http://schemas.microsoft.com/office/drawing/2010/main">
+        <mc:Choice Requires="a14">
           <p:sp>
             <p:nvSpPr>
               <p:cNvPr id="21" name="Textfeld 20">
@@ -4099,6 +6567,7 @@
               </a:bodyPr>
               <a:lstStyle/>
               <a:p>
+                <a:pPr/>
                 <a14:m>
                   <m:oMathPara xmlns:m="http://schemas.openxmlformats.org/officeDocument/2006/math">
                     <m:oMathParaPr>
@@ -4138,7 +6607,7 @@
             </p:txBody>
           </p:sp>
         </mc:Choice>
-        <mc:Fallback>
+        <mc:Fallback xmlns="">
           <p:sp>
             <p:nvSpPr>
               <p:cNvPr id="21" name="Textfeld 20">
@@ -4183,8 +6652,8 @@
           </p:sp>
         </mc:Fallback>
       </mc:AlternateContent>
-      <mc:AlternateContent xmlns:mc="http://schemas.openxmlformats.org/markup-compatibility/2006">
-        <mc:Choice xmlns:a14="http://schemas.microsoft.com/office/drawing/2010/main" Requires="a14">
+      <mc:AlternateContent xmlns:mc="http://schemas.openxmlformats.org/markup-compatibility/2006" xmlns:a14="http://schemas.microsoft.com/office/drawing/2010/main">
+        <mc:Choice Requires="a14">
           <p:sp>
             <p:nvSpPr>
               <p:cNvPr id="22" name="Textfeld 21">
@@ -4213,6 +6682,7 @@
               </a:bodyPr>
               <a:lstStyle/>
               <a:p>
+                <a:pPr/>
                 <a14:m>
                   <m:oMathPara xmlns:m="http://schemas.openxmlformats.org/officeDocument/2006/math">
                     <m:oMathParaPr>
@@ -4252,7 +6722,7 @@
             </p:txBody>
           </p:sp>
         </mc:Choice>
-        <mc:Fallback>
+        <mc:Fallback xmlns="">
           <p:sp>
             <p:nvSpPr>
               <p:cNvPr id="22" name="Textfeld 21">
@@ -4297,8 +6767,8 @@
           </p:sp>
         </mc:Fallback>
       </mc:AlternateContent>
-      <mc:AlternateContent xmlns:mc="http://schemas.openxmlformats.org/markup-compatibility/2006">
-        <mc:Choice xmlns:a14="http://schemas.microsoft.com/office/drawing/2010/main" Requires="a14">
+      <mc:AlternateContent xmlns:mc="http://schemas.openxmlformats.org/markup-compatibility/2006" xmlns:a14="http://schemas.microsoft.com/office/drawing/2010/main">
+        <mc:Choice Requires="a14">
           <p:sp>
             <p:nvSpPr>
               <p:cNvPr id="23" name="Textfeld 22">
@@ -4327,6 +6797,7 @@
               </a:bodyPr>
               <a:lstStyle/>
               <a:p>
+                <a:pPr/>
                 <a14:m>
                   <m:oMathPara xmlns:m="http://schemas.openxmlformats.org/officeDocument/2006/math">
                     <m:oMathParaPr>
@@ -4406,7 +6877,7 @@
             </p:txBody>
           </p:sp>
         </mc:Choice>
-        <mc:Fallback>
+        <mc:Fallback xmlns="">
           <p:sp>
             <p:nvSpPr>
               <p:cNvPr id="23" name="Textfeld 22">
@@ -4451,8 +6922,8 @@
           </p:sp>
         </mc:Fallback>
       </mc:AlternateContent>
-      <mc:AlternateContent xmlns:mc="http://schemas.openxmlformats.org/markup-compatibility/2006">
-        <mc:Choice xmlns:a14="http://schemas.microsoft.com/office/drawing/2010/main" Requires="a14">
+      <mc:AlternateContent xmlns:mc="http://schemas.openxmlformats.org/markup-compatibility/2006" xmlns:a14="http://schemas.microsoft.com/office/drawing/2010/main">
+        <mc:Choice Requires="a14">
           <p:sp>
             <p:nvSpPr>
               <p:cNvPr id="24" name="Textfeld 23">
@@ -4481,6 +6952,7 @@
               </a:bodyPr>
               <a:lstStyle/>
               <a:p>
+                <a:pPr/>
                 <a14:m>
                   <m:oMathPara xmlns:m="http://schemas.openxmlformats.org/officeDocument/2006/math">
                     <m:oMathParaPr>
@@ -4560,7 +7032,7 @@
             </p:txBody>
           </p:sp>
         </mc:Choice>
-        <mc:Fallback>
+        <mc:Fallback xmlns="">
           <p:sp>
             <p:nvSpPr>
               <p:cNvPr id="24" name="Textfeld 23">
@@ -4605,8 +7077,8 @@
           </p:sp>
         </mc:Fallback>
       </mc:AlternateContent>
-      <mc:AlternateContent xmlns:mc="http://schemas.openxmlformats.org/markup-compatibility/2006">
-        <mc:Choice xmlns:a14="http://schemas.microsoft.com/office/drawing/2010/main" Requires="a14">
+      <mc:AlternateContent xmlns:mc="http://schemas.openxmlformats.org/markup-compatibility/2006" xmlns:a14="http://schemas.microsoft.com/office/drawing/2010/main">
+        <mc:Choice Requires="a14">
           <p:sp>
             <p:nvSpPr>
               <p:cNvPr id="25" name="Textfeld 24">
@@ -4635,6 +7107,7 @@
               </a:bodyPr>
               <a:lstStyle/>
               <a:p>
+                <a:pPr/>
                 <a14:m>
                   <m:oMathPara xmlns:m="http://schemas.openxmlformats.org/officeDocument/2006/math">
                     <m:oMathParaPr>
@@ -4714,7 +7187,7 @@
             </p:txBody>
           </p:sp>
         </mc:Choice>
-        <mc:Fallback>
+        <mc:Fallback xmlns="">
           <p:sp>
             <p:nvSpPr>
               <p:cNvPr id="25" name="Textfeld 24">
@@ -4759,8 +7232,8 @@
           </p:sp>
         </mc:Fallback>
       </mc:AlternateContent>
-      <mc:AlternateContent xmlns:mc="http://schemas.openxmlformats.org/markup-compatibility/2006">
-        <mc:Choice xmlns:a14="http://schemas.microsoft.com/office/drawing/2010/main" Requires="a14">
+      <mc:AlternateContent xmlns:mc="http://schemas.openxmlformats.org/markup-compatibility/2006" xmlns:a14="http://schemas.microsoft.com/office/drawing/2010/main">
+        <mc:Choice Requires="a14">
           <p:sp>
             <p:nvSpPr>
               <p:cNvPr id="26" name="Textfeld 25">
@@ -4789,6 +7262,7 @@
               </a:bodyPr>
               <a:lstStyle/>
               <a:p>
+                <a:pPr/>
                 <a14:m>
                   <m:oMathPara xmlns:m="http://schemas.openxmlformats.org/officeDocument/2006/math">
                     <m:oMathParaPr>
@@ -4868,7 +7342,7 @@
             </p:txBody>
           </p:sp>
         </mc:Choice>
-        <mc:Fallback>
+        <mc:Fallback xmlns="">
           <p:sp>
             <p:nvSpPr>
               <p:cNvPr id="26" name="Textfeld 25">
@@ -4927,6 +7401,159 @@
 </file>
 
 <file path=ppt/slides/slide2.xml><?xml version="1.0" encoding="utf-8"?>
+<p:sld xmlns:a="http://schemas.openxmlformats.org/drawingml/2006/main" xmlns:r="http://schemas.openxmlformats.org/officeDocument/2006/relationships" xmlns:p="http://schemas.openxmlformats.org/presentationml/2006/main">
+  <p:cSld>
+    <p:spTree>
+      <p:nvGrpSpPr>
+        <p:cNvPr id="1" name=""/>
+        <p:cNvGrpSpPr/>
+        <p:nvPr/>
+      </p:nvGrpSpPr>
+      <p:grpSpPr>
+        <a:xfrm>
+          <a:off x="0" y="0"/>
+          <a:ext cx="0" cy="0"/>
+          <a:chOff x="0" y="0"/>
+          <a:chExt cx="0" cy="0"/>
+        </a:xfrm>
+      </p:grpSpPr>
+      <p:graphicFrame>
+        <p:nvGraphicFramePr>
+          <p:cNvPr id="6" name="Diagramm 5">
+            <a:extLst>
+              <a:ext uri="{FF2B5EF4-FFF2-40B4-BE49-F238E27FC236}">
+                <a16:creationId xmlns:a16="http://schemas.microsoft.com/office/drawing/2014/main" id="{81ED1BB0-DC8B-4136-A245-87F993728E65}"/>
+              </a:ext>
+            </a:extLst>
+          </p:cNvPr>
+          <p:cNvGraphicFramePr/>
+          <p:nvPr>
+            <p:extLst>
+              <p:ext uri="{D42A27DB-BD31-4B8C-83A1-F6EECF244321}">
+                <p14:modId xmlns:p14="http://schemas.microsoft.com/office/powerpoint/2010/main" val="2486436746"/>
+              </p:ext>
+            </p:extLst>
+          </p:nvPr>
+        </p:nvGraphicFramePr>
+        <p:xfrm>
+          <a:off x="2032000" y="719666"/>
+          <a:ext cx="8128000" cy="5418667"/>
+        </p:xfrm>
+        <a:graphic>
+          <a:graphicData uri="http://schemas.openxmlformats.org/drawingml/2006/diagram">
+            <dgm:relIds xmlns:dgm="http://schemas.openxmlformats.org/drawingml/2006/diagram" xmlns:r="http://schemas.openxmlformats.org/officeDocument/2006/relationships" r:dm="rId2" r:lo="rId3" r:qs="rId4" r:cs="rId5"/>
+          </a:graphicData>
+        </a:graphic>
+      </p:graphicFrame>
+      <p:sp>
+        <p:nvSpPr>
+          <p:cNvPr id="7" name="Pfeil: nach rechts 6">
+            <a:extLst>
+              <a:ext uri="{FF2B5EF4-FFF2-40B4-BE49-F238E27FC236}">
+                <a16:creationId xmlns:a16="http://schemas.microsoft.com/office/drawing/2014/main" id="{4ADE6905-7D08-43F7-9C6E-58979A2DDE5E}"/>
+              </a:ext>
+            </a:extLst>
+          </p:cNvPr>
+          <p:cNvSpPr/>
+          <p:nvPr/>
+        </p:nvSpPr>
+        <p:spPr>
+          <a:xfrm>
+            <a:off x="504496" y="2996762"/>
+            <a:ext cx="2112579" cy="864476"/>
+          </a:xfrm>
+          <a:prstGeom prst="rightArrow">
+            <a:avLst/>
+          </a:prstGeom>
+        </p:spPr>
+        <p:style>
+          <a:lnRef idx="2">
+            <a:schemeClr val="dk1"/>
+          </a:lnRef>
+          <a:fillRef idx="1">
+            <a:schemeClr val="lt1"/>
+          </a:fillRef>
+          <a:effectRef idx="0">
+            <a:schemeClr val="dk1"/>
+          </a:effectRef>
+          <a:fontRef idx="minor">
+            <a:schemeClr val="dk1"/>
+          </a:fontRef>
+        </p:style>
+        <p:txBody>
+          <a:bodyPr rtlCol="0" anchor="ctr"/>
+          <a:lstStyle/>
+          <a:p>
+            <a:pPr algn="ctr"/>
+            <a:r>
+              <a:rPr lang="de-DE" dirty="0" err="1"/>
+              <a:t>Initialization</a:t>
+            </a:r>
+            <a:endParaRPr lang="de-DE" dirty="0"/>
+          </a:p>
+        </p:txBody>
+      </p:sp>
+      <p:sp>
+        <p:nvSpPr>
+          <p:cNvPr id="8" name="Pfeil: nach rechts 7">
+            <a:extLst>
+              <a:ext uri="{FF2B5EF4-FFF2-40B4-BE49-F238E27FC236}">
+                <a16:creationId xmlns:a16="http://schemas.microsoft.com/office/drawing/2014/main" id="{43826EF8-F016-4507-A311-84E33B6F5191}"/>
+              </a:ext>
+            </a:extLst>
+          </p:cNvPr>
+          <p:cNvSpPr/>
+          <p:nvPr/>
+        </p:nvSpPr>
+        <p:spPr>
+          <a:xfrm>
+            <a:off x="9800896" y="2996761"/>
+            <a:ext cx="2112579" cy="864476"/>
+          </a:xfrm>
+          <a:prstGeom prst="rightArrow">
+            <a:avLst/>
+          </a:prstGeom>
+        </p:spPr>
+        <p:style>
+          <a:lnRef idx="2">
+            <a:schemeClr val="dk1"/>
+          </a:lnRef>
+          <a:fillRef idx="1">
+            <a:schemeClr val="lt1"/>
+          </a:fillRef>
+          <a:effectRef idx="0">
+            <a:schemeClr val="dk1"/>
+          </a:effectRef>
+          <a:fontRef idx="minor">
+            <a:schemeClr val="dk1"/>
+          </a:fontRef>
+        </p:style>
+        <p:txBody>
+          <a:bodyPr rtlCol="0" anchor="ctr"/>
+          <a:lstStyle/>
+          <a:p>
+            <a:pPr algn="ctr"/>
+            <a:r>
+              <a:rPr lang="de-DE" dirty="0"/>
+              <a:t>Termination</a:t>
+            </a:r>
+          </a:p>
+        </p:txBody>
+      </p:sp>
+    </p:spTree>
+    <p:extLst>
+      <p:ext uri="{BB962C8B-B14F-4D97-AF65-F5344CB8AC3E}">
+        <p14:creationId xmlns:p14="http://schemas.microsoft.com/office/powerpoint/2010/main" val="2245440440"/>
+      </p:ext>
+    </p:extLst>
+  </p:cSld>
+  <p:clrMapOvr>
+    <a:masterClrMapping/>
+  </p:clrMapOvr>
+</p:sld>
+</file>
+
+<file path=ppt/slides/slide3.xml><?xml version="1.0" encoding="utf-8"?>
 <p:sld xmlns:a="http://schemas.openxmlformats.org/drawingml/2006/main" xmlns:r="http://schemas.openxmlformats.org/officeDocument/2006/relationships" xmlns:p="http://schemas.openxmlformats.org/presentationml/2006/main">
   <p:cSld>
     <p:spTree>

--- a/thesis/masterthesis/img/ros.pptx
+++ b/thesis/masterthesis/img/ros.pptx
@@ -8,6 +8,7 @@
     <p:sldId id="256" r:id="rId2"/>
     <p:sldId id="258" r:id="rId3"/>
     <p:sldId id="257" r:id="rId4"/>
+    <p:sldId id="259" r:id="rId5"/>
   </p:sldIdLst>
   <p:sldSz cx="12192000" cy="6858000"/>
   <p:notesSz cx="6858000" cy="9144000"/>
@@ -112,6 +113,18 @@
     </p:ext>
   </p:extLst>
 </p:presentation>
+</file>
+
+<file path=ppt/commentAuthors.xml><?xml version="1.0" encoding="utf-8"?>
+<p:cmAuthorLst xmlns:a="http://schemas.openxmlformats.org/drawingml/2006/main" xmlns:r="http://schemas.openxmlformats.org/officeDocument/2006/relationships" xmlns:p="http://schemas.openxmlformats.org/presentationml/2006/main">
+  <p:cmAuthor id="1" name="Julian" initials="J" lastIdx="1" clrIdx="0">
+    <p:extLst>
+      <p:ext uri="{19B8F6BF-5375-455C-9EA6-DF929625EA0E}">
+        <p15:presenceInfo xmlns:p15="http://schemas.microsoft.com/office/powerpoint/2012/main" userId="f2f00fad48970791" providerId="Windows Live"/>
+      </p:ext>
+    </p:extLst>
+  </p:cmAuthor>
+</p:cmAuthorLst>
 </file>
 
 <file path=ppt/diagrams/colors1.xml><?xml version="1.0" encoding="utf-8"?>
@@ -2725,7 +2738,7 @@
           <a:p>
             <a:fld id="{B17796E2-91CA-4A3C-85B0-74233E184AB1}" type="datetimeFigureOut">
               <a:rPr lang="de-DE" smtClean="0"/>
-              <a:t>01.06.2021</a:t>
+              <a:t>04.06.2021</a:t>
             </a:fld>
             <a:endParaRPr lang="de-DE"/>
           </a:p>
@@ -2923,7 +2936,7 @@
           <a:p>
             <a:fld id="{B17796E2-91CA-4A3C-85B0-74233E184AB1}" type="datetimeFigureOut">
               <a:rPr lang="de-DE" smtClean="0"/>
-              <a:t>01.06.2021</a:t>
+              <a:t>04.06.2021</a:t>
             </a:fld>
             <a:endParaRPr lang="de-DE"/>
           </a:p>
@@ -3131,7 +3144,7 @@
           <a:p>
             <a:fld id="{B17796E2-91CA-4A3C-85B0-74233E184AB1}" type="datetimeFigureOut">
               <a:rPr lang="de-DE" smtClean="0"/>
-              <a:t>01.06.2021</a:t>
+              <a:t>04.06.2021</a:t>
             </a:fld>
             <a:endParaRPr lang="de-DE"/>
           </a:p>
@@ -3329,7 +3342,7 @@
           <a:p>
             <a:fld id="{B17796E2-91CA-4A3C-85B0-74233E184AB1}" type="datetimeFigureOut">
               <a:rPr lang="de-DE" smtClean="0"/>
-              <a:t>01.06.2021</a:t>
+              <a:t>04.06.2021</a:t>
             </a:fld>
             <a:endParaRPr lang="de-DE"/>
           </a:p>
@@ -3604,7 +3617,7 @@
           <a:p>
             <a:fld id="{B17796E2-91CA-4A3C-85B0-74233E184AB1}" type="datetimeFigureOut">
               <a:rPr lang="de-DE" smtClean="0"/>
-              <a:t>01.06.2021</a:t>
+              <a:t>04.06.2021</a:t>
             </a:fld>
             <a:endParaRPr lang="de-DE"/>
           </a:p>
@@ -3869,7 +3882,7 @@
           <a:p>
             <a:fld id="{B17796E2-91CA-4A3C-85B0-74233E184AB1}" type="datetimeFigureOut">
               <a:rPr lang="de-DE" smtClean="0"/>
-              <a:t>01.06.2021</a:t>
+              <a:t>04.06.2021</a:t>
             </a:fld>
             <a:endParaRPr lang="de-DE"/>
           </a:p>
@@ -4281,7 +4294,7 @@
           <a:p>
             <a:fld id="{B17796E2-91CA-4A3C-85B0-74233E184AB1}" type="datetimeFigureOut">
               <a:rPr lang="de-DE" smtClean="0"/>
-              <a:t>01.06.2021</a:t>
+              <a:t>04.06.2021</a:t>
             </a:fld>
             <a:endParaRPr lang="de-DE"/>
           </a:p>
@@ -4422,7 +4435,7 @@
           <a:p>
             <a:fld id="{B17796E2-91CA-4A3C-85B0-74233E184AB1}" type="datetimeFigureOut">
               <a:rPr lang="de-DE" smtClean="0"/>
-              <a:t>01.06.2021</a:t>
+              <a:t>04.06.2021</a:t>
             </a:fld>
             <a:endParaRPr lang="de-DE"/>
           </a:p>
@@ -4535,7 +4548,7 @@
           <a:p>
             <a:fld id="{B17796E2-91CA-4A3C-85B0-74233E184AB1}" type="datetimeFigureOut">
               <a:rPr lang="de-DE" smtClean="0"/>
-              <a:t>01.06.2021</a:t>
+              <a:t>04.06.2021</a:t>
             </a:fld>
             <a:endParaRPr lang="de-DE"/>
           </a:p>
@@ -4846,7 +4859,7 @@
           <a:p>
             <a:fld id="{B17796E2-91CA-4A3C-85B0-74233E184AB1}" type="datetimeFigureOut">
               <a:rPr lang="de-DE" smtClean="0"/>
-              <a:t>01.06.2021</a:t>
+              <a:t>04.06.2021</a:t>
             </a:fld>
             <a:endParaRPr lang="de-DE"/>
           </a:p>
@@ -5134,7 +5147,7 @@
           <a:p>
             <a:fld id="{B17796E2-91CA-4A3C-85B0-74233E184AB1}" type="datetimeFigureOut">
               <a:rPr lang="de-DE" smtClean="0"/>
-              <a:t>01.06.2021</a:t>
+              <a:t>04.06.2021</a:t>
             </a:fld>
             <a:endParaRPr lang="de-DE"/>
           </a:p>
@@ -5375,7 +5388,7 @@
           <a:p>
             <a:fld id="{B17796E2-91CA-4A3C-85B0-74233E184AB1}" type="datetimeFigureOut">
               <a:rPr lang="de-DE" smtClean="0"/>
-              <a:t>01.06.2021</a:t>
+              <a:t>04.06.2021</a:t>
             </a:fld>
             <a:endParaRPr lang="de-DE"/>
           </a:p>
@@ -7584,7 +7597,7 @@
         </p:nvSpPr>
         <p:spPr>
           <a:xfrm>
-            <a:off x="5295170" y="6121830"/>
+            <a:off x="8637460" y="6250291"/>
             <a:ext cx="1881352" cy="584775"/>
           </a:xfrm>
           <a:prstGeom prst="rect">
@@ -7619,8 +7632,8 @@
         </p:nvSpPr>
         <p:spPr>
           <a:xfrm>
-            <a:off x="4656216" y="2585502"/>
-            <a:ext cx="2280745" cy="1408386"/>
+            <a:off x="4876126" y="2952608"/>
+            <a:ext cx="1692032" cy="945974"/>
           </a:xfrm>
           <a:prstGeom prst="roundRect">
             <a:avLst/>
@@ -7651,21 +7664,21 @@
           <a:p>
             <a:pPr algn="ctr"/>
             <a:r>
-              <a:rPr lang="de-DE" dirty="0"/>
+              <a:rPr lang="de-DE" sz="1400" dirty="0"/>
               <a:t>Sensor</a:t>
             </a:r>
           </a:p>
           <a:p>
             <a:pPr algn="ctr"/>
             <a:r>
-              <a:rPr lang="de-DE" dirty="0"/>
+              <a:rPr lang="de-DE" sz="1400" dirty="0"/>
               <a:t>Data</a:t>
             </a:r>
           </a:p>
           <a:p>
             <a:pPr algn="ctr"/>
             <a:r>
-              <a:rPr lang="de-DE" dirty="0"/>
+              <a:rPr lang="de-DE" sz="1400" dirty="0"/>
               <a:t>Stream</a:t>
             </a:r>
           </a:p>
@@ -7673,10 +7686,10 @@
       </p:sp>
       <p:sp>
         <p:nvSpPr>
-          <p:cNvPr id="7" name="Rechteck 6">
-            <a:extLst>
-              <a:ext uri="{FF2B5EF4-FFF2-40B4-BE49-F238E27FC236}">
-                <a16:creationId xmlns:a16="http://schemas.microsoft.com/office/drawing/2014/main" id="{04D31935-71E4-42EC-91D6-536502513FED}"/>
+          <p:cNvPr id="8" name="Rechteck 7">
+            <a:extLst>
+              <a:ext uri="{FF2B5EF4-FFF2-40B4-BE49-F238E27FC236}">
+                <a16:creationId xmlns:a16="http://schemas.microsoft.com/office/drawing/2014/main" id="{04AA8EC0-AD61-477A-8225-9070F49976AC}"/>
               </a:ext>
             </a:extLst>
           </p:cNvPr>
@@ -7685,8 +7698,8 @@
         </p:nvSpPr>
         <p:spPr>
           <a:xfrm>
-            <a:off x="8509713" y="5203996"/>
-            <a:ext cx="1440000" cy="1440000"/>
+            <a:off x="7659824" y="383618"/>
+            <a:ext cx="972000" cy="936000"/>
           </a:xfrm>
           <a:prstGeom prst="rect">
             <a:avLst/>
@@ -7717,31 +7730,23 @@
           <a:p>
             <a:pPr algn="ctr"/>
             <a:r>
-              <a:rPr lang="de-DE" dirty="0"/>
-              <a:t>Flight Path </a:t>
-            </a:r>
-            <a:r>
-              <a:rPr lang="de-DE" dirty="0" err="1"/>
-              <a:t>Planning</a:t>
-            </a:r>
-            <a:endParaRPr lang="de-DE" dirty="0"/>
-          </a:p>
-          <a:p>
-            <a:pPr algn="ctr"/>
-            <a:r>
-              <a:rPr lang="de-DE" dirty="0" err="1"/>
+              <a:rPr lang="de-DE" sz="1100" dirty="0"/>
+              <a:t>TUM Simulation </a:t>
+            </a:r>
+            <a:r>
+              <a:rPr lang="de-DE" sz="1100" dirty="0" err="1"/>
               <a:t>Node</a:t>
             </a:r>
-            <a:endParaRPr lang="de-DE" dirty="0"/>
+            <a:endParaRPr lang="de-DE" sz="1100" dirty="0"/>
           </a:p>
         </p:txBody>
       </p:sp>
       <p:sp>
         <p:nvSpPr>
-          <p:cNvPr id="8" name="Rechteck 7">
-            <a:extLst>
-              <a:ext uri="{FF2B5EF4-FFF2-40B4-BE49-F238E27FC236}">
-                <a16:creationId xmlns:a16="http://schemas.microsoft.com/office/drawing/2014/main" id="{04AA8EC0-AD61-477A-8225-9070F49976AC}"/>
+          <p:cNvPr id="9" name="Rechteck 8">
+            <a:extLst>
+              <a:ext uri="{FF2B5EF4-FFF2-40B4-BE49-F238E27FC236}">
+                <a16:creationId xmlns:a16="http://schemas.microsoft.com/office/drawing/2014/main" id="{5CBE2F75-2728-4AD7-BD94-E44EBA774B41}"/>
               </a:ext>
             </a:extLst>
           </p:cNvPr>
@@ -7750,8 +7755,8 @@
         </p:nvSpPr>
         <p:spPr>
           <a:xfrm>
-            <a:off x="8313227" y="157708"/>
-            <a:ext cx="1440000" cy="1440000"/>
+            <a:off x="1898584" y="4597585"/>
+            <a:ext cx="972000" cy="936000"/>
           </a:xfrm>
           <a:prstGeom prst="rect">
             <a:avLst/>
@@ -7782,23 +7787,26 @@
           <a:p>
             <a:pPr algn="ctr"/>
             <a:r>
-              <a:rPr lang="de-DE" dirty="0"/>
-              <a:t>TUM Simulation </a:t>
-            </a:r>
-            <a:r>
-              <a:rPr lang="de-DE" dirty="0" err="1"/>
+              <a:rPr lang="de-DE" sz="1100" dirty="0"/>
+              <a:t>Alignment</a:t>
+            </a:r>
+          </a:p>
+          <a:p>
+            <a:pPr algn="ctr"/>
+            <a:r>
+              <a:rPr lang="de-DE" sz="1100" dirty="0" err="1"/>
               <a:t>Node</a:t>
             </a:r>
-            <a:endParaRPr lang="de-DE" dirty="0"/>
+            <a:endParaRPr lang="de-DE" sz="1100" dirty="0"/>
           </a:p>
         </p:txBody>
       </p:sp>
       <p:sp>
         <p:nvSpPr>
-          <p:cNvPr id="9" name="Rechteck 8">
-            <a:extLst>
-              <a:ext uri="{FF2B5EF4-FFF2-40B4-BE49-F238E27FC236}">
-                <a16:creationId xmlns:a16="http://schemas.microsoft.com/office/drawing/2014/main" id="{5CBE2F75-2728-4AD7-BD94-E44EBA774B41}"/>
+          <p:cNvPr id="10" name="Rechteck 9">
+            <a:extLst>
+              <a:ext uri="{FF2B5EF4-FFF2-40B4-BE49-F238E27FC236}">
+                <a16:creationId xmlns:a16="http://schemas.microsoft.com/office/drawing/2014/main" id="{63D40612-6754-477C-9CCF-143694489E73}"/>
               </a:ext>
             </a:extLst>
           </p:cNvPr>
@@ -7807,8 +7815,8 @@
         </p:nvSpPr>
         <p:spPr>
           <a:xfrm>
-            <a:off x="126377" y="2585500"/>
-            <a:ext cx="1440000" cy="1440000"/>
+            <a:off x="9092136" y="4828590"/>
+            <a:ext cx="972000" cy="936000"/>
           </a:xfrm>
           <a:prstGeom prst="rect">
             <a:avLst/>
@@ -7839,38 +7847,31 @@
           <a:p>
             <a:pPr algn="ctr"/>
             <a:r>
-              <a:rPr lang="de-DE" dirty="0"/>
-              <a:t>Alignment</a:t>
-            </a:r>
-          </a:p>
-          <a:p>
-            <a:pPr algn="ctr"/>
-            <a:r>
-              <a:rPr lang="de-DE" dirty="0"/>
-              <a:t>&amp; </a:t>
-            </a:r>
-            <a:r>
-              <a:rPr lang="de-DE" dirty="0" err="1"/>
-              <a:t>Constrain</a:t>
-            </a:r>
-            <a:endParaRPr lang="de-DE" dirty="0"/>
-          </a:p>
-          <a:p>
-            <a:pPr algn="ctr"/>
-            <a:r>
-              <a:rPr lang="de-DE" dirty="0" err="1"/>
+              <a:rPr lang="de-DE" sz="1100" dirty="0"/>
+              <a:t>Transform- and </a:t>
+            </a:r>
+            <a:r>
+              <a:rPr lang="de-DE" sz="1100" dirty="0" err="1"/>
+              <a:t>Restriction</a:t>
+            </a:r>
+            <a:r>
+              <a:rPr lang="de-DE" sz="1100" dirty="0"/>
+              <a:t> </a:t>
+            </a:r>
+            <a:r>
+              <a:rPr lang="de-DE" sz="1100" dirty="0" err="1"/>
               <a:t>Node</a:t>
             </a:r>
-            <a:endParaRPr lang="de-DE" dirty="0"/>
+            <a:endParaRPr lang="de-DE" sz="1100" dirty="0"/>
           </a:p>
         </p:txBody>
       </p:sp>
       <p:sp>
         <p:nvSpPr>
-          <p:cNvPr id="10" name="Rechteck 9">
-            <a:extLst>
-              <a:ext uri="{FF2B5EF4-FFF2-40B4-BE49-F238E27FC236}">
-                <a16:creationId xmlns:a16="http://schemas.microsoft.com/office/drawing/2014/main" id="{63D40612-6754-477C-9CCF-143694489E73}"/>
+          <p:cNvPr id="11" name="Rechteck 10">
+            <a:extLst>
+              <a:ext uri="{FF2B5EF4-FFF2-40B4-BE49-F238E27FC236}">
+                <a16:creationId xmlns:a16="http://schemas.microsoft.com/office/drawing/2014/main" id="{51DBB497-9C83-47DC-821B-75169F5F4FC3}"/>
               </a:ext>
             </a:extLst>
           </p:cNvPr>
@@ -7879,8 +7880,8 @@
         </p:nvSpPr>
         <p:spPr>
           <a:xfrm>
-            <a:off x="10010249" y="2653074"/>
-            <a:ext cx="1440000" cy="1440000"/>
+            <a:off x="2559154" y="387836"/>
+            <a:ext cx="972000" cy="936000"/>
           </a:xfrm>
           <a:prstGeom prst="rect">
             <a:avLst/>
@@ -7911,34 +7912,26 @@
           <a:p>
             <a:pPr algn="ctr"/>
             <a:r>
-              <a:rPr lang="de-DE" dirty="0"/>
-              <a:t>Position</a:t>
+              <a:rPr lang="de-DE" sz="1100" dirty="0"/>
+              <a:t>ORB-SLAM</a:t>
             </a:r>
           </a:p>
           <a:p>
             <a:pPr algn="ctr"/>
             <a:r>
-              <a:rPr lang="de-DE" dirty="0" err="1"/>
-              <a:t>Estimation</a:t>
-            </a:r>
-            <a:endParaRPr lang="de-DE" dirty="0"/>
-          </a:p>
-          <a:p>
-            <a:pPr algn="ctr"/>
-            <a:r>
-              <a:rPr lang="de-DE" dirty="0" err="1"/>
+              <a:rPr lang="de-DE" sz="1100" dirty="0" err="1"/>
               <a:t>Node</a:t>
             </a:r>
-            <a:endParaRPr lang="de-DE" dirty="0"/>
+            <a:endParaRPr lang="de-DE" sz="1100" dirty="0"/>
           </a:p>
         </p:txBody>
       </p:sp>
       <p:sp>
         <p:nvSpPr>
-          <p:cNvPr id="11" name="Rechteck 10">
-            <a:extLst>
-              <a:ext uri="{FF2B5EF4-FFF2-40B4-BE49-F238E27FC236}">
-                <a16:creationId xmlns:a16="http://schemas.microsoft.com/office/drawing/2014/main" id="{51DBB497-9C83-47DC-821B-75169F5F4FC3}"/>
+          <p:cNvPr id="27" name="Rechteck: abgerundete Ecken 26">
+            <a:extLst>
+              <a:ext uri="{FF2B5EF4-FFF2-40B4-BE49-F238E27FC236}">
+                <a16:creationId xmlns:a16="http://schemas.microsoft.com/office/drawing/2014/main" id="{5E860BCE-516A-4568-8FBE-F67D7D6D4140}"/>
               </a:ext>
             </a:extLst>
           </p:cNvPr>
@@ -7947,848 +7940,8 @@
         </p:nvSpPr>
         <p:spPr>
           <a:xfrm>
-            <a:off x="1802749" y="151535"/>
-            <a:ext cx="1440000" cy="1440000"/>
-          </a:xfrm>
-          <a:prstGeom prst="rect">
-            <a:avLst/>
-          </a:prstGeom>
-          <a:ln>
-            <a:solidFill>
-              <a:schemeClr val="tx1"/>
-            </a:solidFill>
-          </a:ln>
-        </p:spPr>
-        <p:style>
-          <a:lnRef idx="2">
-            <a:schemeClr val="accent6"/>
-          </a:lnRef>
-          <a:fillRef idx="1">
-            <a:schemeClr val="lt1"/>
-          </a:fillRef>
-          <a:effectRef idx="0">
-            <a:schemeClr val="accent6"/>
-          </a:effectRef>
-          <a:fontRef idx="minor">
-            <a:schemeClr val="dk1"/>
-          </a:fontRef>
-        </p:style>
-        <p:txBody>
-          <a:bodyPr rtlCol="0" anchor="ctr"/>
-          <a:lstStyle/>
-          <a:p>
-            <a:pPr algn="ctr"/>
-            <a:r>
-              <a:rPr lang="de-DE" dirty="0"/>
-              <a:t>ORB-SLAM</a:t>
-            </a:r>
-          </a:p>
-          <a:p>
-            <a:pPr algn="ctr"/>
-            <a:r>
-              <a:rPr lang="de-DE" dirty="0" err="1"/>
-              <a:t>Node</a:t>
-            </a:r>
-            <a:endParaRPr lang="de-DE" dirty="0"/>
-          </a:p>
-        </p:txBody>
-      </p:sp>
-      <p:sp>
-        <p:nvSpPr>
-          <p:cNvPr id="12" name="Pfeil: nach rechts 11">
-            <a:extLst>
-              <a:ext uri="{FF2B5EF4-FFF2-40B4-BE49-F238E27FC236}">
-                <a16:creationId xmlns:a16="http://schemas.microsoft.com/office/drawing/2014/main" id="{CB5AFBF1-011E-400F-A914-27C1082AF12B}"/>
-              </a:ext>
-            </a:extLst>
-          </p:cNvPr>
-          <p:cNvSpPr/>
-          <p:nvPr/>
-        </p:nvSpPr>
-        <p:spPr>
-          <a:xfrm rot="2282365">
-            <a:off x="2870736" y="2018376"/>
-            <a:ext cx="1884207" cy="693683"/>
-          </a:xfrm>
-          <a:prstGeom prst="rightArrow">
-            <a:avLst/>
-          </a:prstGeom>
-        </p:spPr>
-        <p:style>
-          <a:lnRef idx="2">
-            <a:schemeClr val="dk1"/>
-          </a:lnRef>
-          <a:fillRef idx="1">
-            <a:schemeClr val="lt1"/>
-          </a:fillRef>
-          <a:effectRef idx="0">
-            <a:schemeClr val="dk1"/>
-          </a:effectRef>
-          <a:fontRef idx="minor">
-            <a:schemeClr val="dk1"/>
-          </a:fontRef>
-        </p:style>
-        <p:txBody>
-          <a:bodyPr rtlCol="0" anchor="ctr"/>
-          <a:lstStyle/>
-          <a:p>
-            <a:pPr algn="ctr"/>
-            <a:r>
-              <a:rPr lang="de-DE" sz="1100" dirty="0" err="1"/>
-              <a:t>Point_cloud</a:t>
-            </a:r>
-            <a:r>
-              <a:rPr lang="de-DE" sz="1100" dirty="0"/>
-              <a:t>, </a:t>
-            </a:r>
-            <a:r>
-              <a:rPr lang="de-DE" sz="1100" dirty="0" err="1"/>
-              <a:t>pose</a:t>
-            </a:r>
-            <a:endParaRPr lang="de-DE" sz="1100" dirty="0"/>
-          </a:p>
-        </p:txBody>
-      </p:sp>
-      <p:sp>
-        <p:nvSpPr>
-          <p:cNvPr id="14" name="Rechteck 13">
-            <a:extLst>
-              <a:ext uri="{FF2B5EF4-FFF2-40B4-BE49-F238E27FC236}">
-                <a16:creationId xmlns:a16="http://schemas.microsoft.com/office/drawing/2014/main" id="{97ADF017-1664-4124-A10D-B340E70DB02B}"/>
-              </a:ext>
-            </a:extLst>
-          </p:cNvPr>
-          <p:cNvSpPr/>
-          <p:nvPr/>
-        </p:nvSpPr>
-        <p:spPr>
-          <a:xfrm>
-            <a:off x="1802749" y="5083263"/>
-            <a:ext cx="1440000" cy="1440000"/>
-          </a:xfrm>
-          <a:prstGeom prst="rect">
-            <a:avLst/>
-          </a:prstGeom>
-          <a:ln>
-            <a:solidFill>
-              <a:schemeClr val="tx1"/>
-            </a:solidFill>
-          </a:ln>
-        </p:spPr>
-        <p:style>
-          <a:lnRef idx="2">
-            <a:schemeClr val="accent6"/>
-          </a:lnRef>
-          <a:fillRef idx="1">
-            <a:schemeClr val="lt1"/>
-          </a:fillRef>
-          <a:effectRef idx="0">
-            <a:schemeClr val="accent6"/>
-          </a:effectRef>
-          <a:fontRef idx="minor">
-            <a:schemeClr val="dk1"/>
-          </a:fontRef>
-        </p:style>
-        <p:txBody>
-          <a:bodyPr rtlCol="0" anchor="ctr"/>
-          <a:lstStyle/>
-          <a:p>
-            <a:pPr algn="ctr"/>
-            <a:r>
-              <a:rPr lang="de-DE" dirty="0" err="1"/>
-              <a:t>Collision</a:t>
-            </a:r>
-            <a:endParaRPr lang="de-DE" dirty="0"/>
-          </a:p>
-          <a:p>
-            <a:pPr algn="ctr"/>
-            <a:r>
-              <a:rPr lang="de-DE" dirty="0" err="1"/>
-              <a:t>Node</a:t>
-            </a:r>
-            <a:endParaRPr lang="de-DE" dirty="0"/>
-          </a:p>
-        </p:txBody>
-      </p:sp>
-      <p:sp>
-        <p:nvSpPr>
-          <p:cNvPr id="15" name="Pfeil: nach links 14">
-            <a:extLst>
-              <a:ext uri="{FF2B5EF4-FFF2-40B4-BE49-F238E27FC236}">
-                <a16:creationId xmlns:a16="http://schemas.microsoft.com/office/drawing/2014/main" id="{FDC30C67-2F90-47F9-B8BB-E27D7A026213}"/>
-              </a:ext>
-            </a:extLst>
-          </p:cNvPr>
-          <p:cNvSpPr/>
-          <p:nvPr/>
-        </p:nvSpPr>
-        <p:spPr>
-          <a:xfrm rot="2328671">
-            <a:off x="3256809" y="1441202"/>
-            <a:ext cx="1884207" cy="693682"/>
-          </a:xfrm>
-          <a:prstGeom prst="leftArrow">
-            <a:avLst/>
-          </a:prstGeom>
-        </p:spPr>
-        <p:style>
-          <a:lnRef idx="2">
-            <a:schemeClr val="dk1"/>
-          </a:lnRef>
-          <a:fillRef idx="1">
-            <a:schemeClr val="lt1"/>
-          </a:fillRef>
-          <a:effectRef idx="0">
-            <a:schemeClr val="dk1"/>
-          </a:effectRef>
-          <a:fontRef idx="minor">
-            <a:schemeClr val="dk1"/>
-          </a:fontRef>
-        </p:style>
-        <p:txBody>
-          <a:bodyPr rtlCol="0" anchor="ctr"/>
-          <a:lstStyle/>
-          <a:p>
-            <a:pPr algn="ctr"/>
-            <a:r>
-              <a:rPr lang="de-DE" sz="1100" dirty="0" err="1"/>
-              <a:t>drone</a:t>
-            </a:r>
-            <a:r>
-              <a:rPr lang="de-DE" sz="1100" dirty="0"/>
-              <a:t> </a:t>
-            </a:r>
-            <a:r>
-              <a:rPr lang="de-DE" sz="1100" dirty="0" err="1"/>
-              <a:t>camera</a:t>
-            </a:r>
-            <a:r>
-              <a:rPr lang="de-DE" sz="1100" dirty="0"/>
-              <a:t> </a:t>
-            </a:r>
-            <a:r>
-              <a:rPr lang="de-DE" sz="1100" dirty="0" err="1"/>
-              <a:t>output</a:t>
-            </a:r>
-            <a:endParaRPr lang="de-DE" sz="1100" dirty="0"/>
-          </a:p>
-        </p:txBody>
-      </p:sp>
-      <p:sp>
-        <p:nvSpPr>
-          <p:cNvPr id="16" name="Pfeil: nach rechts 15">
-            <a:extLst>
-              <a:ext uri="{FF2B5EF4-FFF2-40B4-BE49-F238E27FC236}">
-                <a16:creationId xmlns:a16="http://schemas.microsoft.com/office/drawing/2014/main" id="{B7C85F2D-709B-46BA-BD7B-B31AE09591A0}"/>
-              </a:ext>
-            </a:extLst>
-          </p:cNvPr>
-          <p:cNvSpPr/>
-          <p:nvPr/>
-        </p:nvSpPr>
-        <p:spPr>
-          <a:xfrm rot="19238780">
-            <a:off x="3042031" y="4141227"/>
-            <a:ext cx="1799706" cy="693683"/>
-          </a:xfrm>
-          <a:prstGeom prst="rightArrow">
-            <a:avLst/>
-          </a:prstGeom>
-        </p:spPr>
-        <p:style>
-          <a:lnRef idx="2">
-            <a:schemeClr val="dk1"/>
-          </a:lnRef>
-          <a:fillRef idx="1">
-            <a:schemeClr val="lt1"/>
-          </a:fillRef>
-          <a:effectRef idx="0">
-            <a:schemeClr val="dk1"/>
-          </a:effectRef>
-          <a:fontRef idx="minor">
-            <a:schemeClr val="dk1"/>
-          </a:fontRef>
-        </p:style>
-        <p:txBody>
-          <a:bodyPr rtlCol="0" anchor="ctr"/>
-          <a:lstStyle/>
-          <a:p>
-            <a:pPr algn="ctr"/>
-            <a:r>
-              <a:rPr lang="de-DE" sz="1100" dirty="0" err="1"/>
-              <a:t>drone_collision</a:t>
-            </a:r>
-            <a:endParaRPr lang="de-DE" sz="1100" dirty="0"/>
-          </a:p>
-        </p:txBody>
-      </p:sp>
-      <p:sp>
-        <p:nvSpPr>
-          <p:cNvPr id="17" name="Pfeil: nach rechts 16">
-            <a:extLst>
-              <a:ext uri="{FF2B5EF4-FFF2-40B4-BE49-F238E27FC236}">
-                <a16:creationId xmlns:a16="http://schemas.microsoft.com/office/drawing/2014/main" id="{B4755FFC-0AB7-4814-BD08-BBC72EC76DD5}"/>
-              </a:ext>
-            </a:extLst>
-          </p:cNvPr>
-          <p:cNvSpPr/>
-          <p:nvPr/>
-        </p:nvSpPr>
-        <p:spPr>
-          <a:xfrm>
-            <a:off x="7661047" y="3228612"/>
-            <a:ext cx="1884207" cy="693683"/>
-          </a:xfrm>
-          <a:prstGeom prst="rightArrow">
-            <a:avLst/>
-          </a:prstGeom>
-        </p:spPr>
-        <p:style>
-          <a:lnRef idx="2">
-            <a:schemeClr val="dk1"/>
-          </a:lnRef>
-          <a:fillRef idx="1">
-            <a:schemeClr val="lt1"/>
-          </a:fillRef>
-          <a:effectRef idx="0">
-            <a:schemeClr val="dk1"/>
-          </a:effectRef>
-          <a:fontRef idx="minor">
-            <a:schemeClr val="dk1"/>
-          </a:fontRef>
-        </p:style>
-        <p:txBody>
-          <a:bodyPr rtlCol="0" anchor="ctr"/>
-          <a:lstStyle/>
-          <a:p>
-            <a:pPr algn="ctr"/>
-            <a:r>
-              <a:rPr lang="de-DE" sz="1100" dirty="0"/>
-              <a:t>Velocity </a:t>
-            </a:r>
-            <a:r>
-              <a:rPr lang="de-DE" sz="1100" dirty="0" err="1"/>
-              <a:t>of</a:t>
-            </a:r>
-            <a:r>
-              <a:rPr lang="de-DE" sz="1100" dirty="0"/>
-              <a:t> </a:t>
-            </a:r>
-            <a:r>
-              <a:rPr lang="de-DE" sz="1100" dirty="0" err="1"/>
-              <a:t>drone</a:t>
-            </a:r>
-            <a:endParaRPr lang="de-DE" sz="1100" dirty="0"/>
-          </a:p>
-        </p:txBody>
-      </p:sp>
-      <p:sp>
-        <p:nvSpPr>
-          <p:cNvPr id="18" name="Pfeil: nach rechts 17">
-            <a:extLst>
-              <a:ext uri="{FF2B5EF4-FFF2-40B4-BE49-F238E27FC236}">
-                <a16:creationId xmlns:a16="http://schemas.microsoft.com/office/drawing/2014/main" id="{A7FC5526-931B-4BEF-8388-8EE8F76D699B}"/>
-              </a:ext>
-            </a:extLst>
-          </p:cNvPr>
-          <p:cNvSpPr/>
-          <p:nvPr/>
-        </p:nvSpPr>
-        <p:spPr>
-          <a:xfrm>
-            <a:off x="2047923" y="2818975"/>
-            <a:ext cx="1884207" cy="693683"/>
-          </a:xfrm>
-          <a:prstGeom prst="rightArrow">
-            <a:avLst/>
-          </a:prstGeom>
-        </p:spPr>
-        <p:style>
-          <a:lnRef idx="2">
-            <a:schemeClr val="dk1"/>
-          </a:lnRef>
-          <a:fillRef idx="1">
-            <a:schemeClr val="lt1"/>
-          </a:fillRef>
-          <a:effectRef idx="0">
-            <a:schemeClr val="dk1"/>
-          </a:effectRef>
-          <a:fontRef idx="minor">
-            <a:schemeClr val="dk1"/>
-          </a:fontRef>
-        </p:style>
-        <p:txBody>
-          <a:bodyPr rtlCol="0" anchor="ctr"/>
-          <a:lstStyle/>
-          <a:p>
-            <a:pPr algn="ctr"/>
-            <a:r>
-              <a:rPr lang="de-DE" sz="1100" dirty="0"/>
-              <a:t> </a:t>
-            </a:r>
-            <a:r>
-              <a:rPr lang="de-DE" sz="1100" dirty="0" err="1"/>
-              <a:t>scaled_pointcloud</a:t>
-            </a:r>
-            <a:r>
-              <a:rPr lang="de-DE" sz="1100" dirty="0"/>
-              <a:t>,</a:t>
-            </a:r>
-          </a:p>
-          <a:p>
-            <a:pPr algn="ctr"/>
-            <a:r>
-              <a:rPr lang="de-DE" sz="1100" dirty="0" err="1"/>
-              <a:t>Scaled</a:t>
-            </a:r>
-            <a:r>
-              <a:rPr lang="de-DE" sz="1100" dirty="0"/>
-              <a:t> </a:t>
-            </a:r>
-            <a:r>
-              <a:rPr lang="de-DE" sz="1100" dirty="0" err="1"/>
-              <a:t>pose</a:t>
-            </a:r>
-            <a:endParaRPr lang="de-DE" sz="1100" dirty="0"/>
-          </a:p>
-        </p:txBody>
-      </p:sp>
-      <p:sp>
-        <p:nvSpPr>
-          <p:cNvPr id="19" name="Pfeil: nach rechts 18">
-            <a:extLst>
-              <a:ext uri="{FF2B5EF4-FFF2-40B4-BE49-F238E27FC236}">
-                <a16:creationId xmlns:a16="http://schemas.microsoft.com/office/drawing/2014/main" id="{433DD93E-8081-4D7E-BC66-C3907B4AD86D}"/>
-              </a:ext>
-            </a:extLst>
-          </p:cNvPr>
-          <p:cNvSpPr/>
-          <p:nvPr/>
-        </p:nvSpPr>
-        <p:spPr>
-          <a:xfrm rot="2289105">
-            <a:off x="6925770" y="4084220"/>
-            <a:ext cx="1892902" cy="684670"/>
-          </a:xfrm>
-          <a:prstGeom prst="rightArrow">
-            <a:avLst/>
-          </a:prstGeom>
-        </p:spPr>
-        <p:style>
-          <a:lnRef idx="2">
-            <a:schemeClr val="dk1"/>
-          </a:lnRef>
-          <a:fillRef idx="1">
-            <a:schemeClr val="lt1"/>
-          </a:fillRef>
-          <a:effectRef idx="0">
-            <a:schemeClr val="dk1"/>
-          </a:effectRef>
-          <a:fontRef idx="minor">
-            <a:schemeClr val="dk1"/>
-          </a:fontRef>
-        </p:style>
-        <p:txBody>
-          <a:bodyPr rtlCol="0" anchor="ctr"/>
-          <a:lstStyle/>
-          <a:p>
-            <a:pPr algn="ctr"/>
-            <a:r>
-              <a:rPr lang="de-DE" sz="1100" dirty="0"/>
-              <a:t> </a:t>
-            </a:r>
-            <a:r>
-              <a:rPr lang="de-DE" sz="1100" dirty="0" err="1"/>
-              <a:t>drone_collision</a:t>
-            </a:r>
-            <a:r>
-              <a:rPr lang="de-DE" sz="1100" dirty="0"/>
-              <a:t>, </a:t>
-            </a:r>
-            <a:r>
-              <a:rPr lang="de-DE" sz="1100" dirty="0" err="1"/>
-              <a:t>scaled_pointcloud</a:t>
-            </a:r>
-            <a:endParaRPr lang="de-DE" sz="1100" dirty="0"/>
-          </a:p>
-        </p:txBody>
-      </p:sp>
-      <p:sp>
-        <p:nvSpPr>
-          <p:cNvPr id="20" name="Pfeil: nach rechts 19">
-            <a:extLst>
-              <a:ext uri="{FF2B5EF4-FFF2-40B4-BE49-F238E27FC236}">
-                <a16:creationId xmlns:a16="http://schemas.microsoft.com/office/drawing/2014/main" id="{9783B4DE-D6F0-4CC9-8819-484642BF49F1}"/>
-              </a:ext>
-            </a:extLst>
-          </p:cNvPr>
-          <p:cNvSpPr/>
-          <p:nvPr/>
-        </p:nvSpPr>
-        <p:spPr>
-          <a:xfrm rot="18761759">
-            <a:off x="6324774" y="1414702"/>
-            <a:ext cx="1778613" cy="559098"/>
-          </a:xfrm>
-          <a:prstGeom prst="rightArrow">
-            <a:avLst/>
-          </a:prstGeom>
-        </p:spPr>
-        <p:style>
-          <a:lnRef idx="2">
-            <a:schemeClr val="dk1"/>
-          </a:lnRef>
-          <a:fillRef idx="1">
-            <a:schemeClr val="lt1"/>
-          </a:fillRef>
-          <a:effectRef idx="0">
-            <a:schemeClr val="dk1"/>
-          </a:effectRef>
-          <a:fontRef idx="minor">
-            <a:schemeClr val="dk1"/>
-          </a:fontRef>
-        </p:style>
-        <p:txBody>
-          <a:bodyPr rtlCol="0" anchor="ctr"/>
-          <a:lstStyle/>
-          <a:p>
-            <a:pPr algn="ctr"/>
-            <a:r>
-              <a:rPr lang="de-DE" sz="1100" dirty="0"/>
-              <a:t> </a:t>
-            </a:r>
-            <a:r>
-              <a:rPr lang="de-DE" sz="1100" dirty="0" err="1"/>
-              <a:t>drone_control</a:t>
-            </a:r>
-            <a:endParaRPr lang="de-DE" sz="1100" dirty="0"/>
-          </a:p>
-        </p:txBody>
-      </p:sp>
-      <p:sp>
-        <p:nvSpPr>
-          <p:cNvPr id="21" name="Pfeil: nach links 20">
-            <a:extLst>
-              <a:ext uri="{FF2B5EF4-FFF2-40B4-BE49-F238E27FC236}">
-                <a16:creationId xmlns:a16="http://schemas.microsoft.com/office/drawing/2014/main" id="{AAE59914-F9D5-4434-AED7-9F628FF9D175}"/>
-              </a:ext>
-            </a:extLst>
-          </p:cNvPr>
-          <p:cNvSpPr/>
-          <p:nvPr/>
-        </p:nvSpPr>
-        <p:spPr>
-          <a:xfrm rot="19127619">
-            <a:off x="3339306" y="4696648"/>
-            <a:ext cx="1884207" cy="693683"/>
-          </a:xfrm>
-          <a:prstGeom prst="leftArrow">
-            <a:avLst/>
-          </a:prstGeom>
-        </p:spPr>
-        <p:style>
-          <a:lnRef idx="2">
-            <a:schemeClr val="dk1"/>
-          </a:lnRef>
-          <a:fillRef idx="1">
-            <a:schemeClr val="lt1"/>
-          </a:fillRef>
-          <a:effectRef idx="0">
-            <a:schemeClr val="dk1"/>
-          </a:effectRef>
-          <a:fontRef idx="minor">
-            <a:schemeClr val="dk1"/>
-          </a:fontRef>
-        </p:style>
-        <p:txBody>
-          <a:bodyPr rtlCol="0" anchor="ctr"/>
-          <a:lstStyle/>
-          <a:p>
-            <a:pPr algn="ctr"/>
-            <a:r>
-              <a:rPr lang="de-DE" sz="1100" dirty="0" err="1"/>
-              <a:t>Point_cloud_env</a:t>
-            </a:r>
-            <a:r>
-              <a:rPr lang="de-DE" sz="1100" dirty="0"/>
-              <a:t>, </a:t>
-            </a:r>
-            <a:r>
-              <a:rPr lang="de-DE" sz="1100" dirty="0" err="1"/>
-              <a:t>position_estimation</a:t>
-            </a:r>
-            <a:endParaRPr lang="de-DE" sz="1100" dirty="0"/>
-          </a:p>
-        </p:txBody>
-      </p:sp>
-      <p:sp>
-        <p:nvSpPr>
-          <p:cNvPr id="23" name="Pfeil: nach links 22">
-            <a:extLst>
-              <a:ext uri="{FF2B5EF4-FFF2-40B4-BE49-F238E27FC236}">
-                <a16:creationId xmlns:a16="http://schemas.microsoft.com/office/drawing/2014/main" id="{BA25EE1E-646C-480D-BED4-3BEE1AFECB93}"/>
-              </a:ext>
-            </a:extLst>
-          </p:cNvPr>
-          <p:cNvSpPr/>
-          <p:nvPr/>
-        </p:nvSpPr>
-        <p:spPr>
-          <a:xfrm rot="2411704">
-            <a:off x="6460172" y="4500415"/>
-            <a:ext cx="1884207" cy="693683"/>
-          </a:xfrm>
-          <a:prstGeom prst="leftArrow">
-            <a:avLst/>
-          </a:prstGeom>
-        </p:spPr>
-        <p:style>
-          <a:lnRef idx="2">
-            <a:schemeClr val="dk1"/>
-          </a:lnRef>
-          <a:fillRef idx="1">
-            <a:schemeClr val="lt1"/>
-          </a:fillRef>
-          <a:effectRef idx="0">
-            <a:schemeClr val="dk1"/>
-          </a:effectRef>
-          <a:fontRef idx="minor">
-            <a:schemeClr val="dk1"/>
-          </a:fontRef>
-        </p:style>
-        <p:txBody>
-          <a:bodyPr rtlCol="0" anchor="ctr"/>
-          <a:lstStyle/>
-          <a:p>
-            <a:pPr algn="ctr"/>
-            <a:r>
-              <a:rPr lang="de-DE" sz="1100" dirty="0" err="1"/>
-              <a:t>Drone_control</a:t>
-            </a:r>
-            <a:endParaRPr lang="de-DE" sz="1100" dirty="0"/>
-          </a:p>
-        </p:txBody>
-      </p:sp>
-      <p:sp>
-        <p:nvSpPr>
-          <p:cNvPr id="24" name="Pfeil: nach links 23">
-            <a:extLst>
-              <a:ext uri="{FF2B5EF4-FFF2-40B4-BE49-F238E27FC236}">
-                <a16:creationId xmlns:a16="http://schemas.microsoft.com/office/drawing/2014/main" id="{6D241F03-899F-4905-9BD5-2F2002462AAD}"/>
-              </a:ext>
-            </a:extLst>
-          </p:cNvPr>
-          <p:cNvSpPr/>
-          <p:nvPr/>
-        </p:nvSpPr>
-        <p:spPr>
-          <a:xfrm rot="18871426">
-            <a:off x="6720782" y="1755478"/>
-            <a:ext cx="1645026" cy="732321"/>
-          </a:xfrm>
-          <a:prstGeom prst="leftArrow">
-            <a:avLst/>
-          </a:prstGeom>
-        </p:spPr>
-        <p:style>
-          <a:lnRef idx="2">
-            <a:schemeClr val="dk1"/>
-          </a:lnRef>
-          <a:fillRef idx="1">
-            <a:schemeClr val="lt1"/>
-          </a:fillRef>
-          <a:effectRef idx="0">
-            <a:schemeClr val="dk1"/>
-          </a:effectRef>
-          <a:fontRef idx="minor">
-            <a:schemeClr val="dk1"/>
-          </a:fontRef>
-        </p:style>
-        <p:txBody>
-          <a:bodyPr rtlCol="0" anchor="ctr"/>
-          <a:lstStyle/>
-          <a:p>
-            <a:pPr algn="ctr"/>
-            <a:r>
-              <a:rPr lang="de-DE" sz="1100" dirty="0" err="1"/>
-              <a:t>Drone</a:t>
-            </a:r>
-            <a:r>
-              <a:rPr lang="de-DE" sz="1100" dirty="0"/>
-              <a:t> </a:t>
-            </a:r>
-            <a:r>
-              <a:rPr lang="de-DE" sz="1100" dirty="0" err="1"/>
-              <a:t>camera</a:t>
-            </a:r>
-            <a:r>
-              <a:rPr lang="de-DE" sz="1100" dirty="0"/>
-              <a:t> </a:t>
-            </a:r>
-            <a:r>
-              <a:rPr lang="de-DE" sz="1100" dirty="0" err="1"/>
-              <a:t>output</a:t>
-            </a:r>
-            <a:r>
-              <a:rPr lang="de-DE" sz="1100" dirty="0"/>
-              <a:t>, </a:t>
-            </a:r>
-            <a:r>
-              <a:rPr lang="de-DE" sz="1100" dirty="0" err="1"/>
-              <a:t>velocity</a:t>
-            </a:r>
-            <a:r>
-              <a:rPr lang="de-DE" sz="1100" dirty="0"/>
-              <a:t> </a:t>
-            </a:r>
-            <a:r>
-              <a:rPr lang="de-DE" sz="1100" dirty="0" err="1"/>
-              <a:t>of</a:t>
-            </a:r>
-            <a:r>
-              <a:rPr lang="de-DE" sz="1100" dirty="0"/>
-              <a:t> </a:t>
-            </a:r>
-            <a:r>
-              <a:rPr lang="de-DE" sz="1100" dirty="0" err="1"/>
-              <a:t>drone</a:t>
-            </a:r>
-            <a:endParaRPr lang="de-DE" sz="1100" dirty="0"/>
-          </a:p>
-        </p:txBody>
-      </p:sp>
-      <p:sp>
-        <p:nvSpPr>
-          <p:cNvPr id="25" name="Pfeil: nach links 24">
-            <a:extLst>
-              <a:ext uri="{FF2B5EF4-FFF2-40B4-BE49-F238E27FC236}">
-                <a16:creationId xmlns:a16="http://schemas.microsoft.com/office/drawing/2014/main" id="{255E7205-7951-4C6E-8D3D-71467C663664}"/>
-              </a:ext>
-            </a:extLst>
-          </p:cNvPr>
-          <p:cNvSpPr/>
-          <p:nvPr/>
-        </p:nvSpPr>
-        <p:spPr>
-          <a:xfrm>
-            <a:off x="7567610" y="2642035"/>
-            <a:ext cx="1884206" cy="693683"/>
-          </a:xfrm>
-          <a:prstGeom prst="leftArrow">
-            <a:avLst/>
-          </a:prstGeom>
-        </p:spPr>
-        <p:style>
-          <a:lnRef idx="2">
-            <a:schemeClr val="dk1"/>
-          </a:lnRef>
-          <a:fillRef idx="1">
-            <a:schemeClr val="lt1"/>
-          </a:fillRef>
-          <a:effectRef idx="0">
-            <a:schemeClr val="dk1"/>
-          </a:effectRef>
-          <a:fontRef idx="minor">
-            <a:schemeClr val="dk1"/>
-          </a:fontRef>
-        </p:style>
-        <p:txBody>
-          <a:bodyPr rtlCol="0" anchor="ctr"/>
-          <a:lstStyle/>
-          <a:p>
-            <a:pPr algn="ctr"/>
-            <a:r>
-              <a:rPr lang="de-DE" sz="1100" dirty="0" err="1"/>
-              <a:t>Estimated</a:t>
-            </a:r>
-            <a:r>
-              <a:rPr lang="de-DE" sz="1100" dirty="0"/>
-              <a:t> </a:t>
-            </a:r>
-            <a:r>
-              <a:rPr lang="de-DE" sz="1100" dirty="0" err="1"/>
-              <a:t>position</a:t>
-            </a:r>
-            <a:endParaRPr lang="de-DE" sz="1100" dirty="0"/>
-          </a:p>
-        </p:txBody>
-      </p:sp>
-      <p:sp>
-        <p:nvSpPr>
-          <p:cNvPr id="26" name="Pfeil: nach links 25">
-            <a:extLst>
-              <a:ext uri="{FF2B5EF4-FFF2-40B4-BE49-F238E27FC236}">
-                <a16:creationId xmlns:a16="http://schemas.microsoft.com/office/drawing/2014/main" id="{8D7D217B-93A7-4270-B336-B7A88379B9CC}"/>
-              </a:ext>
-            </a:extLst>
-          </p:cNvPr>
-          <p:cNvSpPr/>
-          <p:nvPr/>
-        </p:nvSpPr>
-        <p:spPr>
-          <a:xfrm>
-            <a:off x="1928632" y="3396316"/>
-            <a:ext cx="1884207" cy="693683"/>
-          </a:xfrm>
-          <a:prstGeom prst="leftArrow">
-            <a:avLst/>
-          </a:prstGeom>
-        </p:spPr>
-        <p:style>
-          <a:lnRef idx="2">
-            <a:schemeClr val="dk1"/>
-          </a:lnRef>
-          <a:fillRef idx="1">
-            <a:schemeClr val="lt1"/>
-          </a:fillRef>
-          <a:effectRef idx="0">
-            <a:schemeClr val="dk1"/>
-          </a:effectRef>
-          <a:fontRef idx="minor">
-            <a:schemeClr val="dk1"/>
-          </a:fontRef>
-        </p:style>
-        <p:txBody>
-          <a:bodyPr rtlCol="0" anchor="ctr"/>
-          <a:lstStyle/>
-          <a:p>
-            <a:pPr algn="ctr"/>
-            <a:r>
-              <a:rPr lang="de-DE" sz="1100" dirty="0"/>
-              <a:t>Pose, </a:t>
-            </a:r>
-            <a:r>
-              <a:rPr lang="de-DE" sz="1100" dirty="0" err="1"/>
-              <a:t>estimated_position</a:t>
-            </a:r>
-            <a:r>
-              <a:rPr lang="de-DE" sz="1100" dirty="0"/>
-              <a:t>, </a:t>
-            </a:r>
-            <a:r>
-              <a:rPr lang="de-DE" sz="1100" dirty="0" err="1"/>
-              <a:t>point_cloud</a:t>
-            </a:r>
-            <a:endParaRPr lang="de-DE" sz="1100" dirty="0"/>
-          </a:p>
-        </p:txBody>
-      </p:sp>
-      <p:sp>
-        <p:nvSpPr>
-          <p:cNvPr id="27" name="Rechteck: abgerundete Ecken 26">
-            <a:extLst>
-              <a:ext uri="{FF2B5EF4-FFF2-40B4-BE49-F238E27FC236}">
-                <a16:creationId xmlns:a16="http://schemas.microsoft.com/office/drawing/2014/main" id="{5E860BCE-516A-4568-8FBE-F67D7D6D4140}"/>
-              </a:ext>
-            </a:extLst>
-          </p:cNvPr>
-          <p:cNvSpPr/>
-          <p:nvPr/>
-        </p:nvSpPr>
-        <p:spPr>
-          <a:xfrm>
-            <a:off x="0" y="0"/>
-            <a:ext cx="12065623" cy="6858000"/>
+            <a:off x="1759783" y="157708"/>
+            <a:ext cx="8950257" cy="6542584"/>
           </a:xfrm>
           <a:prstGeom prst="roundRect">
             <a:avLst/>
@@ -8823,10 +7976,4113 @@
           </a:p>
         </p:txBody>
       </p:sp>
+      <p:sp>
+        <p:nvSpPr>
+          <p:cNvPr id="71" name="Rechteck 70">
+            <a:extLst>
+              <a:ext uri="{FF2B5EF4-FFF2-40B4-BE49-F238E27FC236}">
+                <a16:creationId xmlns:a16="http://schemas.microsoft.com/office/drawing/2014/main" id="{A73267A4-3B2C-476E-9B48-C64983A92BE3}"/>
+              </a:ext>
+            </a:extLst>
+          </p:cNvPr>
+          <p:cNvSpPr/>
+          <p:nvPr/>
+        </p:nvSpPr>
+        <p:spPr>
+          <a:xfrm>
+            <a:off x="5412091" y="5642646"/>
+            <a:ext cx="972000" cy="936000"/>
+          </a:xfrm>
+          <a:prstGeom prst="rect">
+            <a:avLst/>
+          </a:prstGeom>
+          <a:solidFill>
+            <a:schemeClr val="bg1"/>
+          </a:solidFill>
+          <a:ln>
+            <a:solidFill>
+              <a:schemeClr val="tx1"/>
+            </a:solidFill>
+          </a:ln>
+        </p:spPr>
+        <p:style>
+          <a:lnRef idx="2">
+            <a:schemeClr val="accent6"/>
+          </a:lnRef>
+          <a:fillRef idx="1">
+            <a:schemeClr val="lt1"/>
+          </a:fillRef>
+          <a:effectRef idx="0">
+            <a:schemeClr val="accent6"/>
+          </a:effectRef>
+          <a:fontRef idx="minor">
+            <a:schemeClr val="dk1"/>
+          </a:fontRef>
+        </p:style>
+        <p:txBody>
+          <a:bodyPr rtlCol="0" anchor="ctr"/>
+          <a:lstStyle/>
+          <a:p>
+            <a:pPr algn="ctr"/>
+            <a:r>
+              <a:rPr lang="de-DE" sz="1100" dirty="0"/>
+              <a:t>Flight Path </a:t>
+            </a:r>
+            <a:r>
+              <a:rPr lang="de-DE" sz="1100" dirty="0" err="1"/>
+              <a:t>Planning</a:t>
+            </a:r>
+            <a:endParaRPr lang="de-DE" sz="1100" dirty="0"/>
+          </a:p>
+          <a:p>
+            <a:pPr algn="ctr"/>
+            <a:r>
+              <a:rPr lang="de-DE" sz="1100" dirty="0" err="1"/>
+              <a:t>Node</a:t>
+            </a:r>
+            <a:endParaRPr lang="de-DE" sz="1100" dirty="0"/>
+          </a:p>
+        </p:txBody>
+      </p:sp>
+      <p:cxnSp>
+        <p:nvCxnSpPr>
+          <p:cNvPr id="102" name="Verbinder: gekrümmt 101">
+            <a:extLst>
+              <a:ext uri="{FF2B5EF4-FFF2-40B4-BE49-F238E27FC236}">
+                <a16:creationId xmlns:a16="http://schemas.microsoft.com/office/drawing/2014/main" id="{73710AD1-3937-4A18-9F4D-E7EE39129EDA}"/>
+              </a:ext>
+            </a:extLst>
+          </p:cNvPr>
+          <p:cNvCxnSpPr>
+            <a:cxnSpLocks/>
+            <a:stCxn id="11" idx="2"/>
+            <a:endCxn id="6" idx="1"/>
+          </p:cNvCxnSpPr>
+          <p:nvPr/>
+        </p:nvCxnSpPr>
+        <p:spPr>
+          <a:xfrm rot="16200000" flipH="1">
+            <a:off x="2909761" y="1459229"/>
+            <a:ext cx="2101759" cy="1830972"/>
+          </a:xfrm>
+          <a:prstGeom prst="curvedConnector2">
+            <a:avLst/>
+          </a:prstGeom>
+          <a:ln w="25400">
+            <a:solidFill>
+              <a:schemeClr val="tx1">
+                <a:alpha val="54000"/>
+              </a:schemeClr>
+            </a:solidFill>
+            <a:tailEnd type="triangle" w="lg" len="lg"/>
+          </a:ln>
+        </p:spPr>
+        <p:style>
+          <a:lnRef idx="1">
+            <a:schemeClr val="accent1"/>
+          </a:lnRef>
+          <a:fillRef idx="0">
+            <a:schemeClr val="accent1"/>
+          </a:fillRef>
+          <a:effectRef idx="0">
+            <a:schemeClr val="accent1"/>
+          </a:effectRef>
+          <a:fontRef idx="minor">
+            <a:schemeClr val="tx1"/>
+          </a:fontRef>
+        </p:style>
+      </p:cxnSp>
+      <p:cxnSp>
+        <p:nvCxnSpPr>
+          <p:cNvPr id="104" name="Verbinder: gekrümmt 103">
+            <a:extLst>
+              <a:ext uri="{FF2B5EF4-FFF2-40B4-BE49-F238E27FC236}">
+                <a16:creationId xmlns:a16="http://schemas.microsoft.com/office/drawing/2014/main" id="{E1CA3E02-A119-48E8-B33A-EDFDC2504E19}"/>
+              </a:ext>
+            </a:extLst>
+          </p:cNvPr>
+          <p:cNvCxnSpPr>
+            <a:cxnSpLocks/>
+            <a:stCxn id="6" idx="0"/>
+            <a:endCxn id="11" idx="3"/>
+          </p:cNvCxnSpPr>
+          <p:nvPr/>
+        </p:nvCxnSpPr>
+        <p:spPr>
+          <a:xfrm rot="16200000" flipV="1">
+            <a:off x="3578262" y="808728"/>
+            <a:ext cx="2096772" cy="2190988"/>
+          </a:xfrm>
+          <a:prstGeom prst="curvedConnector2">
+            <a:avLst/>
+          </a:prstGeom>
+          <a:ln w="25400">
+            <a:solidFill>
+              <a:schemeClr val="tx1">
+                <a:alpha val="54000"/>
+              </a:schemeClr>
+            </a:solidFill>
+            <a:tailEnd type="triangle" w="lg" len="lg"/>
+          </a:ln>
+        </p:spPr>
+        <p:style>
+          <a:lnRef idx="1">
+            <a:schemeClr val="accent1"/>
+          </a:lnRef>
+          <a:fillRef idx="0">
+            <a:schemeClr val="accent1"/>
+          </a:fillRef>
+          <a:effectRef idx="0">
+            <a:schemeClr val="accent1"/>
+          </a:effectRef>
+          <a:fontRef idx="minor">
+            <a:schemeClr val="tx1"/>
+          </a:fontRef>
+        </p:style>
+      </p:cxnSp>
+      <p:cxnSp>
+        <p:nvCxnSpPr>
+          <p:cNvPr id="107" name="Verbinder: gekrümmt 106">
+            <a:extLst>
+              <a:ext uri="{FF2B5EF4-FFF2-40B4-BE49-F238E27FC236}">
+                <a16:creationId xmlns:a16="http://schemas.microsoft.com/office/drawing/2014/main" id="{1C1F0C6D-B5C5-4A74-9E93-C95F609D7B04}"/>
+              </a:ext>
+            </a:extLst>
+          </p:cNvPr>
+          <p:cNvCxnSpPr>
+            <a:cxnSpLocks/>
+            <a:stCxn id="6" idx="0"/>
+            <a:endCxn id="8" idx="1"/>
+          </p:cNvCxnSpPr>
+          <p:nvPr/>
+        </p:nvCxnSpPr>
+        <p:spPr>
+          <a:xfrm rot="5400000" flipH="1" flipV="1">
+            <a:off x="5640488" y="933272"/>
+            <a:ext cx="2100990" cy="1937682"/>
+          </a:xfrm>
+          <a:prstGeom prst="curvedConnector2">
+            <a:avLst/>
+          </a:prstGeom>
+          <a:ln w="25400">
+            <a:solidFill>
+              <a:schemeClr val="tx1">
+                <a:alpha val="54000"/>
+              </a:schemeClr>
+            </a:solidFill>
+            <a:tailEnd type="triangle" w="lg" len="lg"/>
+          </a:ln>
+        </p:spPr>
+        <p:style>
+          <a:lnRef idx="1">
+            <a:schemeClr val="accent1"/>
+          </a:lnRef>
+          <a:fillRef idx="0">
+            <a:schemeClr val="accent1"/>
+          </a:fillRef>
+          <a:effectRef idx="0">
+            <a:schemeClr val="accent1"/>
+          </a:effectRef>
+          <a:fontRef idx="minor">
+            <a:schemeClr val="tx1"/>
+          </a:fontRef>
+        </p:style>
+      </p:cxnSp>
+      <p:cxnSp>
+        <p:nvCxnSpPr>
+          <p:cNvPr id="110" name="Verbinder: gekrümmt 109">
+            <a:extLst>
+              <a:ext uri="{FF2B5EF4-FFF2-40B4-BE49-F238E27FC236}">
+                <a16:creationId xmlns:a16="http://schemas.microsoft.com/office/drawing/2014/main" id="{CBBAAC4D-5644-46D0-8918-E4FF07165CB0}"/>
+              </a:ext>
+            </a:extLst>
+          </p:cNvPr>
+          <p:cNvCxnSpPr>
+            <a:cxnSpLocks/>
+            <a:stCxn id="8" idx="2"/>
+            <a:endCxn id="6" idx="3"/>
+          </p:cNvCxnSpPr>
+          <p:nvPr/>
+        </p:nvCxnSpPr>
+        <p:spPr>
+          <a:xfrm rot="5400000">
+            <a:off x="6304003" y="1583773"/>
+            <a:ext cx="2105977" cy="1577666"/>
+          </a:xfrm>
+          <a:prstGeom prst="curvedConnector2">
+            <a:avLst/>
+          </a:prstGeom>
+          <a:ln w="25400">
+            <a:solidFill>
+              <a:schemeClr val="tx1">
+                <a:alpha val="54000"/>
+              </a:schemeClr>
+            </a:solidFill>
+            <a:tailEnd type="triangle" w="lg" len="lg"/>
+          </a:ln>
+        </p:spPr>
+        <p:style>
+          <a:lnRef idx="1">
+            <a:schemeClr val="accent1"/>
+          </a:lnRef>
+          <a:fillRef idx="0">
+            <a:schemeClr val="accent1"/>
+          </a:fillRef>
+          <a:effectRef idx="0">
+            <a:schemeClr val="accent1"/>
+          </a:effectRef>
+          <a:fontRef idx="minor">
+            <a:schemeClr val="tx1"/>
+          </a:fontRef>
+        </p:style>
+      </p:cxnSp>
+      <p:cxnSp>
+        <p:nvCxnSpPr>
+          <p:cNvPr id="113" name="Verbinder: gekrümmt 112">
+            <a:extLst>
+              <a:ext uri="{FF2B5EF4-FFF2-40B4-BE49-F238E27FC236}">
+                <a16:creationId xmlns:a16="http://schemas.microsoft.com/office/drawing/2014/main" id="{D74D5BB5-3859-40E4-A71F-4FD3135780EE}"/>
+              </a:ext>
+            </a:extLst>
+          </p:cNvPr>
+          <p:cNvCxnSpPr>
+            <a:cxnSpLocks/>
+            <a:stCxn id="10" idx="0"/>
+            <a:endCxn id="6" idx="3"/>
+          </p:cNvCxnSpPr>
+          <p:nvPr/>
+        </p:nvCxnSpPr>
+        <p:spPr>
+          <a:xfrm rot="16200000" flipV="1">
+            <a:off x="7371650" y="2622104"/>
+            <a:ext cx="1402995" cy="3009978"/>
+          </a:xfrm>
+          <a:prstGeom prst="curvedConnector2">
+            <a:avLst/>
+          </a:prstGeom>
+          <a:ln w="25400">
+            <a:solidFill>
+              <a:schemeClr val="tx1">
+                <a:alpha val="54000"/>
+              </a:schemeClr>
+            </a:solidFill>
+            <a:tailEnd type="triangle" w="lg" len="lg"/>
+          </a:ln>
+        </p:spPr>
+        <p:style>
+          <a:lnRef idx="1">
+            <a:schemeClr val="accent1"/>
+          </a:lnRef>
+          <a:fillRef idx="0">
+            <a:schemeClr val="accent1"/>
+          </a:fillRef>
+          <a:effectRef idx="0">
+            <a:schemeClr val="accent1"/>
+          </a:effectRef>
+          <a:fontRef idx="minor">
+            <a:schemeClr val="tx1"/>
+          </a:fontRef>
+        </p:style>
+      </p:cxnSp>
+      <p:cxnSp>
+        <p:nvCxnSpPr>
+          <p:cNvPr id="117" name="Verbinder: gekrümmt 116">
+            <a:extLst>
+              <a:ext uri="{FF2B5EF4-FFF2-40B4-BE49-F238E27FC236}">
+                <a16:creationId xmlns:a16="http://schemas.microsoft.com/office/drawing/2014/main" id="{036763E9-7BF8-467A-B4A4-3AEAC42AC6C9}"/>
+              </a:ext>
+            </a:extLst>
+          </p:cNvPr>
+          <p:cNvCxnSpPr>
+            <a:cxnSpLocks/>
+            <a:stCxn id="6" idx="2"/>
+            <a:endCxn id="10" idx="1"/>
+          </p:cNvCxnSpPr>
+          <p:nvPr/>
+        </p:nvCxnSpPr>
+        <p:spPr>
+          <a:xfrm rot="16200000" flipH="1">
+            <a:off x="6708135" y="2912589"/>
+            <a:ext cx="1398008" cy="3369994"/>
+          </a:xfrm>
+          <a:prstGeom prst="curvedConnector2">
+            <a:avLst/>
+          </a:prstGeom>
+          <a:ln w="25400">
+            <a:solidFill>
+              <a:schemeClr val="tx1">
+                <a:alpha val="54000"/>
+              </a:schemeClr>
+            </a:solidFill>
+            <a:tailEnd type="triangle" w="lg" len="lg"/>
+          </a:ln>
+        </p:spPr>
+        <p:style>
+          <a:lnRef idx="1">
+            <a:schemeClr val="accent1"/>
+          </a:lnRef>
+          <a:fillRef idx="0">
+            <a:schemeClr val="accent1"/>
+          </a:fillRef>
+          <a:effectRef idx="0">
+            <a:schemeClr val="accent1"/>
+          </a:effectRef>
+          <a:fontRef idx="minor">
+            <a:schemeClr val="tx1"/>
+          </a:fontRef>
+        </p:style>
+      </p:cxnSp>
+      <p:cxnSp>
+        <p:nvCxnSpPr>
+          <p:cNvPr id="119" name="Verbinder: gekrümmt 118">
+            <a:extLst>
+              <a:ext uri="{FF2B5EF4-FFF2-40B4-BE49-F238E27FC236}">
+                <a16:creationId xmlns:a16="http://schemas.microsoft.com/office/drawing/2014/main" id="{7A816205-FEA2-4B4B-9B70-5DB63300B811}"/>
+              </a:ext>
+            </a:extLst>
+          </p:cNvPr>
+          <p:cNvCxnSpPr>
+            <a:cxnSpLocks/>
+            <a:stCxn id="6" idx="2"/>
+            <a:endCxn id="71" idx="3"/>
+          </p:cNvCxnSpPr>
+          <p:nvPr/>
+        </p:nvCxnSpPr>
+        <p:spPr>
+          <a:xfrm rot="16200000" flipH="1">
+            <a:off x="4947084" y="4673639"/>
+            <a:ext cx="2212064" cy="661949"/>
+          </a:xfrm>
+          <a:prstGeom prst="curvedConnector4">
+            <a:avLst>
+              <a:gd name="adj1" fmla="val 39422"/>
+              <a:gd name="adj2" fmla="val 162341"/>
+            </a:avLst>
+          </a:prstGeom>
+          <a:ln w="25400">
+            <a:solidFill>
+              <a:schemeClr val="tx1">
+                <a:alpha val="54000"/>
+              </a:schemeClr>
+            </a:solidFill>
+            <a:tailEnd type="triangle" w="lg" len="lg"/>
+          </a:ln>
+        </p:spPr>
+        <p:style>
+          <a:lnRef idx="1">
+            <a:schemeClr val="accent1"/>
+          </a:lnRef>
+          <a:fillRef idx="0">
+            <a:schemeClr val="accent1"/>
+          </a:fillRef>
+          <a:effectRef idx="0">
+            <a:schemeClr val="accent1"/>
+          </a:effectRef>
+          <a:fontRef idx="minor">
+            <a:schemeClr val="tx1"/>
+          </a:fontRef>
+        </p:style>
+      </p:cxnSp>
+      <p:cxnSp>
+        <p:nvCxnSpPr>
+          <p:cNvPr id="122" name="Verbinder: gekrümmt 121">
+            <a:extLst>
+              <a:ext uri="{FF2B5EF4-FFF2-40B4-BE49-F238E27FC236}">
+                <a16:creationId xmlns:a16="http://schemas.microsoft.com/office/drawing/2014/main" id="{DEA66849-CFA6-44AE-9A28-42E3C2EBBE8C}"/>
+              </a:ext>
+            </a:extLst>
+          </p:cNvPr>
+          <p:cNvCxnSpPr>
+            <a:cxnSpLocks/>
+            <a:stCxn id="71" idx="1"/>
+          </p:cNvCxnSpPr>
+          <p:nvPr/>
+        </p:nvCxnSpPr>
+        <p:spPr>
+          <a:xfrm rot="10800000" flipH="1">
+            <a:off x="5412090" y="3920594"/>
+            <a:ext cx="125983" cy="2190052"/>
+          </a:xfrm>
+          <a:prstGeom prst="curvedConnector4">
+            <a:avLst>
+              <a:gd name="adj1" fmla="val -398362"/>
+              <a:gd name="adj2" fmla="val 60685"/>
+            </a:avLst>
+          </a:prstGeom>
+          <a:ln w="25400">
+            <a:solidFill>
+              <a:schemeClr val="tx1">
+                <a:alpha val="54000"/>
+              </a:schemeClr>
+            </a:solidFill>
+            <a:tailEnd type="triangle" w="lg" len="lg"/>
+          </a:ln>
+        </p:spPr>
+        <p:style>
+          <a:lnRef idx="1">
+            <a:schemeClr val="accent1"/>
+          </a:lnRef>
+          <a:fillRef idx="0">
+            <a:schemeClr val="accent1"/>
+          </a:fillRef>
+          <a:effectRef idx="0">
+            <a:schemeClr val="accent1"/>
+          </a:effectRef>
+          <a:fontRef idx="minor">
+            <a:schemeClr val="tx1"/>
+          </a:fontRef>
+        </p:style>
+      </p:cxnSp>
+      <p:cxnSp>
+        <p:nvCxnSpPr>
+          <p:cNvPr id="125" name="Verbinder: gekrümmt 124">
+            <a:extLst>
+              <a:ext uri="{FF2B5EF4-FFF2-40B4-BE49-F238E27FC236}">
+                <a16:creationId xmlns:a16="http://schemas.microsoft.com/office/drawing/2014/main" id="{12D2C955-3F43-4D0F-95BA-093AFF0BF2B4}"/>
+              </a:ext>
+            </a:extLst>
+          </p:cNvPr>
+          <p:cNvCxnSpPr>
+            <a:cxnSpLocks/>
+            <a:stCxn id="9" idx="0"/>
+            <a:endCxn id="6" idx="1"/>
+          </p:cNvCxnSpPr>
+          <p:nvPr/>
+        </p:nvCxnSpPr>
+        <p:spPr>
+          <a:xfrm rot="5400000" flipH="1" flipV="1">
+            <a:off x="3044360" y="2765819"/>
+            <a:ext cx="1171990" cy="2491542"/>
+          </a:xfrm>
+          <a:prstGeom prst="curvedConnector2">
+            <a:avLst/>
+          </a:prstGeom>
+          <a:ln w="25400">
+            <a:solidFill>
+              <a:schemeClr val="tx1">
+                <a:alpha val="54000"/>
+              </a:schemeClr>
+            </a:solidFill>
+            <a:tailEnd type="triangle" w="lg" len="lg"/>
+          </a:ln>
+        </p:spPr>
+        <p:style>
+          <a:lnRef idx="1">
+            <a:schemeClr val="accent1"/>
+          </a:lnRef>
+          <a:fillRef idx="0">
+            <a:schemeClr val="accent1"/>
+          </a:fillRef>
+          <a:effectRef idx="0">
+            <a:schemeClr val="accent1"/>
+          </a:effectRef>
+          <a:fontRef idx="minor">
+            <a:schemeClr val="tx1"/>
+          </a:fontRef>
+        </p:style>
+      </p:cxnSp>
+      <p:cxnSp>
+        <p:nvCxnSpPr>
+          <p:cNvPr id="127" name="Verbinder: gekrümmt 126">
+            <a:extLst>
+              <a:ext uri="{FF2B5EF4-FFF2-40B4-BE49-F238E27FC236}">
+                <a16:creationId xmlns:a16="http://schemas.microsoft.com/office/drawing/2014/main" id="{AFA806A0-6025-4409-A912-6CB05B4E251E}"/>
+              </a:ext>
+            </a:extLst>
+          </p:cNvPr>
+          <p:cNvCxnSpPr>
+            <a:cxnSpLocks/>
+            <a:stCxn id="6" idx="2"/>
+            <a:endCxn id="9" idx="3"/>
+          </p:cNvCxnSpPr>
+          <p:nvPr/>
+        </p:nvCxnSpPr>
+        <p:spPr>
+          <a:xfrm rot="5400000">
+            <a:off x="3712862" y="3056304"/>
+            <a:ext cx="1167003" cy="2851558"/>
+          </a:xfrm>
+          <a:prstGeom prst="curvedConnector2">
+            <a:avLst/>
+          </a:prstGeom>
+          <a:ln w="25400">
+            <a:solidFill>
+              <a:schemeClr val="tx1">
+                <a:alpha val="54000"/>
+              </a:schemeClr>
+            </a:solidFill>
+            <a:tailEnd type="triangle" w="lg" len="lg"/>
+          </a:ln>
+        </p:spPr>
+        <p:style>
+          <a:lnRef idx="1">
+            <a:schemeClr val="accent1"/>
+          </a:lnRef>
+          <a:fillRef idx="0">
+            <a:schemeClr val="accent1"/>
+          </a:fillRef>
+          <a:effectRef idx="0">
+            <a:schemeClr val="accent1"/>
+          </a:effectRef>
+          <a:fontRef idx="minor">
+            <a:schemeClr val="tx1"/>
+          </a:fontRef>
+        </p:style>
+      </p:cxnSp>
+      <p:sp>
+        <p:nvSpPr>
+          <p:cNvPr id="178" name="Ellipse 177">
+            <a:extLst>
+              <a:ext uri="{FF2B5EF4-FFF2-40B4-BE49-F238E27FC236}">
+                <a16:creationId xmlns:a16="http://schemas.microsoft.com/office/drawing/2014/main" id="{603EC321-231F-4F10-A995-21DE2C34803E}"/>
+              </a:ext>
+            </a:extLst>
+          </p:cNvPr>
+          <p:cNvSpPr/>
+          <p:nvPr/>
+        </p:nvSpPr>
+        <p:spPr>
+          <a:xfrm>
+            <a:off x="8962046" y="3182938"/>
+            <a:ext cx="1056286" cy="1033034"/>
+          </a:xfrm>
+          <a:prstGeom prst="ellipse">
+            <a:avLst/>
+          </a:prstGeom>
+          <a:solidFill>
+            <a:schemeClr val="accent1">
+              <a:lumMod val="40000"/>
+              <a:lumOff val="60000"/>
+            </a:schemeClr>
+          </a:solidFill>
+          <a:ln>
+            <a:solidFill>
+              <a:schemeClr val="tx1"/>
+            </a:solidFill>
+          </a:ln>
+        </p:spPr>
+        <p:style>
+          <a:lnRef idx="2">
+            <a:schemeClr val="accent1">
+              <a:shade val="50000"/>
+            </a:schemeClr>
+          </a:lnRef>
+          <a:fillRef idx="1">
+            <a:schemeClr val="accent1"/>
+          </a:fillRef>
+          <a:effectRef idx="0">
+            <a:schemeClr val="accent1"/>
+          </a:effectRef>
+          <a:fontRef idx="minor">
+            <a:schemeClr val="lt1"/>
+          </a:fontRef>
+        </p:style>
+        <p:txBody>
+          <a:bodyPr rtlCol="0" anchor="ctr"/>
+          <a:lstStyle/>
+          <a:p>
+            <a:pPr algn="ctr"/>
+            <a:r>
+              <a:rPr lang="de-DE" sz="800" dirty="0" err="1">
+                <a:solidFill>
+                  <a:schemeClr val="tx1"/>
+                </a:solidFill>
+              </a:rPr>
+              <a:t>Transformed</a:t>
+            </a:r>
+            <a:r>
+              <a:rPr lang="de-DE" sz="800" dirty="0">
+                <a:solidFill>
+                  <a:schemeClr val="tx1"/>
+                </a:solidFill>
+              </a:rPr>
+              <a:t>  Point </a:t>
+            </a:r>
+            <a:r>
+              <a:rPr lang="de-DE" sz="800" dirty="0" err="1">
+                <a:solidFill>
+                  <a:schemeClr val="tx1"/>
+                </a:solidFill>
+              </a:rPr>
+              <a:t>cloud</a:t>
+            </a:r>
+            <a:r>
+              <a:rPr lang="de-DE" sz="800" dirty="0">
+                <a:solidFill>
+                  <a:schemeClr val="tx1"/>
+                </a:solidFill>
+              </a:rPr>
+              <a:t>, </a:t>
+            </a:r>
+          </a:p>
+          <a:p>
+            <a:pPr algn="ctr"/>
+            <a:r>
+              <a:rPr lang="de-DE" sz="800" dirty="0" err="1">
+                <a:solidFill>
+                  <a:schemeClr val="tx1"/>
+                </a:solidFill>
+              </a:rPr>
+              <a:t>Transformed</a:t>
+            </a:r>
+            <a:r>
+              <a:rPr lang="de-DE" sz="800" dirty="0">
+                <a:solidFill>
+                  <a:schemeClr val="tx1"/>
+                </a:solidFill>
+              </a:rPr>
+              <a:t> Pose</a:t>
+            </a:r>
+            <a:endParaRPr lang="en-US" sz="800" dirty="0">
+              <a:solidFill>
+                <a:schemeClr val="tx1"/>
+              </a:solidFill>
+            </a:endParaRPr>
+          </a:p>
+        </p:txBody>
+      </p:sp>
+      <p:sp>
+        <p:nvSpPr>
+          <p:cNvPr id="179" name="Ellipse 178">
+            <a:extLst>
+              <a:ext uri="{FF2B5EF4-FFF2-40B4-BE49-F238E27FC236}">
+                <a16:creationId xmlns:a16="http://schemas.microsoft.com/office/drawing/2014/main" id="{EC3EC083-AB8D-4485-B402-FF35137F61C2}"/>
+              </a:ext>
+            </a:extLst>
+          </p:cNvPr>
+          <p:cNvSpPr/>
+          <p:nvPr/>
+        </p:nvSpPr>
+        <p:spPr>
+          <a:xfrm>
+            <a:off x="6589374" y="1171704"/>
+            <a:ext cx="914400" cy="914400"/>
+          </a:xfrm>
+          <a:prstGeom prst="ellipse">
+            <a:avLst/>
+          </a:prstGeom>
+          <a:solidFill>
+            <a:schemeClr val="accent6">
+              <a:lumMod val="40000"/>
+              <a:lumOff val="60000"/>
+            </a:schemeClr>
+          </a:solidFill>
+        </p:spPr>
+        <p:style>
+          <a:lnRef idx="2">
+            <a:schemeClr val="accent1">
+              <a:shade val="50000"/>
+            </a:schemeClr>
+          </a:lnRef>
+          <a:fillRef idx="1">
+            <a:schemeClr val="accent1"/>
+          </a:fillRef>
+          <a:effectRef idx="0">
+            <a:schemeClr val="accent1"/>
+          </a:effectRef>
+          <a:fontRef idx="minor">
+            <a:schemeClr val="lt1"/>
+          </a:fontRef>
+        </p:style>
+        <p:txBody>
+          <a:bodyPr rtlCol="0" anchor="ctr"/>
+          <a:lstStyle/>
+          <a:p>
+            <a:pPr algn="ctr"/>
+            <a:r>
+              <a:rPr lang="de-DE" sz="800" dirty="0" err="1">
+                <a:solidFill>
+                  <a:schemeClr val="tx1"/>
+                </a:solidFill>
+              </a:rPr>
+              <a:t>Drone</a:t>
+            </a:r>
+            <a:r>
+              <a:rPr lang="de-DE" sz="800" dirty="0">
+                <a:solidFill>
+                  <a:schemeClr val="tx1"/>
+                </a:solidFill>
+              </a:rPr>
+              <a:t> Control Input</a:t>
+            </a:r>
+            <a:endParaRPr lang="en-US" sz="800" dirty="0">
+              <a:solidFill>
+                <a:schemeClr val="tx1"/>
+              </a:solidFill>
+            </a:endParaRPr>
+          </a:p>
+        </p:txBody>
+      </p:sp>
+      <p:sp>
+        <p:nvSpPr>
+          <p:cNvPr id="180" name="Ellipse 179">
+            <a:extLst>
+              <a:ext uri="{FF2B5EF4-FFF2-40B4-BE49-F238E27FC236}">
+                <a16:creationId xmlns:a16="http://schemas.microsoft.com/office/drawing/2014/main" id="{F7A44973-34BD-4450-8F85-155FCF556EA7}"/>
+              </a:ext>
+            </a:extLst>
+          </p:cNvPr>
+          <p:cNvSpPr/>
+          <p:nvPr/>
+        </p:nvSpPr>
+        <p:spPr>
+          <a:xfrm>
+            <a:off x="4550072" y="294144"/>
+            <a:ext cx="914400" cy="914400"/>
+          </a:xfrm>
+          <a:prstGeom prst="ellipse">
+            <a:avLst/>
+          </a:prstGeom>
+          <a:solidFill>
+            <a:schemeClr val="accent6">
+              <a:lumMod val="40000"/>
+              <a:lumOff val="60000"/>
+            </a:schemeClr>
+          </a:solidFill>
+        </p:spPr>
+        <p:style>
+          <a:lnRef idx="2">
+            <a:schemeClr val="accent1">
+              <a:shade val="50000"/>
+            </a:schemeClr>
+          </a:lnRef>
+          <a:fillRef idx="1">
+            <a:schemeClr val="accent1"/>
+          </a:fillRef>
+          <a:effectRef idx="0">
+            <a:schemeClr val="accent1"/>
+          </a:effectRef>
+          <a:fontRef idx="minor">
+            <a:schemeClr val="lt1"/>
+          </a:fontRef>
+        </p:style>
+        <p:txBody>
+          <a:bodyPr rtlCol="0" anchor="ctr"/>
+          <a:lstStyle/>
+          <a:p>
+            <a:pPr algn="ctr"/>
+            <a:r>
+              <a:rPr lang="de-DE" sz="800" dirty="0" err="1">
+                <a:solidFill>
+                  <a:schemeClr val="tx1"/>
+                </a:solidFill>
+              </a:rPr>
+              <a:t>Drone</a:t>
+            </a:r>
+            <a:r>
+              <a:rPr lang="de-DE" sz="800" dirty="0">
+                <a:solidFill>
+                  <a:schemeClr val="tx1"/>
+                </a:solidFill>
+              </a:rPr>
+              <a:t> Sensors</a:t>
+            </a:r>
+            <a:endParaRPr lang="en-US" sz="800" dirty="0">
+              <a:solidFill>
+                <a:schemeClr val="tx1"/>
+              </a:solidFill>
+            </a:endParaRPr>
+          </a:p>
+        </p:txBody>
+      </p:sp>
+      <p:sp>
+        <p:nvSpPr>
+          <p:cNvPr id="182" name="Ellipse 181">
+            <a:extLst>
+              <a:ext uri="{FF2B5EF4-FFF2-40B4-BE49-F238E27FC236}">
+                <a16:creationId xmlns:a16="http://schemas.microsoft.com/office/drawing/2014/main" id="{A2F2A911-D5FA-41A6-9D21-C2AF20C52C7B}"/>
+              </a:ext>
+            </a:extLst>
+          </p:cNvPr>
+          <p:cNvSpPr/>
+          <p:nvPr/>
+        </p:nvSpPr>
+        <p:spPr>
+          <a:xfrm>
+            <a:off x="7541531" y="4107764"/>
+            <a:ext cx="972000" cy="1033126"/>
+          </a:xfrm>
+          <a:prstGeom prst="ellipse">
+            <a:avLst/>
+          </a:prstGeom>
+          <a:solidFill>
+            <a:schemeClr val="accent6">
+              <a:lumMod val="40000"/>
+              <a:lumOff val="60000"/>
+            </a:schemeClr>
+          </a:solidFill>
+        </p:spPr>
+        <p:style>
+          <a:lnRef idx="2">
+            <a:schemeClr val="accent1">
+              <a:shade val="50000"/>
+            </a:schemeClr>
+          </a:lnRef>
+          <a:fillRef idx="1">
+            <a:schemeClr val="accent1"/>
+          </a:fillRef>
+          <a:effectRef idx="0">
+            <a:schemeClr val="accent1"/>
+          </a:effectRef>
+          <a:fontRef idx="minor">
+            <a:schemeClr val="lt1"/>
+          </a:fontRef>
+        </p:style>
+        <p:txBody>
+          <a:bodyPr rtlCol="0" anchor="ctr"/>
+          <a:lstStyle/>
+          <a:p>
+            <a:pPr algn="ctr"/>
+            <a:r>
+              <a:rPr lang="de-DE" sz="800" dirty="0">
+                <a:solidFill>
+                  <a:schemeClr val="tx1"/>
+                </a:solidFill>
+              </a:rPr>
+              <a:t>ORB Pose, </a:t>
+            </a:r>
+          </a:p>
+          <a:p>
+            <a:pPr algn="ctr"/>
+            <a:r>
+              <a:rPr lang="de-DE" sz="800" dirty="0">
+                <a:solidFill>
+                  <a:schemeClr val="tx1"/>
+                </a:solidFill>
+              </a:rPr>
+              <a:t>ORB Point </a:t>
+            </a:r>
+            <a:r>
+              <a:rPr lang="de-DE" sz="800" dirty="0" err="1">
+                <a:solidFill>
+                  <a:schemeClr val="tx1"/>
+                </a:solidFill>
+              </a:rPr>
+              <a:t>cloud</a:t>
+            </a:r>
+            <a:r>
+              <a:rPr lang="de-DE" sz="800" dirty="0">
+                <a:solidFill>
+                  <a:schemeClr val="tx1"/>
+                </a:solidFill>
+              </a:rPr>
+              <a:t>,</a:t>
+            </a:r>
+          </a:p>
+          <a:p>
+            <a:pPr algn="ctr"/>
+            <a:r>
+              <a:rPr lang="de-DE" sz="800" dirty="0" err="1">
+                <a:solidFill>
+                  <a:schemeClr val="tx1"/>
+                </a:solidFill>
+              </a:rPr>
+              <a:t>Scale</a:t>
+            </a:r>
+            <a:r>
+              <a:rPr lang="de-DE" sz="800" dirty="0">
+                <a:solidFill>
+                  <a:schemeClr val="tx1"/>
+                </a:solidFill>
+              </a:rPr>
+              <a:t>, Rotation Matrix,</a:t>
+            </a:r>
+          </a:p>
+          <a:p>
+            <a:pPr algn="ctr"/>
+            <a:r>
+              <a:rPr lang="de-DE" sz="800" dirty="0">
+                <a:solidFill>
+                  <a:schemeClr val="tx1"/>
+                </a:solidFill>
+              </a:rPr>
+              <a:t>Translation </a:t>
+            </a:r>
+            <a:endParaRPr lang="en-US" sz="800" dirty="0">
+              <a:solidFill>
+                <a:schemeClr val="tx1"/>
+              </a:solidFill>
+            </a:endParaRPr>
+          </a:p>
+        </p:txBody>
+      </p:sp>
+      <p:sp>
+        <p:nvSpPr>
+          <p:cNvPr id="183" name="Ellipse 182">
+            <a:extLst>
+              <a:ext uri="{FF2B5EF4-FFF2-40B4-BE49-F238E27FC236}">
+                <a16:creationId xmlns:a16="http://schemas.microsoft.com/office/drawing/2014/main" id="{4610D6D6-7F44-4E3F-998F-CED3AC8F1D20}"/>
+              </a:ext>
+            </a:extLst>
+          </p:cNvPr>
+          <p:cNvSpPr/>
+          <p:nvPr/>
+        </p:nvSpPr>
+        <p:spPr>
+          <a:xfrm>
+            <a:off x="6721462" y="5503165"/>
+            <a:ext cx="1123952" cy="1033126"/>
+          </a:xfrm>
+          <a:prstGeom prst="ellipse">
+            <a:avLst/>
+          </a:prstGeom>
+          <a:solidFill>
+            <a:schemeClr val="accent6">
+              <a:lumMod val="40000"/>
+              <a:lumOff val="60000"/>
+            </a:schemeClr>
+          </a:solidFill>
+        </p:spPr>
+        <p:style>
+          <a:lnRef idx="2">
+            <a:schemeClr val="accent1">
+              <a:shade val="50000"/>
+            </a:schemeClr>
+          </a:lnRef>
+          <a:fillRef idx="1">
+            <a:schemeClr val="accent1"/>
+          </a:fillRef>
+          <a:effectRef idx="0">
+            <a:schemeClr val="accent1"/>
+          </a:effectRef>
+          <a:fontRef idx="minor">
+            <a:schemeClr val="lt1"/>
+          </a:fontRef>
+        </p:style>
+        <p:txBody>
+          <a:bodyPr rtlCol="0" anchor="ctr"/>
+          <a:lstStyle/>
+          <a:p>
+            <a:pPr algn="ctr"/>
+            <a:r>
+              <a:rPr lang="de-DE" sz="800" dirty="0" err="1">
+                <a:solidFill>
+                  <a:schemeClr val="tx1"/>
+                </a:solidFill>
+              </a:rPr>
+              <a:t>Transformed</a:t>
+            </a:r>
+            <a:r>
+              <a:rPr lang="de-DE" sz="800" dirty="0">
+                <a:solidFill>
+                  <a:schemeClr val="tx1"/>
+                </a:solidFill>
+              </a:rPr>
+              <a:t> Point </a:t>
+            </a:r>
+            <a:r>
+              <a:rPr lang="de-DE" sz="800" dirty="0" err="1">
+                <a:solidFill>
+                  <a:schemeClr val="tx1"/>
+                </a:solidFill>
+              </a:rPr>
+              <a:t>cloud</a:t>
+            </a:r>
+            <a:r>
+              <a:rPr lang="de-DE" sz="800" dirty="0">
+                <a:solidFill>
+                  <a:schemeClr val="tx1"/>
+                </a:solidFill>
+              </a:rPr>
+              <a:t>, </a:t>
+            </a:r>
+          </a:p>
+          <a:p>
+            <a:pPr algn="ctr"/>
+            <a:r>
+              <a:rPr lang="de-DE" sz="800" dirty="0" err="1">
+                <a:solidFill>
+                  <a:schemeClr val="tx1"/>
+                </a:solidFill>
+              </a:rPr>
+              <a:t>Transformed</a:t>
+            </a:r>
+            <a:r>
+              <a:rPr lang="de-DE" sz="800" dirty="0">
+                <a:solidFill>
+                  <a:schemeClr val="tx1"/>
+                </a:solidFill>
+              </a:rPr>
+              <a:t> Pose, </a:t>
+            </a:r>
+          </a:p>
+          <a:p>
+            <a:pPr algn="ctr"/>
+            <a:r>
+              <a:rPr lang="en-US" sz="800" dirty="0">
+                <a:solidFill>
+                  <a:schemeClr val="tx1"/>
+                </a:solidFill>
+              </a:rPr>
+              <a:t>Gazebo Simulation </a:t>
+            </a:r>
+            <a:r>
+              <a:rPr lang="en-US" sz="800" dirty="0" err="1">
+                <a:solidFill>
+                  <a:schemeClr val="tx1"/>
+                </a:solidFill>
+              </a:rPr>
+              <a:t>Infos</a:t>
+            </a:r>
+            <a:endParaRPr lang="en-US" sz="800" dirty="0">
+              <a:solidFill>
+                <a:schemeClr val="tx1"/>
+              </a:solidFill>
+            </a:endParaRPr>
+          </a:p>
+        </p:txBody>
+      </p:sp>
+      <p:sp>
+        <p:nvSpPr>
+          <p:cNvPr id="185" name="Ellipse 184">
+            <a:extLst>
+              <a:ext uri="{FF2B5EF4-FFF2-40B4-BE49-F238E27FC236}">
+                <a16:creationId xmlns:a16="http://schemas.microsoft.com/office/drawing/2014/main" id="{80F003EA-7AE8-4034-BF88-623FEADC20D3}"/>
+              </a:ext>
+            </a:extLst>
+          </p:cNvPr>
+          <p:cNvSpPr/>
+          <p:nvPr/>
+        </p:nvSpPr>
+        <p:spPr>
+          <a:xfrm>
+            <a:off x="3230212" y="4011589"/>
+            <a:ext cx="914400" cy="914400"/>
+          </a:xfrm>
+          <a:prstGeom prst="ellipse">
+            <a:avLst/>
+          </a:prstGeom>
+          <a:solidFill>
+            <a:schemeClr val="accent6">
+              <a:lumMod val="40000"/>
+              <a:lumOff val="60000"/>
+            </a:schemeClr>
+          </a:solidFill>
+        </p:spPr>
+        <p:style>
+          <a:lnRef idx="2">
+            <a:schemeClr val="accent1">
+              <a:shade val="50000"/>
+            </a:schemeClr>
+          </a:lnRef>
+          <a:fillRef idx="1">
+            <a:schemeClr val="accent1"/>
+          </a:fillRef>
+          <a:effectRef idx="0">
+            <a:schemeClr val="accent1"/>
+          </a:effectRef>
+          <a:fontRef idx="minor">
+            <a:schemeClr val="lt1"/>
+          </a:fontRef>
+        </p:style>
+        <p:txBody>
+          <a:bodyPr rtlCol="0" anchor="ctr"/>
+          <a:lstStyle/>
+          <a:p>
+            <a:pPr algn="ctr"/>
+            <a:r>
+              <a:rPr lang="de-DE" sz="800" dirty="0">
+                <a:solidFill>
+                  <a:schemeClr val="tx1"/>
+                </a:solidFill>
+              </a:rPr>
+              <a:t>ORB Pose, </a:t>
+            </a:r>
+          </a:p>
+          <a:p>
+            <a:pPr algn="ctr"/>
+            <a:r>
+              <a:rPr lang="de-DE" sz="800" dirty="0" err="1">
+                <a:solidFill>
+                  <a:schemeClr val="tx1"/>
+                </a:solidFill>
+              </a:rPr>
+              <a:t>Gazibo</a:t>
+            </a:r>
+            <a:r>
+              <a:rPr lang="de-DE" sz="800" dirty="0">
+                <a:solidFill>
+                  <a:schemeClr val="tx1"/>
+                </a:solidFill>
+              </a:rPr>
+              <a:t> Simulation Infos</a:t>
+            </a:r>
+            <a:endParaRPr lang="en-US" sz="800" dirty="0">
+              <a:solidFill>
+                <a:schemeClr val="tx1"/>
+              </a:solidFill>
+            </a:endParaRPr>
+          </a:p>
+        </p:txBody>
+      </p:sp>
+      <p:sp>
+        <p:nvSpPr>
+          <p:cNvPr id="188" name="Ellipse 187">
+            <a:extLst>
+              <a:ext uri="{FF2B5EF4-FFF2-40B4-BE49-F238E27FC236}">
+                <a16:creationId xmlns:a16="http://schemas.microsoft.com/office/drawing/2014/main" id="{5C5DEB52-6D26-4ED0-B987-5AE21CF008B4}"/>
+              </a:ext>
+            </a:extLst>
+          </p:cNvPr>
+          <p:cNvSpPr/>
+          <p:nvPr/>
+        </p:nvSpPr>
+        <p:spPr>
+          <a:xfrm>
+            <a:off x="8027531" y="1831354"/>
+            <a:ext cx="914400" cy="914400"/>
+          </a:xfrm>
+          <a:prstGeom prst="ellipse">
+            <a:avLst/>
+          </a:prstGeom>
+          <a:solidFill>
+            <a:schemeClr val="accent1">
+              <a:lumMod val="40000"/>
+              <a:lumOff val="60000"/>
+            </a:schemeClr>
+          </a:solidFill>
+          <a:ln>
+            <a:solidFill>
+              <a:schemeClr val="tx1"/>
+            </a:solidFill>
+          </a:ln>
+        </p:spPr>
+        <p:style>
+          <a:lnRef idx="2">
+            <a:schemeClr val="accent1">
+              <a:shade val="50000"/>
+            </a:schemeClr>
+          </a:lnRef>
+          <a:fillRef idx="1">
+            <a:schemeClr val="accent1"/>
+          </a:fillRef>
+          <a:effectRef idx="0">
+            <a:schemeClr val="accent1"/>
+          </a:effectRef>
+          <a:fontRef idx="minor">
+            <a:schemeClr val="lt1"/>
+          </a:fontRef>
+        </p:style>
+        <p:txBody>
+          <a:bodyPr rtlCol="0" anchor="ctr"/>
+          <a:lstStyle/>
+          <a:p>
+            <a:pPr algn="ctr"/>
+            <a:r>
+              <a:rPr lang="de-DE" sz="800" dirty="0" err="1">
+                <a:solidFill>
+                  <a:schemeClr val="tx1"/>
+                </a:solidFill>
+              </a:rPr>
+              <a:t>Drone</a:t>
+            </a:r>
+            <a:r>
+              <a:rPr lang="de-DE" sz="800" dirty="0">
+                <a:solidFill>
+                  <a:schemeClr val="tx1"/>
+                </a:solidFill>
+              </a:rPr>
+              <a:t> Sensors, </a:t>
+            </a:r>
+            <a:r>
+              <a:rPr lang="de-DE" sz="800" dirty="0" err="1">
+                <a:solidFill>
+                  <a:schemeClr val="tx1"/>
+                </a:solidFill>
+              </a:rPr>
+              <a:t>Gazebo</a:t>
+            </a:r>
+            <a:r>
+              <a:rPr lang="de-DE" sz="800" dirty="0">
+                <a:solidFill>
+                  <a:schemeClr val="tx1"/>
+                </a:solidFill>
+              </a:rPr>
+              <a:t> Simulation Infos</a:t>
+            </a:r>
+            <a:endParaRPr lang="en-US" sz="800" dirty="0">
+              <a:solidFill>
+                <a:schemeClr val="tx1"/>
+              </a:solidFill>
+            </a:endParaRPr>
+          </a:p>
+        </p:txBody>
+      </p:sp>
+      <p:sp>
+        <p:nvSpPr>
+          <p:cNvPr id="189" name="Ellipse 188">
+            <a:extLst>
+              <a:ext uri="{FF2B5EF4-FFF2-40B4-BE49-F238E27FC236}">
+                <a16:creationId xmlns:a16="http://schemas.microsoft.com/office/drawing/2014/main" id="{98C5C80E-667A-4B21-801F-F84029110BA0}"/>
+              </a:ext>
+            </a:extLst>
+          </p:cNvPr>
+          <p:cNvSpPr/>
+          <p:nvPr/>
+        </p:nvSpPr>
+        <p:spPr>
+          <a:xfrm>
+            <a:off x="3255048" y="1444913"/>
+            <a:ext cx="914400" cy="914400"/>
+          </a:xfrm>
+          <a:prstGeom prst="ellipse">
+            <a:avLst/>
+          </a:prstGeom>
+          <a:solidFill>
+            <a:schemeClr val="accent1">
+              <a:lumMod val="40000"/>
+              <a:lumOff val="60000"/>
+            </a:schemeClr>
+          </a:solidFill>
+          <a:ln>
+            <a:solidFill>
+              <a:schemeClr val="tx1"/>
+            </a:solidFill>
+          </a:ln>
+        </p:spPr>
+        <p:style>
+          <a:lnRef idx="2">
+            <a:schemeClr val="accent1">
+              <a:shade val="50000"/>
+            </a:schemeClr>
+          </a:lnRef>
+          <a:fillRef idx="1">
+            <a:schemeClr val="accent1"/>
+          </a:fillRef>
+          <a:effectRef idx="0">
+            <a:schemeClr val="accent1"/>
+          </a:effectRef>
+          <a:fontRef idx="minor">
+            <a:schemeClr val="lt1"/>
+          </a:fontRef>
+        </p:style>
+        <p:txBody>
+          <a:bodyPr rtlCol="0" anchor="ctr"/>
+          <a:lstStyle/>
+          <a:p>
+            <a:pPr algn="ctr"/>
+            <a:r>
+              <a:rPr lang="de-DE" sz="800" dirty="0">
+                <a:solidFill>
+                  <a:schemeClr val="tx1"/>
+                </a:solidFill>
+              </a:rPr>
+              <a:t>ORB Pose, </a:t>
+            </a:r>
+          </a:p>
+          <a:p>
+            <a:pPr algn="ctr"/>
+            <a:r>
+              <a:rPr lang="de-DE" sz="800" dirty="0">
+                <a:solidFill>
+                  <a:schemeClr val="tx1"/>
+                </a:solidFill>
+              </a:rPr>
+              <a:t>ORB Point </a:t>
+            </a:r>
+            <a:r>
+              <a:rPr lang="de-DE" sz="800" dirty="0" err="1">
+                <a:solidFill>
+                  <a:schemeClr val="tx1"/>
+                </a:solidFill>
+              </a:rPr>
+              <a:t>cloud</a:t>
+            </a:r>
+            <a:endParaRPr lang="en-US" sz="800" dirty="0">
+              <a:solidFill>
+                <a:schemeClr val="tx1"/>
+              </a:solidFill>
+            </a:endParaRPr>
+          </a:p>
+        </p:txBody>
+      </p:sp>
+      <p:sp>
+        <p:nvSpPr>
+          <p:cNvPr id="190" name="Ellipse 189">
+            <a:extLst>
+              <a:ext uri="{FF2B5EF4-FFF2-40B4-BE49-F238E27FC236}">
+                <a16:creationId xmlns:a16="http://schemas.microsoft.com/office/drawing/2014/main" id="{E8F71F7B-2ECD-4C71-8184-AAB18B60355F}"/>
+              </a:ext>
+            </a:extLst>
+          </p:cNvPr>
+          <p:cNvSpPr/>
+          <p:nvPr/>
+        </p:nvSpPr>
+        <p:spPr>
+          <a:xfrm>
+            <a:off x="3948455" y="5193802"/>
+            <a:ext cx="914400" cy="914400"/>
+          </a:xfrm>
+          <a:prstGeom prst="ellipse">
+            <a:avLst/>
+          </a:prstGeom>
+          <a:solidFill>
+            <a:schemeClr val="accent1">
+              <a:lumMod val="40000"/>
+              <a:lumOff val="60000"/>
+            </a:schemeClr>
+          </a:solidFill>
+          <a:ln>
+            <a:solidFill>
+              <a:schemeClr val="tx1"/>
+            </a:solidFill>
+          </a:ln>
+        </p:spPr>
+        <p:style>
+          <a:lnRef idx="2">
+            <a:schemeClr val="accent1">
+              <a:shade val="50000"/>
+            </a:schemeClr>
+          </a:lnRef>
+          <a:fillRef idx="1">
+            <a:schemeClr val="accent1"/>
+          </a:fillRef>
+          <a:effectRef idx="0">
+            <a:schemeClr val="accent1"/>
+          </a:effectRef>
+          <a:fontRef idx="minor">
+            <a:schemeClr val="lt1"/>
+          </a:fontRef>
+        </p:style>
+        <p:txBody>
+          <a:bodyPr rtlCol="0" anchor="ctr"/>
+          <a:lstStyle/>
+          <a:p>
+            <a:pPr algn="ctr"/>
+            <a:r>
+              <a:rPr lang="de-DE" sz="800" dirty="0" err="1">
+                <a:solidFill>
+                  <a:schemeClr val="tx1"/>
+                </a:solidFill>
+              </a:rPr>
+              <a:t>Drone</a:t>
+            </a:r>
+            <a:r>
+              <a:rPr lang="de-DE" sz="800" dirty="0">
+                <a:solidFill>
+                  <a:schemeClr val="tx1"/>
+                </a:solidFill>
+              </a:rPr>
+              <a:t> Control Input</a:t>
+            </a:r>
+            <a:endParaRPr lang="en-US" sz="800" dirty="0">
+              <a:solidFill>
+                <a:schemeClr val="tx1"/>
+              </a:solidFill>
+            </a:endParaRPr>
+          </a:p>
+        </p:txBody>
+      </p:sp>
+      <p:sp>
+        <p:nvSpPr>
+          <p:cNvPr id="191" name="Ellipse 190">
+            <a:extLst>
+              <a:ext uri="{FF2B5EF4-FFF2-40B4-BE49-F238E27FC236}">
+                <a16:creationId xmlns:a16="http://schemas.microsoft.com/office/drawing/2014/main" id="{BDD0F53B-4B7F-41CE-9B1B-F97301140A2C}"/>
+              </a:ext>
+            </a:extLst>
+          </p:cNvPr>
+          <p:cNvSpPr/>
+          <p:nvPr/>
+        </p:nvSpPr>
+        <p:spPr>
+          <a:xfrm>
+            <a:off x="1968777" y="3065610"/>
+            <a:ext cx="957599" cy="914400"/>
+          </a:xfrm>
+          <a:prstGeom prst="ellipse">
+            <a:avLst/>
+          </a:prstGeom>
+          <a:solidFill>
+            <a:schemeClr val="accent1">
+              <a:lumMod val="40000"/>
+              <a:lumOff val="60000"/>
+            </a:schemeClr>
+          </a:solidFill>
+          <a:ln>
+            <a:solidFill>
+              <a:schemeClr val="tx1"/>
+            </a:solidFill>
+          </a:ln>
+        </p:spPr>
+        <p:style>
+          <a:lnRef idx="2">
+            <a:schemeClr val="accent1">
+              <a:shade val="50000"/>
+            </a:schemeClr>
+          </a:lnRef>
+          <a:fillRef idx="1">
+            <a:schemeClr val="accent1"/>
+          </a:fillRef>
+          <a:effectRef idx="0">
+            <a:schemeClr val="accent1"/>
+          </a:effectRef>
+          <a:fontRef idx="minor">
+            <a:schemeClr val="lt1"/>
+          </a:fontRef>
+        </p:style>
+        <p:txBody>
+          <a:bodyPr rtlCol="0" anchor="ctr"/>
+          <a:lstStyle/>
+          <a:p>
+            <a:pPr algn="ctr"/>
+            <a:r>
+              <a:rPr lang="de-DE" sz="800" dirty="0" err="1">
+                <a:solidFill>
+                  <a:schemeClr val="tx1"/>
+                </a:solidFill>
+              </a:rPr>
+              <a:t>Scale</a:t>
+            </a:r>
+            <a:r>
+              <a:rPr lang="de-DE" sz="800" dirty="0">
+                <a:solidFill>
+                  <a:schemeClr val="tx1"/>
+                </a:solidFill>
+              </a:rPr>
+              <a:t>, Rotation Matrix, Translation Vector</a:t>
+            </a:r>
+            <a:endParaRPr lang="en-US" sz="800" dirty="0">
+              <a:solidFill>
+                <a:schemeClr val="tx1"/>
+              </a:solidFill>
+            </a:endParaRPr>
+          </a:p>
+        </p:txBody>
+      </p:sp>
+      <p:sp>
+        <p:nvSpPr>
+          <p:cNvPr id="192" name="Ellipse 191">
+            <a:extLst>
+              <a:ext uri="{FF2B5EF4-FFF2-40B4-BE49-F238E27FC236}">
+                <a16:creationId xmlns:a16="http://schemas.microsoft.com/office/drawing/2014/main" id="{E24E0B30-774D-4D95-892A-3B3EAF10D73B}"/>
+              </a:ext>
+            </a:extLst>
+          </p:cNvPr>
+          <p:cNvSpPr/>
+          <p:nvPr/>
+        </p:nvSpPr>
+        <p:spPr>
+          <a:xfrm>
+            <a:off x="9550612" y="892308"/>
+            <a:ext cx="686464" cy="678645"/>
+          </a:xfrm>
+          <a:prstGeom prst="ellipse">
+            <a:avLst/>
+          </a:prstGeom>
+          <a:solidFill>
+            <a:schemeClr val="accent1">
+              <a:lumMod val="40000"/>
+              <a:lumOff val="60000"/>
+            </a:schemeClr>
+          </a:solidFill>
+          <a:ln>
+            <a:solidFill>
+              <a:schemeClr val="tx1"/>
+            </a:solidFill>
+          </a:ln>
+        </p:spPr>
+        <p:style>
+          <a:lnRef idx="2">
+            <a:schemeClr val="accent1">
+              <a:shade val="50000"/>
+            </a:schemeClr>
+          </a:lnRef>
+          <a:fillRef idx="1">
+            <a:schemeClr val="accent1"/>
+          </a:fillRef>
+          <a:effectRef idx="0">
+            <a:schemeClr val="accent1"/>
+          </a:effectRef>
+          <a:fontRef idx="minor">
+            <a:schemeClr val="lt1"/>
+          </a:fontRef>
+        </p:style>
+        <p:txBody>
+          <a:bodyPr rtlCol="0" anchor="ctr"/>
+          <a:lstStyle/>
+          <a:p>
+            <a:pPr algn="ctr"/>
+            <a:r>
+              <a:rPr lang="de-DE" sz="800" dirty="0" err="1">
+                <a:solidFill>
+                  <a:schemeClr val="tx1"/>
+                </a:solidFill>
+              </a:rPr>
+              <a:t>Node</a:t>
+            </a:r>
+            <a:r>
+              <a:rPr lang="de-DE" sz="800" dirty="0">
+                <a:solidFill>
+                  <a:schemeClr val="tx1"/>
+                </a:solidFill>
+              </a:rPr>
+              <a:t> Output</a:t>
+            </a:r>
+          </a:p>
+        </p:txBody>
+      </p:sp>
+      <p:sp>
+        <p:nvSpPr>
+          <p:cNvPr id="195" name="Ellipse 194">
+            <a:extLst>
+              <a:ext uri="{FF2B5EF4-FFF2-40B4-BE49-F238E27FC236}">
+                <a16:creationId xmlns:a16="http://schemas.microsoft.com/office/drawing/2014/main" id="{BEAE731C-1839-488B-A16B-D940CEE86DA1}"/>
+              </a:ext>
+            </a:extLst>
+          </p:cNvPr>
+          <p:cNvSpPr/>
+          <p:nvPr/>
+        </p:nvSpPr>
+        <p:spPr>
+          <a:xfrm>
+            <a:off x="9550612" y="1780708"/>
+            <a:ext cx="686464" cy="678645"/>
+          </a:xfrm>
+          <a:prstGeom prst="ellipse">
+            <a:avLst/>
+          </a:prstGeom>
+          <a:solidFill>
+            <a:schemeClr val="accent6">
+              <a:lumMod val="40000"/>
+              <a:lumOff val="60000"/>
+            </a:schemeClr>
+          </a:solidFill>
+        </p:spPr>
+        <p:style>
+          <a:lnRef idx="2">
+            <a:schemeClr val="accent1">
+              <a:shade val="50000"/>
+            </a:schemeClr>
+          </a:lnRef>
+          <a:fillRef idx="1">
+            <a:schemeClr val="accent1"/>
+          </a:fillRef>
+          <a:effectRef idx="0">
+            <a:schemeClr val="accent1"/>
+          </a:effectRef>
+          <a:fontRef idx="minor">
+            <a:schemeClr val="lt1"/>
+          </a:fontRef>
+        </p:style>
+        <p:txBody>
+          <a:bodyPr rtlCol="0" anchor="ctr"/>
+          <a:lstStyle/>
+          <a:p>
+            <a:pPr algn="ctr"/>
+            <a:r>
+              <a:rPr lang="de-DE" sz="800" dirty="0" err="1">
+                <a:solidFill>
+                  <a:schemeClr val="tx1"/>
+                </a:solidFill>
+              </a:rPr>
+              <a:t>Node</a:t>
+            </a:r>
+            <a:r>
+              <a:rPr lang="de-DE" sz="800" dirty="0">
+                <a:solidFill>
+                  <a:schemeClr val="tx1"/>
+                </a:solidFill>
+              </a:rPr>
+              <a:t> </a:t>
+            </a:r>
+          </a:p>
+          <a:p>
+            <a:pPr algn="ctr"/>
+            <a:r>
+              <a:rPr lang="de-DE" sz="800" dirty="0">
+                <a:solidFill>
+                  <a:schemeClr val="tx1"/>
+                </a:solidFill>
+              </a:rPr>
+              <a:t>Input</a:t>
+            </a:r>
+            <a:endParaRPr lang="en-US" sz="800" dirty="0">
+              <a:solidFill>
+                <a:schemeClr val="tx1"/>
+              </a:solidFill>
+            </a:endParaRPr>
+          </a:p>
+        </p:txBody>
+      </p:sp>
+      <p:sp>
+        <p:nvSpPr>
+          <p:cNvPr id="197" name="Rechteck: abgerundete Ecken 196">
+            <a:extLst>
+              <a:ext uri="{FF2B5EF4-FFF2-40B4-BE49-F238E27FC236}">
+                <a16:creationId xmlns:a16="http://schemas.microsoft.com/office/drawing/2014/main" id="{961CDC17-B1D3-4EF2-BEA1-27D8BA93BD89}"/>
+              </a:ext>
+            </a:extLst>
+          </p:cNvPr>
+          <p:cNvSpPr/>
+          <p:nvPr/>
+        </p:nvSpPr>
+        <p:spPr>
+          <a:xfrm>
+            <a:off x="9346694" y="455814"/>
+            <a:ext cx="1085523" cy="2147039"/>
+          </a:xfrm>
+          <a:prstGeom prst="roundRect">
+            <a:avLst/>
+          </a:prstGeom>
+          <a:noFill/>
+        </p:spPr>
+        <p:style>
+          <a:lnRef idx="2">
+            <a:schemeClr val="dk1"/>
+          </a:lnRef>
+          <a:fillRef idx="1">
+            <a:schemeClr val="lt1"/>
+          </a:fillRef>
+          <a:effectRef idx="0">
+            <a:schemeClr val="dk1"/>
+          </a:effectRef>
+          <a:fontRef idx="minor">
+            <a:schemeClr val="dk1"/>
+          </a:fontRef>
+        </p:style>
+        <p:txBody>
+          <a:bodyPr rtlCol="0" anchor="t" anchorCtr="0"/>
+          <a:lstStyle/>
+          <a:p>
+            <a:pPr algn="ctr"/>
+            <a:r>
+              <a:rPr lang="de-DE" dirty="0">
+                <a:effectLst>
+                  <a:outerShdw blurRad="50800" dist="50800" dir="5400000" sx="5000" sy="5000" algn="ctr" rotWithShape="0">
+                    <a:srgbClr val="000000">
+                      <a:alpha val="43137"/>
+                    </a:srgbClr>
+                  </a:outerShdw>
+                </a:effectLst>
+              </a:rPr>
+              <a:t>Colors:</a:t>
+            </a:r>
+            <a:endParaRPr lang="en-US" dirty="0">
+              <a:effectLst>
+                <a:outerShdw blurRad="50800" dist="50800" dir="5400000" sx="5000" sy="5000" algn="ctr" rotWithShape="0">
+                  <a:srgbClr val="000000">
+                    <a:alpha val="43137"/>
+                  </a:srgbClr>
+                </a:outerShdw>
+              </a:effectLst>
+            </a:endParaRPr>
+          </a:p>
+        </p:txBody>
+      </p:sp>
     </p:spTree>
     <p:extLst>
       <p:ext uri="{BB962C8B-B14F-4D97-AF65-F5344CB8AC3E}">
         <p14:creationId xmlns:p14="http://schemas.microsoft.com/office/powerpoint/2010/main" val="1484261089"/>
+      </p:ext>
+    </p:extLst>
+  </p:cSld>
+  <p:clrMapOvr>
+    <a:masterClrMapping/>
+  </p:clrMapOvr>
+</p:sld>
+</file>
+
+<file path=ppt/slides/slide4.xml><?xml version="1.0" encoding="utf-8"?>
+<p:sld xmlns:a="http://schemas.openxmlformats.org/drawingml/2006/main" xmlns:r="http://schemas.openxmlformats.org/officeDocument/2006/relationships" xmlns:p="http://schemas.openxmlformats.org/presentationml/2006/main">
+  <p:cSld>
+    <p:spTree>
+      <p:nvGrpSpPr>
+        <p:cNvPr id="1" name=""/>
+        <p:cNvGrpSpPr/>
+        <p:nvPr/>
+      </p:nvGrpSpPr>
+      <p:grpSpPr>
+        <a:xfrm>
+          <a:off x="0" y="0"/>
+          <a:ext cx="0" cy="0"/>
+          <a:chOff x="0" y="0"/>
+          <a:chExt cx="0" cy="0"/>
+        </a:xfrm>
+      </p:grpSpPr>
+      <p:sp>
+        <p:nvSpPr>
+          <p:cNvPr id="5" name="Textfeld 4">
+            <a:extLst>
+              <a:ext uri="{FF2B5EF4-FFF2-40B4-BE49-F238E27FC236}">
+                <a16:creationId xmlns:a16="http://schemas.microsoft.com/office/drawing/2014/main" id="{4CA61786-5887-4D1C-A424-2E21A3CE5B12}"/>
+              </a:ext>
+            </a:extLst>
+          </p:cNvPr>
+          <p:cNvSpPr txBox="1"/>
+          <p:nvPr/>
+        </p:nvSpPr>
+        <p:spPr>
+          <a:xfrm>
+            <a:off x="8637460" y="6250291"/>
+            <a:ext cx="1881352" cy="584775"/>
+          </a:xfrm>
+          <a:prstGeom prst="rect">
+            <a:avLst/>
+          </a:prstGeom>
+          <a:noFill/>
+        </p:spPr>
+        <p:txBody>
+          <a:bodyPr wrap="square" rtlCol="0">
+            <a:spAutoFit/>
+          </a:bodyPr>
+          <a:lstStyle/>
+          <a:p>
+            <a:r>
+              <a:rPr lang="de-DE" sz="3200" dirty="0"/>
+              <a:t>ROS</a:t>
+            </a:r>
+          </a:p>
+        </p:txBody>
+      </p:sp>
+      <p:sp>
+        <p:nvSpPr>
+          <p:cNvPr id="6" name="Rechteck: abgerundete Ecken 5">
+            <a:extLst>
+              <a:ext uri="{FF2B5EF4-FFF2-40B4-BE49-F238E27FC236}">
+                <a16:creationId xmlns:a16="http://schemas.microsoft.com/office/drawing/2014/main" id="{8A71537F-37DE-4D34-828C-9224CB757C69}"/>
+              </a:ext>
+            </a:extLst>
+          </p:cNvPr>
+          <p:cNvSpPr/>
+          <p:nvPr/>
+        </p:nvSpPr>
+        <p:spPr>
+          <a:xfrm>
+            <a:off x="5039777" y="2956013"/>
+            <a:ext cx="1692032" cy="945974"/>
+          </a:xfrm>
+          <a:prstGeom prst="roundRect">
+            <a:avLst/>
+          </a:prstGeom>
+          <a:ln>
+            <a:solidFill>
+              <a:schemeClr val="tx1"/>
+            </a:solidFill>
+          </a:ln>
+        </p:spPr>
+        <p:style>
+          <a:lnRef idx="2">
+            <a:schemeClr val="accent6"/>
+          </a:lnRef>
+          <a:fillRef idx="1">
+            <a:schemeClr val="lt1"/>
+          </a:fillRef>
+          <a:effectRef idx="0">
+            <a:schemeClr val="accent6"/>
+          </a:effectRef>
+          <a:fontRef idx="minor">
+            <a:schemeClr val="dk1"/>
+          </a:fontRef>
+        </p:style>
+        <p:txBody>
+          <a:bodyPr rtlCol="0" anchor="ctr"/>
+          <a:lstStyle/>
+          <a:p>
+            <a:pPr algn="ctr"/>
+            <a:r>
+              <a:rPr lang="de-DE" sz="1400" dirty="0"/>
+              <a:t>Sensor</a:t>
+            </a:r>
+          </a:p>
+          <a:p>
+            <a:pPr algn="ctr"/>
+            <a:r>
+              <a:rPr lang="de-DE" sz="1400" dirty="0"/>
+              <a:t>Data</a:t>
+            </a:r>
+          </a:p>
+          <a:p>
+            <a:pPr algn="ctr"/>
+            <a:r>
+              <a:rPr lang="de-DE" sz="1400" dirty="0"/>
+              <a:t>Stream</a:t>
+            </a:r>
+          </a:p>
+        </p:txBody>
+      </p:sp>
+      <p:sp>
+        <p:nvSpPr>
+          <p:cNvPr id="8" name="Rechteck 7">
+            <a:extLst>
+              <a:ext uri="{FF2B5EF4-FFF2-40B4-BE49-F238E27FC236}">
+                <a16:creationId xmlns:a16="http://schemas.microsoft.com/office/drawing/2014/main" id="{04AA8EC0-AD61-477A-8225-9070F49976AC}"/>
+              </a:ext>
+            </a:extLst>
+          </p:cNvPr>
+          <p:cNvSpPr/>
+          <p:nvPr/>
+        </p:nvSpPr>
+        <p:spPr>
+          <a:xfrm>
+            <a:off x="7664346" y="359308"/>
+            <a:ext cx="972000" cy="936000"/>
+          </a:xfrm>
+          <a:prstGeom prst="rect">
+            <a:avLst/>
+          </a:prstGeom>
+          <a:ln>
+            <a:solidFill>
+              <a:schemeClr val="tx1"/>
+            </a:solidFill>
+          </a:ln>
+        </p:spPr>
+        <p:style>
+          <a:lnRef idx="2">
+            <a:schemeClr val="accent6"/>
+          </a:lnRef>
+          <a:fillRef idx="1">
+            <a:schemeClr val="lt1"/>
+          </a:fillRef>
+          <a:effectRef idx="0">
+            <a:schemeClr val="accent6"/>
+          </a:effectRef>
+          <a:fontRef idx="minor">
+            <a:schemeClr val="dk1"/>
+          </a:fontRef>
+        </p:style>
+        <p:txBody>
+          <a:bodyPr rtlCol="0" anchor="ctr"/>
+          <a:lstStyle/>
+          <a:p>
+            <a:pPr algn="ctr"/>
+            <a:r>
+              <a:rPr lang="de-DE" sz="1100" dirty="0" err="1"/>
+              <a:t>Drone</a:t>
+            </a:r>
+            <a:r>
+              <a:rPr lang="de-DE" sz="1100" dirty="0"/>
+              <a:t> </a:t>
+            </a:r>
+          </a:p>
+          <a:p>
+            <a:pPr algn="ctr"/>
+            <a:r>
+              <a:rPr lang="de-DE" sz="1100" dirty="0" err="1"/>
+              <a:t>Node</a:t>
+            </a:r>
+            <a:endParaRPr lang="de-DE" sz="1100" dirty="0"/>
+          </a:p>
+        </p:txBody>
+      </p:sp>
+      <p:sp>
+        <p:nvSpPr>
+          <p:cNvPr id="9" name="Rechteck 8">
+            <a:extLst>
+              <a:ext uri="{FF2B5EF4-FFF2-40B4-BE49-F238E27FC236}">
+                <a16:creationId xmlns:a16="http://schemas.microsoft.com/office/drawing/2014/main" id="{5CBE2F75-2728-4AD7-BD94-E44EBA774B41}"/>
+              </a:ext>
+            </a:extLst>
+          </p:cNvPr>
+          <p:cNvSpPr/>
+          <p:nvPr/>
+        </p:nvSpPr>
+        <p:spPr>
+          <a:xfrm>
+            <a:off x="1986530" y="2798776"/>
+            <a:ext cx="972000" cy="936000"/>
+          </a:xfrm>
+          <a:prstGeom prst="rect">
+            <a:avLst/>
+          </a:prstGeom>
+          <a:ln>
+            <a:solidFill>
+              <a:schemeClr val="tx1"/>
+            </a:solidFill>
+          </a:ln>
+        </p:spPr>
+        <p:style>
+          <a:lnRef idx="2">
+            <a:schemeClr val="accent6"/>
+          </a:lnRef>
+          <a:fillRef idx="1">
+            <a:schemeClr val="lt1"/>
+          </a:fillRef>
+          <a:effectRef idx="0">
+            <a:schemeClr val="accent6"/>
+          </a:effectRef>
+          <a:fontRef idx="minor">
+            <a:schemeClr val="dk1"/>
+          </a:fontRef>
+        </p:style>
+        <p:txBody>
+          <a:bodyPr rtlCol="0" anchor="ctr"/>
+          <a:lstStyle/>
+          <a:p>
+            <a:pPr algn="ctr"/>
+            <a:r>
+              <a:rPr lang="de-DE" sz="1100" dirty="0"/>
+              <a:t>Alignment</a:t>
+            </a:r>
+          </a:p>
+          <a:p>
+            <a:pPr algn="ctr"/>
+            <a:r>
+              <a:rPr lang="de-DE" sz="1100" dirty="0" err="1"/>
+              <a:t>Node</a:t>
+            </a:r>
+            <a:endParaRPr lang="de-DE" sz="1100" dirty="0"/>
+          </a:p>
+        </p:txBody>
+      </p:sp>
+      <p:sp>
+        <p:nvSpPr>
+          <p:cNvPr id="10" name="Rechteck 9">
+            <a:extLst>
+              <a:ext uri="{FF2B5EF4-FFF2-40B4-BE49-F238E27FC236}">
+                <a16:creationId xmlns:a16="http://schemas.microsoft.com/office/drawing/2014/main" id="{63D40612-6754-477C-9CCF-143694489E73}"/>
+              </a:ext>
+            </a:extLst>
+          </p:cNvPr>
+          <p:cNvSpPr/>
+          <p:nvPr/>
+        </p:nvSpPr>
+        <p:spPr>
+          <a:xfrm>
+            <a:off x="8418272" y="4059139"/>
+            <a:ext cx="972000" cy="936000"/>
+          </a:xfrm>
+          <a:prstGeom prst="rect">
+            <a:avLst/>
+          </a:prstGeom>
+          <a:ln>
+            <a:solidFill>
+              <a:schemeClr val="tx1"/>
+            </a:solidFill>
+          </a:ln>
+        </p:spPr>
+        <p:style>
+          <a:lnRef idx="2">
+            <a:schemeClr val="accent6"/>
+          </a:lnRef>
+          <a:fillRef idx="1">
+            <a:schemeClr val="lt1"/>
+          </a:fillRef>
+          <a:effectRef idx="0">
+            <a:schemeClr val="accent6"/>
+          </a:effectRef>
+          <a:fontRef idx="minor">
+            <a:schemeClr val="dk1"/>
+          </a:fontRef>
+        </p:style>
+        <p:txBody>
+          <a:bodyPr rtlCol="0" anchor="ctr"/>
+          <a:lstStyle/>
+          <a:p>
+            <a:pPr algn="ctr"/>
+            <a:r>
+              <a:rPr lang="de-DE" sz="1100" dirty="0"/>
+              <a:t>Transform- and </a:t>
+            </a:r>
+            <a:r>
+              <a:rPr lang="de-DE" sz="1100" dirty="0" err="1"/>
+              <a:t>Restriction</a:t>
+            </a:r>
+            <a:r>
+              <a:rPr lang="de-DE" sz="1100" dirty="0"/>
+              <a:t> </a:t>
+            </a:r>
+            <a:r>
+              <a:rPr lang="de-DE" sz="1100" dirty="0" err="1"/>
+              <a:t>Node</a:t>
+            </a:r>
+            <a:endParaRPr lang="de-DE" sz="1100" dirty="0"/>
+          </a:p>
+        </p:txBody>
+      </p:sp>
+      <p:sp>
+        <p:nvSpPr>
+          <p:cNvPr id="11" name="Rechteck 10">
+            <a:extLst>
+              <a:ext uri="{FF2B5EF4-FFF2-40B4-BE49-F238E27FC236}">
+                <a16:creationId xmlns:a16="http://schemas.microsoft.com/office/drawing/2014/main" id="{51DBB497-9C83-47DC-821B-75169F5F4FC3}"/>
+              </a:ext>
+            </a:extLst>
+          </p:cNvPr>
+          <p:cNvSpPr/>
+          <p:nvPr/>
+        </p:nvSpPr>
+        <p:spPr>
+          <a:xfrm>
+            <a:off x="4208743" y="295630"/>
+            <a:ext cx="972000" cy="936000"/>
+          </a:xfrm>
+          <a:prstGeom prst="rect">
+            <a:avLst/>
+          </a:prstGeom>
+          <a:ln>
+            <a:solidFill>
+              <a:schemeClr val="tx1"/>
+            </a:solidFill>
+          </a:ln>
+        </p:spPr>
+        <p:style>
+          <a:lnRef idx="2">
+            <a:schemeClr val="accent6"/>
+          </a:lnRef>
+          <a:fillRef idx="1">
+            <a:schemeClr val="lt1"/>
+          </a:fillRef>
+          <a:effectRef idx="0">
+            <a:schemeClr val="accent6"/>
+          </a:effectRef>
+          <a:fontRef idx="minor">
+            <a:schemeClr val="dk1"/>
+          </a:fontRef>
+        </p:style>
+        <p:txBody>
+          <a:bodyPr rtlCol="0" anchor="ctr"/>
+          <a:lstStyle/>
+          <a:p>
+            <a:pPr algn="ctr"/>
+            <a:r>
+              <a:rPr lang="de-DE" sz="1100" dirty="0"/>
+              <a:t>ORB-SLAM</a:t>
+            </a:r>
+          </a:p>
+          <a:p>
+            <a:pPr algn="ctr"/>
+            <a:r>
+              <a:rPr lang="de-DE" sz="1100" dirty="0" err="1"/>
+              <a:t>Node</a:t>
+            </a:r>
+            <a:endParaRPr lang="de-DE" sz="1100" dirty="0"/>
+          </a:p>
+        </p:txBody>
+      </p:sp>
+      <p:sp>
+        <p:nvSpPr>
+          <p:cNvPr id="27" name="Rechteck: abgerundete Ecken 26">
+            <a:extLst>
+              <a:ext uri="{FF2B5EF4-FFF2-40B4-BE49-F238E27FC236}">
+                <a16:creationId xmlns:a16="http://schemas.microsoft.com/office/drawing/2014/main" id="{5E860BCE-516A-4568-8FBE-F67D7D6D4140}"/>
+              </a:ext>
+            </a:extLst>
+          </p:cNvPr>
+          <p:cNvSpPr/>
+          <p:nvPr/>
+        </p:nvSpPr>
+        <p:spPr>
+          <a:xfrm>
+            <a:off x="1759783" y="157708"/>
+            <a:ext cx="8950258" cy="6542584"/>
+          </a:xfrm>
+          <a:prstGeom prst="roundRect">
+            <a:avLst/>
+          </a:prstGeom>
+          <a:noFill/>
+          <a:ln>
+            <a:solidFill>
+              <a:schemeClr val="tx1"/>
+            </a:solidFill>
+          </a:ln>
+        </p:spPr>
+        <p:style>
+          <a:lnRef idx="2">
+            <a:schemeClr val="accent6"/>
+          </a:lnRef>
+          <a:fillRef idx="1">
+            <a:schemeClr val="lt1"/>
+          </a:fillRef>
+          <a:effectRef idx="0">
+            <a:schemeClr val="accent6"/>
+          </a:effectRef>
+          <a:fontRef idx="minor">
+            <a:schemeClr val="dk1"/>
+          </a:fontRef>
+        </p:style>
+        <p:txBody>
+          <a:bodyPr rtlCol="0" anchor="ctr"/>
+          <a:lstStyle/>
+          <a:p>
+            <a:pPr algn="ctr"/>
+            <a:endParaRPr lang="de-DE"/>
+          </a:p>
+        </p:txBody>
+      </p:sp>
+      <p:sp>
+        <p:nvSpPr>
+          <p:cNvPr id="71" name="Rechteck 70">
+            <a:extLst>
+              <a:ext uri="{FF2B5EF4-FFF2-40B4-BE49-F238E27FC236}">
+                <a16:creationId xmlns:a16="http://schemas.microsoft.com/office/drawing/2014/main" id="{A73267A4-3B2C-476E-9B48-C64983A92BE3}"/>
+              </a:ext>
+            </a:extLst>
+          </p:cNvPr>
+          <p:cNvSpPr/>
+          <p:nvPr/>
+        </p:nvSpPr>
+        <p:spPr>
+          <a:xfrm>
+            <a:off x="5651855" y="5636203"/>
+            <a:ext cx="972000" cy="936000"/>
+          </a:xfrm>
+          <a:prstGeom prst="rect">
+            <a:avLst/>
+          </a:prstGeom>
+          <a:solidFill>
+            <a:schemeClr val="bg1"/>
+          </a:solidFill>
+          <a:ln>
+            <a:solidFill>
+              <a:schemeClr val="tx1"/>
+            </a:solidFill>
+          </a:ln>
+        </p:spPr>
+        <p:style>
+          <a:lnRef idx="2">
+            <a:schemeClr val="accent6"/>
+          </a:lnRef>
+          <a:fillRef idx="1">
+            <a:schemeClr val="lt1"/>
+          </a:fillRef>
+          <a:effectRef idx="0">
+            <a:schemeClr val="accent6"/>
+          </a:effectRef>
+          <a:fontRef idx="minor">
+            <a:schemeClr val="dk1"/>
+          </a:fontRef>
+        </p:style>
+        <p:txBody>
+          <a:bodyPr rtlCol="0" anchor="ctr"/>
+          <a:lstStyle/>
+          <a:p>
+            <a:pPr algn="ctr"/>
+            <a:r>
+              <a:rPr lang="de-DE" sz="1100" dirty="0"/>
+              <a:t>Flight Path </a:t>
+            </a:r>
+            <a:r>
+              <a:rPr lang="de-DE" sz="1100" dirty="0" err="1"/>
+              <a:t>Planning</a:t>
+            </a:r>
+            <a:endParaRPr lang="de-DE" sz="1100" dirty="0"/>
+          </a:p>
+          <a:p>
+            <a:pPr algn="ctr"/>
+            <a:r>
+              <a:rPr lang="de-DE" sz="1100" dirty="0" err="1"/>
+              <a:t>Node</a:t>
+            </a:r>
+            <a:endParaRPr lang="de-DE" sz="1100" dirty="0"/>
+          </a:p>
+        </p:txBody>
+      </p:sp>
+      <p:cxnSp>
+        <p:nvCxnSpPr>
+          <p:cNvPr id="102" name="Verbinder: gekrümmt 101">
+            <a:extLst>
+              <a:ext uri="{FF2B5EF4-FFF2-40B4-BE49-F238E27FC236}">
+                <a16:creationId xmlns:a16="http://schemas.microsoft.com/office/drawing/2014/main" id="{73710AD1-3937-4A18-9F4D-E7EE39129EDA}"/>
+              </a:ext>
+            </a:extLst>
+          </p:cNvPr>
+          <p:cNvCxnSpPr>
+            <a:cxnSpLocks/>
+            <a:stCxn id="11" idx="2"/>
+            <a:endCxn id="6" idx="1"/>
+          </p:cNvCxnSpPr>
+          <p:nvPr/>
+        </p:nvCxnSpPr>
+        <p:spPr>
+          <a:xfrm rot="16200000" flipH="1">
+            <a:off x="3768575" y="2157798"/>
+            <a:ext cx="2197370" cy="345034"/>
+          </a:xfrm>
+          <a:prstGeom prst="curvedConnector2">
+            <a:avLst/>
+          </a:prstGeom>
+          <a:ln w="25400">
+            <a:solidFill>
+              <a:schemeClr val="tx1">
+                <a:alpha val="54000"/>
+              </a:schemeClr>
+            </a:solidFill>
+            <a:tailEnd type="triangle" w="lg" len="lg"/>
+          </a:ln>
+        </p:spPr>
+        <p:style>
+          <a:lnRef idx="1">
+            <a:schemeClr val="accent1"/>
+          </a:lnRef>
+          <a:fillRef idx="0">
+            <a:schemeClr val="accent1"/>
+          </a:fillRef>
+          <a:effectRef idx="0">
+            <a:schemeClr val="accent1"/>
+          </a:effectRef>
+          <a:fontRef idx="minor">
+            <a:schemeClr val="tx1"/>
+          </a:fontRef>
+        </p:style>
+      </p:cxnSp>
+      <p:cxnSp>
+        <p:nvCxnSpPr>
+          <p:cNvPr id="104" name="Verbinder: gekrümmt 103">
+            <a:extLst>
+              <a:ext uri="{FF2B5EF4-FFF2-40B4-BE49-F238E27FC236}">
+                <a16:creationId xmlns:a16="http://schemas.microsoft.com/office/drawing/2014/main" id="{E1CA3E02-A119-48E8-B33A-EDFDC2504E19}"/>
+              </a:ext>
+            </a:extLst>
+          </p:cNvPr>
+          <p:cNvCxnSpPr>
+            <a:cxnSpLocks/>
+            <a:stCxn id="6" idx="0"/>
+            <a:endCxn id="11" idx="3"/>
+          </p:cNvCxnSpPr>
+          <p:nvPr/>
+        </p:nvCxnSpPr>
+        <p:spPr>
+          <a:xfrm rot="16200000" flipV="1">
+            <a:off x="4437077" y="1507297"/>
+            <a:ext cx="2192383" cy="705050"/>
+          </a:xfrm>
+          <a:prstGeom prst="curvedConnector2">
+            <a:avLst/>
+          </a:prstGeom>
+          <a:ln w="25400">
+            <a:solidFill>
+              <a:schemeClr val="tx1">
+                <a:alpha val="54000"/>
+              </a:schemeClr>
+            </a:solidFill>
+            <a:tailEnd type="triangle" w="lg" len="lg"/>
+          </a:ln>
+        </p:spPr>
+        <p:style>
+          <a:lnRef idx="1">
+            <a:schemeClr val="accent1"/>
+          </a:lnRef>
+          <a:fillRef idx="0">
+            <a:schemeClr val="accent1"/>
+          </a:fillRef>
+          <a:effectRef idx="0">
+            <a:schemeClr val="accent1"/>
+          </a:effectRef>
+          <a:fontRef idx="minor">
+            <a:schemeClr val="tx1"/>
+          </a:fontRef>
+        </p:style>
+      </p:cxnSp>
+      <p:cxnSp>
+        <p:nvCxnSpPr>
+          <p:cNvPr id="107" name="Verbinder: gekrümmt 106">
+            <a:extLst>
+              <a:ext uri="{FF2B5EF4-FFF2-40B4-BE49-F238E27FC236}">
+                <a16:creationId xmlns:a16="http://schemas.microsoft.com/office/drawing/2014/main" id="{1C1F0C6D-B5C5-4A74-9E93-C95F609D7B04}"/>
+              </a:ext>
+            </a:extLst>
+          </p:cNvPr>
+          <p:cNvCxnSpPr>
+            <a:cxnSpLocks/>
+            <a:stCxn id="6" idx="0"/>
+            <a:endCxn id="8" idx="1"/>
+          </p:cNvCxnSpPr>
+          <p:nvPr/>
+        </p:nvCxnSpPr>
+        <p:spPr>
+          <a:xfrm rot="5400000" flipH="1" flipV="1">
+            <a:off x="5710717" y="1002385"/>
+            <a:ext cx="2128705" cy="1778553"/>
+          </a:xfrm>
+          <a:prstGeom prst="curvedConnector2">
+            <a:avLst/>
+          </a:prstGeom>
+          <a:ln w="25400">
+            <a:solidFill>
+              <a:schemeClr val="tx1">
+                <a:alpha val="54000"/>
+              </a:schemeClr>
+            </a:solidFill>
+            <a:tailEnd type="triangle" w="lg" len="lg"/>
+          </a:ln>
+        </p:spPr>
+        <p:style>
+          <a:lnRef idx="1">
+            <a:schemeClr val="accent1"/>
+          </a:lnRef>
+          <a:fillRef idx="0">
+            <a:schemeClr val="accent1"/>
+          </a:fillRef>
+          <a:effectRef idx="0">
+            <a:schemeClr val="accent1"/>
+          </a:effectRef>
+          <a:fontRef idx="minor">
+            <a:schemeClr val="tx1"/>
+          </a:fontRef>
+        </p:style>
+      </p:cxnSp>
+      <p:cxnSp>
+        <p:nvCxnSpPr>
+          <p:cNvPr id="110" name="Verbinder: gekrümmt 109">
+            <a:extLst>
+              <a:ext uri="{FF2B5EF4-FFF2-40B4-BE49-F238E27FC236}">
+                <a16:creationId xmlns:a16="http://schemas.microsoft.com/office/drawing/2014/main" id="{CBBAAC4D-5644-46D0-8918-E4FF07165CB0}"/>
+              </a:ext>
+            </a:extLst>
+          </p:cNvPr>
+          <p:cNvCxnSpPr>
+            <a:cxnSpLocks/>
+            <a:stCxn id="8" idx="2"/>
+            <a:endCxn id="6" idx="3"/>
+          </p:cNvCxnSpPr>
+          <p:nvPr/>
+        </p:nvCxnSpPr>
+        <p:spPr>
+          <a:xfrm rot="5400000">
+            <a:off x="6374232" y="1652886"/>
+            <a:ext cx="2133692" cy="1418537"/>
+          </a:xfrm>
+          <a:prstGeom prst="curvedConnector2">
+            <a:avLst/>
+          </a:prstGeom>
+          <a:ln w="25400">
+            <a:solidFill>
+              <a:schemeClr val="tx1">
+                <a:alpha val="54000"/>
+              </a:schemeClr>
+            </a:solidFill>
+            <a:tailEnd type="triangle" w="lg" len="lg"/>
+          </a:ln>
+        </p:spPr>
+        <p:style>
+          <a:lnRef idx="1">
+            <a:schemeClr val="accent1"/>
+          </a:lnRef>
+          <a:fillRef idx="0">
+            <a:schemeClr val="accent1"/>
+          </a:fillRef>
+          <a:effectRef idx="0">
+            <a:schemeClr val="accent1"/>
+          </a:effectRef>
+          <a:fontRef idx="minor">
+            <a:schemeClr val="tx1"/>
+          </a:fontRef>
+        </p:style>
+      </p:cxnSp>
+      <p:cxnSp>
+        <p:nvCxnSpPr>
+          <p:cNvPr id="113" name="Verbinder: gekrümmt 112">
+            <a:extLst>
+              <a:ext uri="{FF2B5EF4-FFF2-40B4-BE49-F238E27FC236}">
+                <a16:creationId xmlns:a16="http://schemas.microsoft.com/office/drawing/2014/main" id="{D74D5BB5-3859-40E4-A71F-4FD3135780EE}"/>
+              </a:ext>
+            </a:extLst>
+          </p:cNvPr>
+          <p:cNvCxnSpPr>
+            <a:cxnSpLocks/>
+            <a:stCxn id="10" idx="0"/>
+            <a:endCxn id="6" idx="3"/>
+          </p:cNvCxnSpPr>
+          <p:nvPr/>
+        </p:nvCxnSpPr>
+        <p:spPr>
+          <a:xfrm rot="16200000" flipV="1">
+            <a:off x="7502972" y="2657838"/>
+            <a:ext cx="630139" cy="2172463"/>
+          </a:xfrm>
+          <a:prstGeom prst="curvedConnector2">
+            <a:avLst/>
+          </a:prstGeom>
+          <a:ln w="25400">
+            <a:solidFill>
+              <a:schemeClr val="tx1">
+                <a:alpha val="54000"/>
+              </a:schemeClr>
+            </a:solidFill>
+            <a:tailEnd type="triangle" w="lg" len="lg"/>
+          </a:ln>
+        </p:spPr>
+        <p:style>
+          <a:lnRef idx="1">
+            <a:schemeClr val="accent1"/>
+          </a:lnRef>
+          <a:fillRef idx="0">
+            <a:schemeClr val="accent1"/>
+          </a:fillRef>
+          <a:effectRef idx="0">
+            <a:schemeClr val="accent1"/>
+          </a:effectRef>
+          <a:fontRef idx="minor">
+            <a:schemeClr val="tx1"/>
+          </a:fontRef>
+        </p:style>
+      </p:cxnSp>
+      <p:cxnSp>
+        <p:nvCxnSpPr>
+          <p:cNvPr id="117" name="Verbinder: gekrümmt 116">
+            <a:extLst>
+              <a:ext uri="{FF2B5EF4-FFF2-40B4-BE49-F238E27FC236}">
+                <a16:creationId xmlns:a16="http://schemas.microsoft.com/office/drawing/2014/main" id="{036763E9-7BF8-467A-B4A4-3AEAC42AC6C9}"/>
+              </a:ext>
+            </a:extLst>
+          </p:cNvPr>
+          <p:cNvCxnSpPr>
+            <a:cxnSpLocks/>
+            <a:stCxn id="6" idx="2"/>
+            <a:endCxn id="10" idx="1"/>
+          </p:cNvCxnSpPr>
+          <p:nvPr/>
+        </p:nvCxnSpPr>
+        <p:spPr>
+          <a:xfrm rot="16200000" flipH="1">
+            <a:off x="6839456" y="2948323"/>
+            <a:ext cx="625152" cy="2532479"/>
+          </a:xfrm>
+          <a:prstGeom prst="curvedConnector2">
+            <a:avLst/>
+          </a:prstGeom>
+          <a:ln w="25400">
+            <a:solidFill>
+              <a:schemeClr val="tx1">
+                <a:alpha val="54000"/>
+              </a:schemeClr>
+            </a:solidFill>
+            <a:tailEnd type="triangle" w="lg" len="lg"/>
+          </a:ln>
+        </p:spPr>
+        <p:style>
+          <a:lnRef idx="1">
+            <a:schemeClr val="accent1"/>
+          </a:lnRef>
+          <a:fillRef idx="0">
+            <a:schemeClr val="accent1"/>
+          </a:fillRef>
+          <a:effectRef idx="0">
+            <a:schemeClr val="accent1"/>
+          </a:effectRef>
+          <a:fontRef idx="minor">
+            <a:schemeClr val="tx1"/>
+          </a:fontRef>
+        </p:style>
+      </p:cxnSp>
+      <p:cxnSp>
+        <p:nvCxnSpPr>
+          <p:cNvPr id="119" name="Verbinder: gekrümmt 118">
+            <a:extLst>
+              <a:ext uri="{FF2B5EF4-FFF2-40B4-BE49-F238E27FC236}">
+                <a16:creationId xmlns:a16="http://schemas.microsoft.com/office/drawing/2014/main" id="{7A816205-FEA2-4B4B-9B70-5DB63300B811}"/>
+              </a:ext>
+            </a:extLst>
+          </p:cNvPr>
+          <p:cNvCxnSpPr>
+            <a:cxnSpLocks/>
+            <a:stCxn id="6" idx="2"/>
+            <a:endCxn id="71" idx="3"/>
+          </p:cNvCxnSpPr>
+          <p:nvPr/>
+        </p:nvCxnSpPr>
+        <p:spPr>
+          <a:xfrm rot="16200000" flipH="1">
+            <a:off x="5153716" y="4634064"/>
+            <a:ext cx="2202216" cy="738062"/>
+          </a:xfrm>
+          <a:prstGeom prst="curvedConnector4">
+            <a:avLst>
+              <a:gd name="adj1" fmla="val 39374"/>
+              <a:gd name="adj2" fmla="val 145600"/>
+            </a:avLst>
+          </a:prstGeom>
+          <a:ln w="25400">
+            <a:solidFill>
+              <a:schemeClr val="tx1">
+                <a:alpha val="54000"/>
+              </a:schemeClr>
+            </a:solidFill>
+            <a:tailEnd type="triangle" w="lg" len="lg"/>
+          </a:ln>
+        </p:spPr>
+        <p:style>
+          <a:lnRef idx="1">
+            <a:schemeClr val="accent1"/>
+          </a:lnRef>
+          <a:fillRef idx="0">
+            <a:schemeClr val="accent1"/>
+          </a:fillRef>
+          <a:effectRef idx="0">
+            <a:schemeClr val="accent1"/>
+          </a:effectRef>
+          <a:fontRef idx="minor">
+            <a:schemeClr val="tx1"/>
+          </a:fontRef>
+        </p:style>
+      </p:cxnSp>
+      <p:cxnSp>
+        <p:nvCxnSpPr>
+          <p:cNvPr id="122" name="Verbinder: gekrümmt 121">
+            <a:extLst>
+              <a:ext uri="{FF2B5EF4-FFF2-40B4-BE49-F238E27FC236}">
+                <a16:creationId xmlns:a16="http://schemas.microsoft.com/office/drawing/2014/main" id="{DEA66849-CFA6-44AE-9A28-42E3C2EBBE8C}"/>
+              </a:ext>
+            </a:extLst>
+          </p:cNvPr>
+          <p:cNvCxnSpPr>
+            <a:cxnSpLocks/>
+            <a:stCxn id="71" idx="1"/>
+          </p:cNvCxnSpPr>
+          <p:nvPr/>
+        </p:nvCxnSpPr>
+        <p:spPr>
+          <a:xfrm rot="10800000">
+            <a:off x="5144701" y="3881593"/>
+            <a:ext cx="507154" cy="2222610"/>
+          </a:xfrm>
+          <a:prstGeom prst="curvedConnector2">
+            <a:avLst/>
+          </a:prstGeom>
+          <a:ln w="25400">
+            <a:solidFill>
+              <a:schemeClr val="tx1">
+                <a:alpha val="54000"/>
+              </a:schemeClr>
+            </a:solidFill>
+            <a:tailEnd type="triangle" w="lg" len="lg"/>
+          </a:ln>
+        </p:spPr>
+        <p:style>
+          <a:lnRef idx="1">
+            <a:schemeClr val="accent1"/>
+          </a:lnRef>
+          <a:fillRef idx="0">
+            <a:schemeClr val="accent1"/>
+          </a:fillRef>
+          <a:effectRef idx="0">
+            <a:schemeClr val="accent1"/>
+          </a:effectRef>
+          <a:fontRef idx="minor">
+            <a:schemeClr val="tx1"/>
+          </a:fontRef>
+        </p:style>
+      </p:cxnSp>
+      <p:cxnSp>
+        <p:nvCxnSpPr>
+          <p:cNvPr id="125" name="Verbinder: gekrümmt 124">
+            <a:extLst>
+              <a:ext uri="{FF2B5EF4-FFF2-40B4-BE49-F238E27FC236}">
+                <a16:creationId xmlns:a16="http://schemas.microsoft.com/office/drawing/2014/main" id="{12D2C955-3F43-4D0F-95BA-093AFF0BF2B4}"/>
+              </a:ext>
+            </a:extLst>
+          </p:cNvPr>
+          <p:cNvCxnSpPr>
+            <a:cxnSpLocks/>
+            <a:stCxn id="9" idx="0"/>
+            <a:endCxn id="6" idx="1"/>
+          </p:cNvCxnSpPr>
+          <p:nvPr/>
+        </p:nvCxnSpPr>
+        <p:spPr>
+          <a:xfrm rot="16200000" flipH="1">
+            <a:off x="3441041" y="1830265"/>
+            <a:ext cx="630224" cy="2567247"/>
+          </a:xfrm>
+          <a:prstGeom prst="curvedConnector4">
+            <a:avLst>
+              <a:gd name="adj1" fmla="val -36273"/>
+              <a:gd name="adj2" fmla="val 59465"/>
+            </a:avLst>
+          </a:prstGeom>
+          <a:ln w="25400">
+            <a:solidFill>
+              <a:schemeClr val="tx1">
+                <a:alpha val="54000"/>
+              </a:schemeClr>
+            </a:solidFill>
+            <a:tailEnd type="triangle" w="lg" len="lg"/>
+          </a:ln>
+        </p:spPr>
+        <p:style>
+          <a:lnRef idx="1">
+            <a:schemeClr val="accent1"/>
+          </a:lnRef>
+          <a:fillRef idx="0">
+            <a:schemeClr val="accent1"/>
+          </a:fillRef>
+          <a:effectRef idx="0">
+            <a:schemeClr val="accent1"/>
+          </a:effectRef>
+          <a:fontRef idx="minor">
+            <a:schemeClr val="tx1"/>
+          </a:fontRef>
+        </p:style>
+      </p:cxnSp>
+      <p:cxnSp>
+        <p:nvCxnSpPr>
+          <p:cNvPr id="127" name="Verbinder: gekrümmt 126">
+            <a:extLst>
+              <a:ext uri="{FF2B5EF4-FFF2-40B4-BE49-F238E27FC236}">
+                <a16:creationId xmlns:a16="http://schemas.microsoft.com/office/drawing/2014/main" id="{AFA806A0-6025-4409-A912-6CB05B4E251E}"/>
+              </a:ext>
+            </a:extLst>
+          </p:cNvPr>
+          <p:cNvCxnSpPr>
+            <a:cxnSpLocks/>
+            <a:endCxn id="9" idx="3"/>
+          </p:cNvCxnSpPr>
+          <p:nvPr/>
+        </p:nvCxnSpPr>
+        <p:spPr>
+          <a:xfrm rot="10800000">
+            <a:off x="2958530" y="3266777"/>
+            <a:ext cx="2081246" cy="614815"/>
+          </a:xfrm>
+          <a:prstGeom prst="curvedConnector3">
+            <a:avLst>
+              <a:gd name="adj1" fmla="val 50000"/>
+            </a:avLst>
+          </a:prstGeom>
+          <a:ln w="25400">
+            <a:solidFill>
+              <a:schemeClr val="tx1">
+                <a:alpha val="54000"/>
+              </a:schemeClr>
+            </a:solidFill>
+            <a:tailEnd type="triangle" w="lg" len="lg"/>
+          </a:ln>
+        </p:spPr>
+        <p:style>
+          <a:lnRef idx="1">
+            <a:schemeClr val="accent1"/>
+          </a:lnRef>
+          <a:fillRef idx="0">
+            <a:schemeClr val="accent1"/>
+          </a:fillRef>
+          <a:effectRef idx="0">
+            <a:schemeClr val="accent1"/>
+          </a:effectRef>
+          <a:fontRef idx="minor">
+            <a:schemeClr val="tx1"/>
+          </a:fontRef>
+        </p:style>
+      </p:cxnSp>
+      <p:sp>
+        <p:nvSpPr>
+          <p:cNvPr id="178" name="Ellipse 177">
+            <a:extLst>
+              <a:ext uri="{FF2B5EF4-FFF2-40B4-BE49-F238E27FC236}">
+                <a16:creationId xmlns:a16="http://schemas.microsoft.com/office/drawing/2014/main" id="{603EC321-231F-4F10-A995-21DE2C34803E}"/>
+              </a:ext>
+            </a:extLst>
+          </p:cNvPr>
+          <p:cNvSpPr/>
+          <p:nvPr/>
+        </p:nvSpPr>
+        <p:spPr>
+          <a:xfrm>
+            <a:off x="8388252" y="2798861"/>
+            <a:ext cx="1085523" cy="1012286"/>
+          </a:xfrm>
+          <a:prstGeom prst="ellipse">
+            <a:avLst/>
+          </a:prstGeom>
+          <a:solidFill>
+            <a:schemeClr val="accent1">
+              <a:lumMod val="40000"/>
+              <a:lumOff val="60000"/>
+            </a:schemeClr>
+          </a:solidFill>
+          <a:ln>
+            <a:solidFill>
+              <a:schemeClr val="tx1"/>
+            </a:solidFill>
+          </a:ln>
+        </p:spPr>
+        <p:style>
+          <a:lnRef idx="2">
+            <a:schemeClr val="accent1">
+              <a:shade val="50000"/>
+            </a:schemeClr>
+          </a:lnRef>
+          <a:fillRef idx="1">
+            <a:schemeClr val="accent1"/>
+          </a:fillRef>
+          <a:effectRef idx="0">
+            <a:schemeClr val="accent1"/>
+          </a:effectRef>
+          <a:fontRef idx="minor">
+            <a:schemeClr val="lt1"/>
+          </a:fontRef>
+        </p:style>
+        <p:txBody>
+          <a:bodyPr rtlCol="0" anchor="ctr"/>
+          <a:lstStyle/>
+          <a:p>
+            <a:pPr algn="ctr"/>
+            <a:r>
+              <a:rPr lang="de-DE" sz="800" dirty="0" err="1">
+                <a:solidFill>
+                  <a:schemeClr val="tx1"/>
+                </a:solidFill>
+              </a:rPr>
+              <a:t>Transformed</a:t>
+            </a:r>
+            <a:r>
+              <a:rPr lang="de-DE" sz="800" dirty="0">
+                <a:solidFill>
+                  <a:schemeClr val="tx1"/>
+                </a:solidFill>
+              </a:rPr>
+              <a:t>  Point </a:t>
+            </a:r>
+            <a:r>
+              <a:rPr lang="de-DE" sz="800" dirty="0" err="1">
+                <a:solidFill>
+                  <a:schemeClr val="tx1"/>
+                </a:solidFill>
+              </a:rPr>
+              <a:t>cloud</a:t>
+            </a:r>
+            <a:r>
+              <a:rPr lang="de-DE" sz="800" dirty="0">
+                <a:solidFill>
+                  <a:schemeClr val="tx1"/>
+                </a:solidFill>
+              </a:rPr>
+              <a:t>, </a:t>
+            </a:r>
+          </a:p>
+          <a:p>
+            <a:pPr algn="ctr"/>
+            <a:r>
+              <a:rPr lang="de-DE" sz="800" dirty="0" err="1">
+                <a:solidFill>
+                  <a:schemeClr val="tx1"/>
+                </a:solidFill>
+              </a:rPr>
+              <a:t>Transformed</a:t>
+            </a:r>
+            <a:r>
+              <a:rPr lang="de-DE" sz="800" dirty="0">
+                <a:solidFill>
+                  <a:schemeClr val="tx1"/>
+                </a:solidFill>
+              </a:rPr>
+              <a:t> Pose</a:t>
+            </a:r>
+            <a:endParaRPr lang="en-US" sz="800" dirty="0">
+              <a:solidFill>
+                <a:schemeClr val="tx1"/>
+              </a:solidFill>
+            </a:endParaRPr>
+          </a:p>
+        </p:txBody>
+      </p:sp>
+      <p:sp>
+        <p:nvSpPr>
+          <p:cNvPr id="179" name="Ellipse 178">
+            <a:extLst>
+              <a:ext uri="{FF2B5EF4-FFF2-40B4-BE49-F238E27FC236}">
+                <a16:creationId xmlns:a16="http://schemas.microsoft.com/office/drawing/2014/main" id="{EC3EC083-AB8D-4485-B402-FF35137F61C2}"/>
+              </a:ext>
+            </a:extLst>
+          </p:cNvPr>
+          <p:cNvSpPr/>
+          <p:nvPr/>
+        </p:nvSpPr>
+        <p:spPr>
+          <a:xfrm>
+            <a:off x="6692346" y="1032507"/>
+            <a:ext cx="914400" cy="914400"/>
+          </a:xfrm>
+          <a:prstGeom prst="ellipse">
+            <a:avLst/>
+          </a:prstGeom>
+          <a:solidFill>
+            <a:schemeClr val="accent6">
+              <a:lumMod val="40000"/>
+              <a:lumOff val="60000"/>
+            </a:schemeClr>
+          </a:solidFill>
+        </p:spPr>
+        <p:style>
+          <a:lnRef idx="2">
+            <a:schemeClr val="accent1">
+              <a:shade val="50000"/>
+            </a:schemeClr>
+          </a:lnRef>
+          <a:fillRef idx="1">
+            <a:schemeClr val="accent1"/>
+          </a:fillRef>
+          <a:effectRef idx="0">
+            <a:schemeClr val="accent1"/>
+          </a:effectRef>
+          <a:fontRef idx="minor">
+            <a:schemeClr val="lt1"/>
+          </a:fontRef>
+        </p:style>
+        <p:txBody>
+          <a:bodyPr rtlCol="0" anchor="ctr"/>
+          <a:lstStyle/>
+          <a:p>
+            <a:pPr algn="ctr"/>
+            <a:r>
+              <a:rPr lang="de-DE" sz="800" dirty="0" err="1">
+                <a:solidFill>
+                  <a:schemeClr val="tx1"/>
+                </a:solidFill>
+              </a:rPr>
+              <a:t>Drone</a:t>
+            </a:r>
+            <a:r>
+              <a:rPr lang="de-DE" sz="800" dirty="0">
+                <a:solidFill>
+                  <a:schemeClr val="tx1"/>
+                </a:solidFill>
+              </a:rPr>
+              <a:t> Control Input</a:t>
+            </a:r>
+            <a:endParaRPr lang="en-US" sz="800" dirty="0">
+              <a:solidFill>
+                <a:schemeClr val="tx1"/>
+              </a:solidFill>
+            </a:endParaRPr>
+          </a:p>
+        </p:txBody>
+      </p:sp>
+      <p:sp>
+        <p:nvSpPr>
+          <p:cNvPr id="180" name="Ellipse 179">
+            <a:extLst>
+              <a:ext uri="{FF2B5EF4-FFF2-40B4-BE49-F238E27FC236}">
+                <a16:creationId xmlns:a16="http://schemas.microsoft.com/office/drawing/2014/main" id="{F7A44973-34BD-4450-8F85-155FCF556EA7}"/>
+              </a:ext>
+            </a:extLst>
+          </p:cNvPr>
+          <p:cNvSpPr/>
+          <p:nvPr/>
+        </p:nvSpPr>
+        <p:spPr>
+          <a:xfrm>
+            <a:off x="5550702" y="317230"/>
+            <a:ext cx="914400" cy="914400"/>
+          </a:xfrm>
+          <a:prstGeom prst="ellipse">
+            <a:avLst/>
+          </a:prstGeom>
+          <a:solidFill>
+            <a:schemeClr val="accent6">
+              <a:lumMod val="40000"/>
+              <a:lumOff val="60000"/>
+            </a:schemeClr>
+          </a:solidFill>
+        </p:spPr>
+        <p:style>
+          <a:lnRef idx="2">
+            <a:schemeClr val="accent1">
+              <a:shade val="50000"/>
+            </a:schemeClr>
+          </a:lnRef>
+          <a:fillRef idx="1">
+            <a:schemeClr val="accent1"/>
+          </a:fillRef>
+          <a:effectRef idx="0">
+            <a:schemeClr val="accent1"/>
+          </a:effectRef>
+          <a:fontRef idx="minor">
+            <a:schemeClr val="lt1"/>
+          </a:fontRef>
+        </p:style>
+        <p:txBody>
+          <a:bodyPr rtlCol="0" anchor="ctr"/>
+          <a:lstStyle/>
+          <a:p>
+            <a:pPr algn="ctr"/>
+            <a:r>
+              <a:rPr lang="de-DE" sz="800" dirty="0" err="1">
+                <a:solidFill>
+                  <a:schemeClr val="tx1"/>
+                </a:solidFill>
+              </a:rPr>
+              <a:t>Drone</a:t>
+            </a:r>
+            <a:r>
+              <a:rPr lang="de-DE" sz="800" dirty="0">
+                <a:solidFill>
+                  <a:schemeClr val="tx1"/>
+                </a:solidFill>
+              </a:rPr>
+              <a:t> Sensors</a:t>
+            </a:r>
+            <a:endParaRPr lang="en-US" sz="800" dirty="0">
+              <a:solidFill>
+                <a:schemeClr val="tx1"/>
+              </a:solidFill>
+            </a:endParaRPr>
+          </a:p>
+        </p:txBody>
+      </p:sp>
+      <p:sp>
+        <p:nvSpPr>
+          <p:cNvPr id="182" name="Ellipse 181">
+            <a:extLst>
+              <a:ext uri="{FF2B5EF4-FFF2-40B4-BE49-F238E27FC236}">
+                <a16:creationId xmlns:a16="http://schemas.microsoft.com/office/drawing/2014/main" id="{A2F2A911-D5FA-41A6-9D21-C2AF20C52C7B}"/>
+              </a:ext>
+            </a:extLst>
+          </p:cNvPr>
+          <p:cNvSpPr/>
+          <p:nvPr/>
+        </p:nvSpPr>
+        <p:spPr>
+          <a:xfrm>
+            <a:off x="7371138" y="4529566"/>
+            <a:ext cx="972000" cy="1033126"/>
+          </a:xfrm>
+          <a:prstGeom prst="ellipse">
+            <a:avLst/>
+          </a:prstGeom>
+          <a:solidFill>
+            <a:schemeClr val="accent6">
+              <a:lumMod val="40000"/>
+              <a:lumOff val="60000"/>
+            </a:schemeClr>
+          </a:solidFill>
+        </p:spPr>
+        <p:style>
+          <a:lnRef idx="2">
+            <a:schemeClr val="accent1">
+              <a:shade val="50000"/>
+            </a:schemeClr>
+          </a:lnRef>
+          <a:fillRef idx="1">
+            <a:schemeClr val="accent1"/>
+          </a:fillRef>
+          <a:effectRef idx="0">
+            <a:schemeClr val="accent1"/>
+          </a:effectRef>
+          <a:fontRef idx="minor">
+            <a:schemeClr val="lt1"/>
+          </a:fontRef>
+        </p:style>
+        <p:txBody>
+          <a:bodyPr rtlCol="0" anchor="ctr"/>
+          <a:lstStyle/>
+          <a:p>
+            <a:pPr algn="ctr"/>
+            <a:r>
+              <a:rPr lang="de-DE" sz="800" dirty="0">
+                <a:solidFill>
+                  <a:schemeClr val="tx1"/>
+                </a:solidFill>
+              </a:rPr>
+              <a:t>ORB Pose, </a:t>
+            </a:r>
+          </a:p>
+          <a:p>
+            <a:pPr algn="ctr"/>
+            <a:r>
+              <a:rPr lang="de-DE" sz="800" dirty="0">
+                <a:solidFill>
+                  <a:schemeClr val="tx1"/>
+                </a:solidFill>
+              </a:rPr>
+              <a:t>ORB Point </a:t>
+            </a:r>
+            <a:r>
+              <a:rPr lang="de-DE" sz="800" dirty="0" err="1">
+                <a:solidFill>
+                  <a:schemeClr val="tx1"/>
+                </a:solidFill>
+              </a:rPr>
+              <a:t>cloud</a:t>
+            </a:r>
+            <a:r>
+              <a:rPr lang="de-DE" sz="800" dirty="0">
+                <a:solidFill>
+                  <a:schemeClr val="tx1"/>
+                </a:solidFill>
+              </a:rPr>
+              <a:t>,</a:t>
+            </a:r>
+          </a:p>
+          <a:p>
+            <a:pPr algn="ctr"/>
+            <a:r>
+              <a:rPr lang="de-DE" sz="800" dirty="0" err="1">
+                <a:solidFill>
+                  <a:schemeClr val="tx1"/>
+                </a:solidFill>
+              </a:rPr>
+              <a:t>Scale</a:t>
+            </a:r>
+            <a:r>
+              <a:rPr lang="de-DE" sz="800" dirty="0">
+                <a:solidFill>
+                  <a:schemeClr val="tx1"/>
+                </a:solidFill>
+              </a:rPr>
+              <a:t>, Rotation Matrix,</a:t>
+            </a:r>
+          </a:p>
+          <a:p>
+            <a:pPr algn="ctr"/>
+            <a:r>
+              <a:rPr lang="de-DE" sz="800" dirty="0">
+                <a:solidFill>
+                  <a:schemeClr val="tx1"/>
+                </a:solidFill>
+              </a:rPr>
+              <a:t>Translation </a:t>
+            </a:r>
+            <a:endParaRPr lang="en-US" sz="800" dirty="0">
+              <a:solidFill>
+                <a:schemeClr val="tx1"/>
+              </a:solidFill>
+            </a:endParaRPr>
+          </a:p>
+        </p:txBody>
+      </p:sp>
+      <p:sp>
+        <p:nvSpPr>
+          <p:cNvPr id="183" name="Ellipse 182">
+            <a:extLst>
+              <a:ext uri="{FF2B5EF4-FFF2-40B4-BE49-F238E27FC236}">
+                <a16:creationId xmlns:a16="http://schemas.microsoft.com/office/drawing/2014/main" id="{4610D6D6-7F44-4E3F-998F-CED3AC8F1D20}"/>
+              </a:ext>
+            </a:extLst>
+          </p:cNvPr>
+          <p:cNvSpPr/>
+          <p:nvPr/>
+        </p:nvSpPr>
+        <p:spPr>
+          <a:xfrm>
+            <a:off x="6879101" y="5587640"/>
+            <a:ext cx="1120335" cy="1033126"/>
+          </a:xfrm>
+          <a:prstGeom prst="ellipse">
+            <a:avLst/>
+          </a:prstGeom>
+          <a:solidFill>
+            <a:schemeClr val="accent6">
+              <a:lumMod val="40000"/>
+              <a:lumOff val="60000"/>
+            </a:schemeClr>
+          </a:solidFill>
+        </p:spPr>
+        <p:style>
+          <a:lnRef idx="2">
+            <a:schemeClr val="accent1">
+              <a:shade val="50000"/>
+            </a:schemeClr>
+          </a:lnRef>
+          <a:fillRef idx="1">
+            <a:schemeClr val="accent1"/>
+          </a:fillRef>
+          <a:effectRef idx="0">
+            <a:schemeClr val="accent1"/>
+          </a:effectRef>
+          <a:fontRef idx="minor">
+            <a:schemeClr val="lt1"/>
+          </a:fontRef>
+        </p:style>
+        <p:txBody>
+          <a:bodyPr rtlCol="0" anchor="ctr"/>
+          <a:lstStyle/>
+          <a:p>
+            <a:pPr algn="ctr"/>
+            <a:r>
+              <a:rPr lang="de-DE" sz="800" dirty="0" err="1">
+                <a:solidFill>
+                  <a:schemeClr val="tx1"/>
+                </a:solidFill>
+              </a:rPr>
+              <a:t>Transformed</a:t>
+            </a:r>
+            <a:r>
+              <a:rPr lang="de-DE" sz="800" dirty="0">
+                <a:solidFill>
+                  <a:schemeClr val="tx1"/>
+                </a:solidFill>
+              </a:rPr>
+              <a:t> Point </a:t>
+            </a:r>
+            <a:r>
+              <a:rPr lang="de-DE" sz="800" dirty="0" err="1">
+                <a:solidFill>
+                  <a:schemeClr val="tx1"/>
+                </a:solidFill>
+              </a:rPr>
+              <a:t>cloud</a:t>
+            </a:r>
+            <a:r>
+              <a:rPr lang="de-DE" sz="800" dirty="0">
+                <a:solidFill>
+                  <a:schemeClr val="tx1"/>
+                </a:solidFill>
+              </a:rPr>
+              <a:t>, </a:t>
+            </a:r>
+          </a:p>
+          <a:p>
+            <a:pPr algn="ctr"/>
+            <a:r>
+              <a:rPr lang="de-DE" sz="800" dirty="0" err="1">
+                <a:solidFill>
+                  <a:schemeClr val="tx1"/>
+                </a:solidFill>
+              </a:rPr>
+              <a:t>Transformed</a:t>
+            </a:r>
+            <a:r>
+              <a:rPr lang="de-DE" sz="800" dirty="0">
+                <a:solidFill>
+                  <a:schemeClr val="tx1"/>
+                </a:solidFill>
+              </a:rPr>
+              <a:t> Pose</a:t>
+            </a:r>
+          </a:p>
+        </p:txBody>
+      </p:sp>
+      <p:sp>
+        <p:nvSpPr>
+          <p:cNvPr id="185" name="Ellipse 184">
+            <a:extLst>
+              <a:ext uri="{FF2B5EF4-FFF2-40B4-BE49-F238E27FC236}">
+                <a16:creationId xmlns:a16="http://schemas.microsoft.com/office/drawing/2014/main" id="{80F003EA-7AE8-4034-BF88-623FEADC20D3}"/>
+              </a:ext>
+            </a:extLst>
+          </p:cNvPr>
+          <p:cNvSpPr/>
+          <p:nvPr/>
+        </p:nvSpPr>
+        <p:spPr>
+          <a:xfrm>
+            <a:off x="2995042" y="3286869"/>
+            <a:ext cx="914400" cy="914400"/>
+          </a:xfrm>
+          <a:prstGeom prst="ellipse">
+            <a:avLst/>
+          </a:prstGeom>
+          <a:solidFill>
+            <a:schemeClr val="accent6">
+              <a:lumMod val="40000"/>
+              <a:lumOff val="60000"/>
+            </a:schemeClr>
+          </a:solidFill>
+        </p:spPr>
+        <p:style>
+          <a:lnRef idx="2">
+            <a:schemeClr val="accent1">
+              <a:shade val="50000"/>
+            </a:schemeClr>
+          </a:lnRef>
+          <a:fillRef idx="1">
+            <a:schemeClr val="accent1"/>
+          </a:fillRef>
+          <a:effectRef idx="0">
+            <a:schemeClr val="accent1"/>
+          </a:effectRef>
+          <a:fontRef idx="minor">
+            <a:schemeClr val="lt1"/>
+          </a:fontRef>
+        </p:style>
+        <p:txBody>
+          <a:bodyPr rtlCol="0" anchor="ctr"/>
+          <a:lstStyle/>
+          <a:p>
+            <a:pPr algn="ctr"/>
+            <a:r>
+              <a:rPr lang="de-DE" sz="800" dirty="0">
+                <a:solidFill>
+                  <a:schemeClr val="tx1"/>
+                </a:solidFill>
+              </a:rPr>
+              <a:t>ORB Pose, </a:t>
+            </a:r>
+            <a:r>
+              <a:rPr lang="de-DE" sz="800" dirty="0" err="1">
+                <a:solidFill>
+                  <a:schemeClr val="tx1"/>
+                </a:solidFill>
+              </a:rPr>
+              <a:t>Postion</a:t>
+            </a:r>
+            <a:r>
+              <a:rPr lang="de-DE" sz="800" dirty="0">
+                <a:solidFill>
+                  <a:schemeClr val="tx1"/>
+                </a:solidFill>
+              </a:rPr>
+              <a:t> </a:t>
+            </a:r>
+            <a:r>
+              <a:rPr lang="de-DE" sz="800" dirty="0" err="1">
+                <a:solidFill>
+                  <a:schemeClr val="tx1"/>
+                </a:solidFill>
+              </a:rPr>
+              <a:t>Estimation</a:t>
+            </a:r>
+            <a:endParaRPr lang="de-DE" sz="800" dirty="0">
+              <a:solidFill>
+                <a:schemeClr val="tx1"/>
+              </a:solidFill>
+            </a:endParaRPr>
+          </a:p>
+        </p:txBody>
+      </p:sp>
+      <p:sp>
+        <p:nvSpPr>
+          <p:cNvPr id="188" name="Ellipse 187">
+            <a:extLst>
+              <a:ext uri="{FF2B5EF4-FFF2-40B4-BE49-F238E27FC236}">
+                <a16:creationId xmlns:a16="http://schemas.microsoft.com/office/drawing/2014/main" id="{5C5DEB52-6D26-4ED0-B987-5AE21CF008B4}"/>
+              </a:ext>
+            </a:extLst>
+          </p:cNvPr>
+          <p:cNvSpPr/>
+          <p:nvPr/>
+        </p:nvSpPr>
+        <p:spPr>
+          <a:xfrm>
+            <a:off x="7999437" y="1923280"/>
+            <a:ext cx="914400" cy="914400"/>
+          </a:xfrm>
+          <a:prstGeom prst="ellipse">
+            <a:avLst/>
+          </a:prstGeom>
+          <a:solidFill>
+            <a:schemeClr val="accent1">
+              <a:lumMod val="40000"/>
+              <a:lumOff val="60000"/>
+            </a:schemeClr>
+          </a:solidFill>
+          <a:ln>
+            <a:solidFill>
+              <a:schemeClr val="tx1"/>
+            </a:solidFill>
+          </a:ln>
+        </p:spPr>
+        <p:style>
+          <a:lnRef idx="2">
+            <a:schemeClr val="accent1">
+              <a:shade val="50000"/>
+            </a:schemeClr>
+          </a:lnRef>
+          <a:fillRef idx="1">
+            <a:schemeClr val="accent1"/>
+          </a:fillRef>
+          <a:effectRef idx="0">
+            <a:schemeClr val="accent1"/>
+          </a:effectRef>
+          <a:fontRef idx="minor">
+            <a:schemeClr val="lt1"/>
+          </a:fontRef>
+        </p:style>
+        <p:txBody>
+          <a:bodyPr rtlCol="0" anchor="ctr"/>
+          <a:lstStyle/>
+          <a:p>
+            <a:pPr algn="ctr"/>
+            <a:r>
+              <a:rPr lang="de-DE" sz="800" dirty="0" err="1">
+                <a:solidFill>
+                  <a:schemeClr val="tx1"/>
+                </a:solidFill>
+              </a:rPr>
+              <a:t>Drone</a:t>
+            </a:r>
+            <a:r>
+              <a:rPr lang="de-DE" sz="800" dirty="0">
+                <a:solidFill>
+                  <a:schemeClr val="tx1"/>
+                </a:solidFill>
+              </a:rPr>
+              <a:t> Sensors</a:t>
+            </a:r>
+            <a:endParaRPr lang="en-US" sz="800" dirty="0">
+              <a:solidFill>
+                <a:schemeClr val="tx1"/>
+              </a:solidFill>
+            </a:endParaRPr>
+          </a:p>
+        </p:txBody>
+      </p:sp>
+      <p:sp>
+        <p:nvSpPr>
+          <p:cNvPr id="189" name="Ellipse 188">
+            <a:extLst>
+              <a:ext uri="{FF2B5EF4-FFF2-40B4-BE49-F238E27FC236}">
+                <a16:creationId xmlns:a16="http://schemas.microsoft.com/office/drawing/2014/main" id="{98C5C80E-667A-4B21-801F-F84029110BA0}"/>
+              </a:ext>
+            </a:extLst>
+          </p:cNvPr>
+          <p:cNvSpPr/>
+          <p:nvPr/>
+        </p:nvSpPr>
+        <p:spPr>
+          <a:xfrm>
+            <a:off x="3716842" y="1262652"/>
+            <a:ext cx="914400" cy="914400"/>
+          </a:xfrm>
+          <a:prstGeom prst="ellipse">
+            <a:avLst/>
+          </a:prstGeom>
+          <a:solidFill>
+            <a:schemeClr val="accent1">
+              <a:lumMod val="40000"/>
+              <a:lumOff val="60000"/>
+            </a:schemeClr>
+          </a:solidFill>
+          <a:ln>
+            <a:solidFill>
+              <a:schemeClr val="tx1"/>
+            </a:solidFill>
+          </a:ln>
+        </p:spPr>
+        <p:style>
+          <a:lnRef idx="2">
+            <a:schemeClr val="accent1">
+              <a:shade val="50000"/>
+            </a:schemeClr>
+          </a:lnRef>
+          <a:fillRef idx="1">
+            <a:schemeClr val="accent1"/>
+          </a:fillRef>
+          <a:effectRef idx="0">
+            <a:schemeClr val="accent1"/>
+          </a:effectRef>
+          <a:fontRef idx="minor">
+            <a:schemeClr val="lt1"/>
+          </a:fontRef>
+        </p:style>
+        <p:txBody>
+          <a:bodyPr rtlCol="0" anchor="ctr"/>
+          <a:lstStyle/>
+          <a:p>
+            <a:pPr algn="ctr"/>
+            <a:r>
+              <a:rPr lang="de-DE" sz="800" dirty="0">
+                <a:solidFill>
+                  <a:schemeClr val="tx1"/>
+                </a:solidFill>
+              </a:rPr>
+              <a:t>ORB Pose, </a:t>
+            </a:r>
+          </a:p>
+          <a:p>
+            <a:pPr algn="ctr"/>
+            <a:r>
+              <a:rPr lang="de-DE" sz="800" dirty="0">
+                <a:solidFill>
+                  <a:schemeClr val="tx1"/>
+                </a:solidFill>
+              </a:rPr>
+              <a:t>ORB Point </a:t>
+            </a:r>
+            <a:r>
+              <a:rPr lang="de-DE" sz="800" dirty="0" err="1">
+                <a:solidFill>
+                  <a:schemeClr val="tx1"/>
+                </a:solidFill>
+              </a:rPr>
+              <a:t>cloud</a:t>
+            </a:r>
+            <a:endParaRPr lang="en-US" sz="800" dirty="0">
+              <a:solidFill>
+                <a:schemeClr val="tx1"/>
+              </a:solidFill>
+            </a:endParaRPr>
+          </a:p>
+        </p:txBody>
+      </p:sp>
+      <p:sp>
+        <p:nvSpPr>
+          <p:cNvPr id="190" name="Ellipse 189">
+            <a:extLst>
+              <a:ext uri="{FF2B5EF4-FFF2-40B4-BE49-F238E27FC236}">
+                <a16:creationId xmlns:a16="http://schemas.microsoft.com/office/drawing/2014/main" id="{E8F71F7B-2ECD-4C71-8184-AAB18B60355F}"/>
+              </a:ext>
+            </a:extLst>
+          </p:cNvPr>
+          <p:cNvSpPr/>
+          <p:nvPr/>
+        </p:nvSpPr>
+        <p:spPr>
+          <a:xfrm>
+            <a:off x="5577890" y="4690230"/>
+            <a:ext cx="914400" cy="914400"/>
+          </a:xfrm>
+          <a:prstGeom prst="ellipse">
+            <a:avLst/>
+          </a:prstGeom>
+          <a:solidFill>
+            <a:schemeClr val="accent1">
+              <a:lumMod val="40000"/>
+              <a:lumOff val="60000"/>
+            </a:schemeClr>
+          </a:solidFill>
+          <a:ln>
+            <a:solidFill>
+              <a:schemeClr val="tx1"/>
+            </a:solidFill>
+          </a:ln>
+        </p:spPr>
+        <p:style>
+          <a:lnRef idx="2">
+            <a:schemeClr val="accent1">
+              <a:shade val="50000"/>
+            </a:schemeClr>
+          </a:lnRef>
+          <a:fillRef idx="1">
+            <a:schemeClr val="accent1"/>
+          </a:fillRef>
+          <a:effectRef idx="0">
+            <a:schemeClr val="accent1"/>
+          </a:effectRef>
+          <a:fontRef idx="minor">
+            <a:schemeClr val="lt1"/>
+          </a:fontRef>
+        </p:style>
+        <p:txBody>
+          <a:bodyPr rtlCol="0" anchor="ctr"/>
+          <a:lstStyle/>
+          <a:p>
+            <a:pPr algn="ctr"/>
+            <a:r>
+              <a:rPr lang="de-DE" sz="800" dirty="0" err="1">
+                <a:solidFill>
+                  <a:schemeClr val="tx1"/>
+                </a:solidFill>
+              </a:rPr>
+              <a:t>Drone</a:t>
+            </a:r>
+            <a:r>
+              <a:rPr lang="de-DE" sz="800" dirty="0">
+                <a:solidFill>
+                  <a:schemeClr val="tx1"/>
+                </a:solidFill>
+              </a:rPr>
+              <a:t> Control Input</a:t>
+            </a:r>
+            <a:endParaRPr lang="en-US" sz="800" dirty="0">
+              <a:solidFill>
+                <a:schemeClr val="tx1"/>
+              </a:solidFill>
+            </a:endParaRPr>
+          </a:p>
+        </p:txBody>
+      </p:sp>
+      <p:sp>
+        <p:nvSpPr>
+          <p:cNvPr id="191" name="Ellipse 190">
+            <a:extLst>
+              <a:ext uri="{FF2B5EF4-FFF2-40B4-BE49-F238E27FC236}">
+                <a16:creationId xmlns:a16="http://schemas.microsoft.com/office/drawing/2014/main" id="{BDD0F53B-4B7F-41CE-9B1B-F97301140A2C}"/>
+              </a:ext>
+            </a:extLst>
+          </p:cNvPr>
+          <p:cNvSpPr/>
+          <p:nvPr/>
+        </p:nvSpPr>
+        <p:spPr>
+          <a:xfrm>
+            <a:off x="2516243" y="1578601"/>
+            <a:ext cx="957599" cy="914400"/>
+          </a:xfrm>
+          <a:prstGeom prst="ellipse">
+            <a:avLst/>
+          </a:prstGeom>
+          <a:solidFill>
+            <a:schemeClr val="accent1">
+              <a:lumMod val="40000"/>
+              <a:lumOff val="60000"/>
+            </a:schemeClr>
+          </a:solidFill>
+          <a:ln>
+            <a:solidFill>
+              <a:schemeClr val="tx1"/>
+            </a:solidFill>
+          </a:ln>
+        </p:spPr>
+        <p:style>
+          <a:lnRef idx="2">
+            <a:schemeClr val="accent1">
+              <a:shade val="50000"/>
+            </a:schemeClr>
+          </a:lnRef>
+          <a:fillRef idx="1">
+            <a:schemeClr val="accent1"/>
+          </a:fillRef>
+          <a:effectRef idx="0">
+            <a:schemeClr val="accent1"/>
+          </a:effectRef>
+          <a:fontRef idx="minor">
+            <a:schemeClr val="lt1"/>
+          </a:fontRef>
+        </p:style>
+        <p:txBody>
+          <a:bodyPr rtlCol="0" anchor="ctr"/>
+          <a:lstStyle/>
+          <a:p>
+            <a:pPr algn="ctr"/>
+            <a:r>
+              <a:rPr lang="de-DE" sz="800" dirty="0" err="1">
+                <a:solidFill>
+                  <a:schemeClr val="tx1"/>
+                </a:solidFill>
+              </a:rPr>
+              <a:t>Scale</a:t>
+            </a:r>
+            <a:r>
+              <a:rPr lang="de-DE" sz="800" dirty="0">
+                <a:solidFill>
+                  <a:schemeClr val="tx1"/>
+                </a:solidFill>
+              </a:rPr>
+              <a:t>, Rotation Matrix, Translation Vector</a:t>
+            </a:r>
+            <a:endParaRPr lang="en-US" sz="800" dirty="0">
+              <a:solidFill>
+                <a:schemeClr val="tx1"/>
+              </a:solidFill>
+            </a:endParaRPr>
+          </a:p>
+        </p:txBody>
+      </p:sp>
+      <p:sp>
+        <p:nvSpPr>
+          <p:cNvPr id="192" name="Ellipse 191">
+            <a:extLst>
+              <a:ext uri="{FF2B5EF4-FFF2-40B4-BE49-F238E27FC236}">
+                <a16:creationId xmlns:a16="http://schemas.microsoft.com/office/drawing/2014/main" id="{E24E0B30-774D-4D95-892A-3B3EAF10D73B}"/>
+              </a:ext>
+            </a:extLst>
+          </p:cNvPr>
+          <p:cNvSpPr/>
+          <p:nvPr/>
+        </p:nvSpPr>
+        <p:spPr>
+          <a:xfrm>
+            <a:off x="9550612" y="892308"/>
+            <a:ext cx="686464" cy="678645"/>
+          </a:xfrm>
+          <a:prstGeom prst="ellipse">
+            <a:avLst/>
+          </a:prstGeom>
+          <a:solidFill>
+            <a:schemeClr val="accent1">
+              <a:lumMod val="40000"/>
+              <a:lumOff val="60000"/>
+            </a:schemeClr>
+          </a:solidFill>
+          <a:ln>
+            <a:solidFill>
+              <a:schemeClr val="tx1"/>
+            </a:solidFill>
+          </a:ln>
+        </p:spPr>
+        <p:style>
+          <a:lnRef idx="2">
+            <a:schemeClr val="accent1">
+              <a:shade val="50000"/>
+            </a:schemeClr>
+          </a:lnRef>
+          <a:fillRef idx="1">
+            <a:schemeClr val="accent1"/>
+          </a:fillRef>
+          <a:effectRef idx="0">
+            <a:schemeClr val="accent1"/>
+          </a:effectRef>
+          <a:fontRef idx="minor">
+            <a:schemeClr val="lt1"/>
+          </a:fontRef>
+        </p:style>
+        <p:txBody>
+          <a:bodyPr rtlCol="0" anchor="ctr"/>
+          <a:lstStyle/>
+          <a:p>
+            <a:pPr algn="ctr"/>
+            <a:r>
+              <a:rPr lang="de-DE" sz="800" dirty="0" err="1">
+                <a:solidFill>
+                  <a:schemeClr val="tx1"/>
+                </a:solidFill>
+              </a:rPr>
+              <a:t>Node</a:t>
+            </a:r>
+            <a:r>
+              <a:rPr lang="de-DE" sz="800" dirty="0">
+                <a:solidFill>
+                  <a:schemeClr val="tx1"/>
+                </a:solidFill>
+              </a:rPr>
+              <a:t> Output</a:t>
+            </a:r>
+          </a:p>
+        </p:txBody>
+      </p:sp>
+      <p:sp>
+        <p:nvSpPr>
+          <p:cNvPr id="195" name="Ellipse 194">
+            <a:extLst>
+              <a:ext uri="{FF2B5EF4-FFF2-40B4-BE49-F238E27FC236}">
+                <a16:creationId xmlns:a16="http://schemas.microsoft.com/office/drawing/2014/main" id="{BEAE731C-1839-488B-A16B-D940CEE86DA1}"/>
+              </a:ext>
+            </a:extLst>
+          </p:cNvPr>
+          <p:cNvSpPr/>
+          <p:nvPr/>
+        </p:nvSpPr>
+        <p:spPr>
+          <a:xfrm>
+            <a:off x="9550612" y="1780708"/>
+            <a:ext cx="686464" cy="678645"/>
+          </a:xfrm>
+          <a:prstGeom prst="ellipse">
+            <a:avLst/>
+          </a:prstGeom>
+          <a:solidFill>
+            <a:schemeClr val="accent6">
+              <a:lumMod val="40000"/>
+              <a:lumOff val="60000"/>
+            </a:schemeClr>
+          </a:solidFill>
+        </p:spPr>
+        <p:style>
+          <a:lnRef idx="2">
+            <a:schemeClr val="accent1">
+              <a:shade val="50000"/>
+            </a:schemeClr>
+          </a:lnRef>
+          <a:fillRef idx="1">
+            <a:schemeClr val="accent1"/>
+          </a:fillRef>
+          <a:effectRef idx="0">
+            <a:schemeClr val="accent1"/>
+          </a:effectRef>
+          <a:fontRef idx="minor">
+            <a:schemeClr val="lt1"/>
+          </a:fontRef>
+        </p:style>
+        <p:txBody>
+          <a:bodyPr rtlCol="0" anchor="ctr"/>
+          <a:lstStyle/>
+          <a:p>
+            <a:pPr algn="ctr"/>
+            <a:r>
+              <a:rPr lang="de-DE" sz="800" dirty="0" err="1">
+                <a:solidFill>
+                  <a:schemeClr val="tx1"/>
+                </a:solidFill>
+              </a:rPr>
+              <a:t>Node</a:t>
+            </a:r>
+            <a:r>
+              <a:rPr lang="de-DE" sz="800" dirty="0">
+                <a:solidFill>
+                  <a:schemeClr val="tx1"/>
+                </a:solidFill>
+              </a:rPr>
+              <a:t> </a:t>
+            </a:r>
+          </a:p>
+          <a:p>
+            <a:pPr algn="ctr"/>
+            <a:r>
+              <a:rPr lang="de-DE" sz="800" dirty="0">
+                <a:solidFill>
+                  <a:schemeClr val="tx1"/>
+                </a:solidFill>
+              </a:rPr>
+              <a:t>Input</a:t>
+            </a:r>
+            <a:endParaRPr lang="en-US" sz="800" dirty="0">
+              <a:solidFill>
+                <a:schemeClr val="tx1"/>
+              </a:solidFill>
+            </a:endParaRPr>
+          </a:p>
+        </p:txBody>
+      </p:sp>
+      <p:sp>
+        <p:nvSpPr>
+          <p:cNvPr id="197" name="Rechteck: abgerundete Ecken 196">
+            <a:extLst>
+              <a:ext uri="{FF2B5EF4-FFF2-40B4-BE49-F238E27FC236}">
+                <a16:creationId xmlns:a16="http://schemas.microsoft.com/office/drawing/2014/main" id="{961CDC17-B1D3-4EF2-BEA1-27D8BA93BD89}"/>
+              </a:ext>
+            </a:extLst>
+          </p:cNvPr>
+          <p:cNvSpPr/>
+          <p:nvPr/>
+        </p:nvSpPr>
+        <p:spPr>
+          <a:xfrm>
+            <a:off x="9346694" y="455814"/>
+            <a:ext cx="1085523" cy="2147039"/>
+          </a:xfrm>
+          <a:prstGeom prst="roundRect">
+            <a:avLst/>
+          </a:prstGeom>
+          <a:noFill/>
+        </p:spPr>
+        <p:style>
+          <a:lnRef idx="2">
+            <a:schemeClr val="dk1"/>
+          </a:lnRef>
+          <a:fillRef idx="1">
+            <a:schemeClr val="lt1"/>
+          </a:fillRef>
+          <a:effectRef idx="0">
+            <a:schemeClr val="dk1"/>
+          </a:effectRef>
+          <a:fontRef idx="minor">
+            <a:schemeClr val="dk1"/>
+          </a:fontRef>
+        </p:style>
+        <p:txBody>
+          <a:bodyPr rtlCol="0" anchor="t" anchorCtr="0"/>
+          <a:lstStyle/>
+          <a:p>
+            <a:pPr algn="ctr"/>
+            <a:r>
+              <a:rPr lang="de-DE" dirty="0">
+                <a:effectLst>
+                  <a:outerShdw blurRad="50800" dist="50800" dir="5400000" sx="5000" sy="5000" algn="ctr" rotWithShape="0">
+                    <a:srgbClr val="000000">
+                      <a:alpha val="43137"/>
+                    </a:srgbClr>
+                  </a:outerShdw>
+                </a:effectLst>
+              </a:rPr>
+              <a:t>Colors:</a:t>
+            </a:r>
+            <a:endParaRPr lang="en-US" dirty="0">
+              <a:effectLst>
+                <a:outerShdw blurRad="50800" dist="50800" dir="5400000" sx="5000" sy="5000" algn="ctr" rotWithShape="0">
+                  <a:srgbClr val="000000">
+                    <a:alpha val="43137"/>
+                  </a:srgbClr>
+                </a:outerShdw>
+              </a:effectLst>
+            </a:endParaRPr>
+          </a:p>
+        </p:txBody>
+      </p:sp>
+      <p:sp>
+        <p:nvSpPr>
+          <p:cNvPr id="45" name="Rechteck 44">
+            <a:extLst>
+              <a:ext uri="{FF2B5EF4-FFF2-40B4-BE49-F238E27FC236}">
+                <a16:creationId xmlns:a16="http://schemas.microsoft.com/office/drawing/2014/main" id="{87C1E92C-9E07-4346-ACD3-AF108D3419CA}"/>
+              </a:ext>
+            </a:extLst>
+          </p:cNvPr>
+          <p:cNvSpPr/>
+          <p:nvPr/>
+        </p:nvSpPr>
+        <p:spPr>
+          <a:xfrm>
+            <a:off x="2966242" y="5615807"/>
+            <a:ext cx="972000" cy="936000"/>
+          </a:xfrm>
+          <a:prstGeom prst="rect">
+            <a:avLst/>
+          </a:prstGeom>
+          <a:ln>
+            <a:solidFill>
+              <a:schemeClr val="tx1"/>
+            </a:solidFill>
+          </a:ln>
+        </p:spPr>
+        <p:style>
+          <a:lnRef idx="2">
+            <a:schemeClr val="accent6"/>
+          </a:lnRef>
+          <a:fillRef idx="1">
+            <a:schemeClr val="lt1"/>
+          </a:fillRef>
+          <a:effectRef idx="0">
+            <a:schemeClr val="accent6"/>
+          </a:effectRef>
+          <a:fontRef idx="minor">
+            <a:schemeClr val="dk1"/>
+          </a:fontRef>
+        </p:style>
+        <p:txBody>
+          <a:bodyPr rtlCol="0" anchor="ctr"/>
+          <a:lstStyle/>
+          <a:p>
+            <a:pPr algn="ctr"/>
+            <a:r>
+              <a:rPr lang="de-DE" sz="1100" dirty="0"/>
+              <a:t>Position </a:t>
+            </a:r>
+          </a:p>
+          <a:p>
+            <a:pPr algn="ctr"/>
+            <a:r>
+              <a:rPr lang="de-DE" sz="1100" dirty="0" err="1"/>
+              <a:t>Estimation</a:t>
+            </a:r>
+            <a:r>
+              <a:rPr lang="de-DE" sz="1100" dirty="0"/>
+              <a:t> </a:t>
+            </a:r>
+          </a:p>
+          <a:p>
+            <a:pPr algn="ctr"/>
+            <a:r>
+              <a:rPr lang="de-DE" sz="1100" dirty="0" err="1"/>
+              <a:t>Node</a:t>
+            </a:r>
+            <a:endParaRPr lang="de-DE" sz="1100" dirty="0"/>
+          </a:p>
+        </p:txBody>
+      </p:sp>
+      <p:cxnSp>
+        <p:nvCxnSpPr>
+          <p:cNvPr id="46" name="Verbinder: gekrümmt 45">
+            <a:extLst>
+              <a:ext uri="{FF2B5EF4-FFF2-40B4-BE49-F238E27FC236}">
+                <a16:creationId xmlns:a16="http://schemas.microsoft.com/office/drawing/2014/main" id="{ED711198-6EC6-4FDA-9B8A-3E39134332A2}"/>
+              </a:ext>
+            </a:extLst>
+          </p:cNvPr>
+          <p:cNvCxnSpPr>
+            <a:cxnSpLocks/>
+            <a:stCxn id="6" idx="2"/>
+            <a:endCxn id="45" idx="3"/>
+          </p:cNvCxnSpPr>
+          <p:nvPr/>
+        </p:nvCxnSpPr>
+        <p:spPr>
+          <a:xfrm rot="5400000">
+            <a:off x="3821108" y="4019122"/>
+            <a:ext cx="2181820" cy="1947551"/>
+          </a:xfrm>
+          <a:prstGeom prst="curvedConnector2">
+            <a:avLst/>
+          </a:prstGeom>
+          <a:ln w="25400">
+            <a:solidFill>
+              <a:schemeClr val="tx1">
+                <a:alpha val="54000"/>
+              </a:schemeClr>
+            </a:solidFill>
+            <a:tailEnd type="triangle" w="lg" len="lg"/>
+          </a:ln>
+        </p:spPr>
+        <p:style>
+          <a:lnRef idx="1">
+            <a:schemeClr val="accent1"/>
+          </a:lnRef>
+          <a:fillRef idx="0">
+            <a:schemeClr val="accent1"/>
+          </a:fillRef>
+          <a:effectRef idx="0">
+            <a:schemeClr val="accent1"/>
+          </a:effectRef>
+          <a:fontRef idx="minor">
+            <a:schemeClr val="tx1"/>
+          </a:fontRef>
+        </p:style>
+      </p:cxnSp>
+      <p:cxnSp>
+        <p:nvCxnSpPr>
+          <p:cNvPr id="49" name="Verbinder: gekrümmt 48">
+            <a:extLst>
+              <a:ext uri="{FF2B5EF4-FFF2-40B4-BE49-F238E27FC236}">
+                <a16:creationId xmlns:a16="http://schemas.microsoft.com/office/drawing/2014/main" id="{922815C2-9079-44BC-AB2C-1139E00C7CFA}"/>
+              </a:ext>
+            </a:extLst>
+          </p:cNvPr>
+          <p:cNvCxnSpPr>
+            <a:cxnSpLocks/>
+            <a:stCxn id="45" idx="0"/>
+            <a:endCxn id="6" idx="1"/>
+          </p:cNvCxnSpPr>
+          <p:nvPr/>
+        </p:nvCxnSpPr>
+        <p:spPr>
+          <a:xfrm rot="5400000" flipH="1" flipV="1">
+            <a:off x="3152606" y="3728637"/>
+            <a:ext cx="2186807" cy="1587535"/>
+          </a:xfrm>
+          <a:prstGeom prst="curvedConnector2">
+            <a:avLst/>
+          </a:prstGeom>
+          <a:ln w="25400">
+            <a:solidFill>
+              <a:schemeClr val="tx1">
+                <a:alpha val="54000"/>
+              </a:schemeClr>
+            </a:solidFill>
+            <a:tailEnd type="triangle" w="lg" len="lg"/>
+          </a:ln>
+        </p:spPr>
+        <p:style>
+          <a:lnRef idx="1">
+            <a:schemeClr val="accent1"/>
+          </a:lnRef>
+          <a:fillRef idx="0">
+            <a:schemeClr val="accent1"/>
+          </a:fillRef>
+          <a:effectRef idx="0">
+            <a:schemeClr val="accent1"/>
+          </a:effectRef>
+          <a:fontRef idx="minor">
+            <a:schemeClr val="tx1"/>
+          </a:fontRef>
+        </p:style>
+      </p:cxnSp>
+      <p:sp>
+        <p:nvSpPr>
+          <p:cNvPr id="57" name="Ellipse 56">
+            <a:extLst>
+              <a:ext uri="{FF2B5EF4-FFF2-40B4-BE49-F238E27FC236}">
+                <a16:creationId xmlns:a16="http://schemas.microsoft.com/office/drawing/2014/main" id="{C8652235-EC61-4B9F-BE46-510B708E872D}"/>
+              </a:ext>
+            </a:extLst>
+          </p:cNvPr>
+          <p:cNvSpPr/>
+          <p:nvPr/>
+        </p:nvSpPr>
+        <p:spPr>
+          <a:xfrm>
+            <a:off x="2509041" y="4518240"/>
+            <a:ext cx="914400" cy="914400"/>
+          </a:xfrm>
+          <a:prstGeom prst="ellipse">
+            <a:avLst/>
+          </a:prstGeom>
+          <a:solidFill>
+            <a:schemeClr val="accent1">
+              <a:lumMod val="40000"/>
+              <a:lumOff val="60000"/>
+            </a:schemeClr>
+          </a:solidFill>
+          <a:ln>
+            <a:solidFill>
+              <a:schemeClr val="tx1"/>
+            </a:solidFill>
+          </a:ln>
+        </p:spPr>
+        <p:style>
+          <a:lnRef idx="2">
+            <a:schemeClr val="accent1">
+              <a:shade val="50000"/>
+            </a:schemeClr>
+          </a:lnRef>
+          <a:fillRef idx="1">
+            <a:schemeClr val="accent1"/>
+          </a:fillRef>
+          <a:effectRef idx="0">
+            <a:schemeClr val="accent1"/>
+          </a:effectRef>
+          <a:fontRef idx="minor">
+            <a:schemeClr val="lt1"/>
+          </a:fontRef>
+        </p:style>
+        <p:txBody>
+          <a:bodyPr rtlCol="0" anchor="ctr"/>
+          <a:lstStyle/>
+          <a:p>
+            <a:pPr algn="ctr"/>
+            <a:r>
+              <a:rPr lang="de-DE" sz="800" dirty="0">
+                <a:solidFill>
+                  <a:schemeClr val="tx1"/>
+                </a:solidFill>
+              </a:rPr>
+              <a:t>Position </a:t>
+            </a:r>
+          </a:p>
+          <a:p>
+            <a:pPr algn="ctr"/>
+            <a:r>
+              <a:rPr lang="de-DE" sz="800" dirty="0" err="1">
+                <a:solidFill>
+                  <a:schemeClr val="tx1"/>
+                </a:solidFill>
+              </a:rPr>
+              <a:t>Estimation</a:t>
+            </a:r>
+            <a:endParaRPr lang="en-US" sz="800" dirty="0">
+              <a:solidFill>
+                <a:schemeClr val="tx1"/>
+              </a:solidFill>
+            </a:endParaRPr>
+          </a:p>
+        </p:txBody>
+      </p:sp>
+      <p:sp>
+        <p:nvSpPr>
+          <p:cNvPr id="58" name="Ellipse 57">
+            <a:extLst>
+              <a:ext uri="{FF2B5EF4-FFF2-40B4-BE49-F238E27FC236}">
+                <a16:creationId xmlns:a16="http://schemas.microsoft.com/office/drawing/2014/main" id="{754163BB-09E0-453E-9A53-F4D26026F76A}"/>
+              </a:ext>
+            </a:extLst>
+          </p:cNvPr>
+          <p:cNvSpPr/>
+          <p:nvPr/>
+        </p:nvSpPr>
+        <p:spPr>
+          <a:xfrm>
+            <a:off x="4037208" y="4892103"/>
+            <a:ext cx="914400" cy="914400"/>
+          </a:xfrm>
+          <a:prstGeom prst="ellipse">
+            <a:avLst/>
+          </a:prstGeom>
+          <a:solidFill>
+            <a:schemeClr val="accent6">
+              <a:lumMod val="40000"/>
+              <a:lumOff val="60000"/>
+            </a:schemeClr>
+          </a:solidFill>
+        </p:spPr>
+        <p:style>
+          <a:lnRef idx="2">
+            <a:schemeClr val="accent1">
+              <a:shade val="50000"/>
+            </a:schemeClr>
+          </a:lnRef>
+          <a:fillRef idx="1">
+            <a:schemeClr val="accent1"/>
+          </a:fillRef>
+          <a:effectRef idx="0">
+            <a:schemeClr val="accent1"/>
+          </a:effectRef>
+          <a:fontRef idx="minor">
+            <a:schemeClr val="lt1"/>
+          </a:fontRef>
+        </p:style>
+        <p:txBody>
+          <a:bodyPr rtlCol="0" anchor="ctr"/>
+          <a:lstStyle/>
+          <a:p>
+            <a:pPr algn="ctr"/>
+            <a:r>
+              <a:rPr lang="de-DE" sz="800" dirty="0" err="1">
+                <a:solidFill>
+                  <a:schemeClr val="tx1"/>
+                </a:solidFill>
+              </a:rPr>
+              <a:t>Drone</a:t>
+            </a:r>
+            <a:r>
+              <a:rPr lang="de-DE" sz="800" dirty="0">
+                <a:solidFill>
+                  <a:schemeClr val="tx1"/>
+                </a:solidFill>
+              </a:rPr>
+              <a:t> Sensors</a:t>
+            </a:r>
+            <a:endParaRPr lang="en-US" sz="800" dirty="0">
+              <a:solidFill>
+                <a:schemeClr val="tx1"/>
+              </a:solidFill>
+            </a:endParaRPr>
+          </a:p>
+        </p:txBody>
+      </p:sp>
+    </p:spTree>
+    <p:extLst>
+      <p:ext uri="{BB962C8B-B14F-4D97-AF65-F5344CB8AC3E}">
+        <p14:creationId xmlns:p14="http://schemas.microsoft.com/office/powerpoint/2010/main" val="1959509727"/>
       </p:ext>
     </p:extLst>
   </p:cSld>
